--- a/presentation/netpyne-slides.pptx
+++ b/presentation/netpyne-slides.pptx
@@ -9,16 +9,17 @@
     <p:sldId id="257" r:id="rId3"/>
     <p:sldId id="258" r:id="rId4"/>
     <p:sldId id="259" r:id="rId5"/>
-    <p:sldId id="266" r:id="rId6"/>
-    <p:sldId id="260" r:id="rId7"/>
-    <p:sldId id="261" r:id="rId8"/>
-    <p:sldId id="271" r:id="rId9"/>
-    <p:sldId id="262" r:id="rId10"/>
-    <p:sldId id="267" r:id="rId11"/>
-    <p:sldId id="269" r:id="rId12"/>
-    <p:sldId id="270" r:id="rId13"/>
-    <p:sldId id="263" r:id="rId14"/>
-    <p:sldId id="264" r:id="rId15"/>
+    <p:sldId id="260" r:id="rId6"/>
+    <p:sldId id="266" r:id="rId7"/>
+    <p:sldId id="272" r:id="rId8"/>
+    <p:sldId id="261" r:id="rId9"/>
+    <p:sldId id="271" r:id="rId10"/>
+    <p:sldId id="262" r:id="rId11"/>
+    <p:sldId id="267" r:id="rId12"/>
+    <p:sldId id="269" r:id="rId13"/>
+    <p:sldId id="270" r:id="rId14"/>
+    <p:sldId id="263" r:id="rId15"/>
+    <p:sldId id="264" r:id="rId16"/>
   </p:sldIdLst>
   <p:sldSz cx="12192000" cy="6858000"/>
   <p:notesSz cx="6858000" cy="9144000"/>
@@ -117,6 +118,11 @@
       </a:defRPr>
     </a:lvl9pPr>
   </p:defaultTextStyle>
+  <p:extLst>
+    <p:ext uri="{EFAFB233-063F-42B5-8137-9DF3F51BA10A}">
+      <p15:sldGuideLst xmlns:p15="http://schemas.microsoft.com/office/powerpoint/2012/main"/>
+    </p:ext>
+  </p:extLst>
 </p:presentation>
 </file>
 
@@ -290,7 +296,7 @@
             <a:fld id="{87DE6118-2437-4B30-8E3C-4D2BE6020583}" type="datetimeFigureOut">
               <a:rPr lang="en-US" dirty="0"/>
               <a:pPr/>
-              <a:t>5/29/21</a:t>
+              <a:t>5/31/21</a:t>
             </a:fld>
             <a:endParaRPr lang="en-US" dirty="0"/>
           </a:p>
@@ -616,7 +622,7 @@
           <a:p>
             <a:fld id="{87DE6118-2437-4B30-8E3C-4D2BE6020583}" type="datetimeFigureOut">
               <a:rPr lang="en-US" dirty="0"/>
-              <a:t>5/29/21</a:t>
+              <a:t>5/31/21</a:t>
             </a:fld>
             <a:endParaRPr lang="en-US" dirty="0"/>
           </a:p>
@@ -791,7 +797,7 @@
           <a:p>
             <a:fld id="{87DE6118-2437-4B30-8E3C-4D2BE6020583}" type="datetimeFigureOut">
               <a:rPr lang="en-US" dirty="0"/>
-              <a:t>5/29/21</a:t>
+              <a:t>5/31/21</a:t>
             </a:fld>
             <a:endParaRPr lang="en-US" dirty="0"/>
           </a:p>
@@ -956,7 +962,7 @@
           <a:p>
             <a:fld id="{87DE6118-2437-4B30-8E3C-4D2BE6020583}" type="datetimeFigureOut">
               <a:rPr lang="en-US" dirty="0"/>
-              <a:t>5/29/21</a:t>
+              <a:t>5/31/21</a:t>
             </a:fld>
             <a:endParaRPr lang="en-US" dirty="0"/>
           </a:p>
@@ -1229,7 +1235,7 @@
             <a:fld id="{87DE6118-2437-4B30-8E3C-4D2BE6020583}" type="datetimeFigureOut">
               <a:rPr lang="en-US" dirty="0"/>
               <a:pPr/>
-              <a:t>5/29/21</a:t>
+              <a:t>5/31/21</a:t>
             </a:fld>
             <a:endParaRPr lang="en-US" dirty="0"/>
           </a:p>
@@ -1619,7 +1625,7 @@
           <a:p>
             <a:fld id="{87DE6118-2437-4B30-8E3C-4D2BE6020583}" type="datetimeFigureOut">
               <a:rPr lang="en-US" dirty="0"/>
-              <a:t>5/29/21</a:t>
+              <a:t>5/31/21</a:t>
             </a:fld>
             <a:endParaRPr lang="en-US" dirty="0"/>
           </a:p>
@@ -2091,7 +2097,7 @@
           <a:p>
             <a:fld id="{87DE6118-2437-4B30-8E3C-4D2BE6020583}" type="datetimeFigureOut">
               <a:rPr lang="en-US" dirty="0"/>
-              <a:t>5/29/21</a:t>
+              <a:t>5/31/21</a:t>
             </a:fld>
             <a:endParaRPr lang="en-US" dirty="0"/>
           </a:p>
@@ -2204,7 +2210,7 @@
           <a:p>
             <a:fld id="{87DE6118-2437-4B30-8E3C-4D2BE6020583}" type="datetimeFigureOut">
               <a:rPr lang="en-US" dirty="0"/>
-              <a:t>5/29/21</a:t>
+              <a:t>5/31/21</a:t>
             </a:fld>
             <a:endParaRPr lang="en-US" dirty="0"/>
           </a:p>
@@ -2294,7 +2300,7 @@
           <a:p>
             <a:fld id="{87DE6118-2437-4B30-8E3C-4D2BE6020583}" type="datetimeFigureOut">
               <a:rPr lang="en-US" dirty="0"/>
-              <a:t>5/29/21</a:t>
+              <a:t>5/31/21</a:t>
             </a:fld>
             <a:endParaRPr lang="en-US" dirty="0"/>
           </a:p>
@@ -2636,7 +2642,7 @@
             <a:fld id="{87DE6118-2437-4B30-8E3C-4D2BE6020583}" type="datetimeFigureOut">
               <a:rPr lang="en-US" dirty="0"/>
               <a:pPr/>
-              <a:t>5/29/21</a:t>
+              <a:t>5/31/21</a:t>
             </a:fld>
             <a:endParaRPr lang="en-US" dirty="0"/>
           </a:p>
@@ -3021,7 +3027,7 @@
             <a:fld id="{87DE6118-2437-4B30-8E3C-4D2BE6020583}" type="datetimeFigureOut">
               <a:rPr lang="en-US" dirty="0"/>
               <a:pPr/>
-              <a:t>5/29/21</a:t>
+              <a:t>5/31/21</a:t>
             </a:fld>
             <a:endParaRPr lang="en-US" dirty="0"/>
           </a:p>
@@ -3296,7 +3302,7 @@
             <a:fld id="{87DE6118-2437-4B30-8E3C-4D2BE6020583}" type="datetimeFigureOut">
               <a:rPr lang="en-US" dirty="0"/>
               <a:pPr/>
-              <a:t>5/29/21</a:t>
+              <a:t>5/31/21</a:t>
             </a:fld>
             <a:endParaRPr lang="en-US" dirty="0"/>
           </a:p>
@@ -3911,6 +3917,174 @@
           <p:cNvPr id="2" name="Title 1">
             <a:extLst>
               <a:ext uri="{FF2B5EF4-FFF2-40B4-BE49-F238E27FC236}">
+                <a16:creationId xmlns:a16="http://schemas.microsoft.com/office/drawing/2014/main" id="{C1887928-B96B-AF43-BC80-4766FA1919C9}"/>
+              </a:ext>
+            </a:extLst>
+          </p:cNvPr>
+          <p:cNvSpPr>
+            <a:spLocks noGrp="1"/>
+          </p:cNvSpPr>
+          <p:nvPr>
+            <p:ph type="title"/>
+          </p:nvPr>
+        </p:nvSpPr>
+        <p:spPr/>
+        <p:txBody>
+          <a:bodyPr/>
+          <a:lstStyle/>
+          <a:p>
+            <a:r>
+              <a:rPr lang="en-US" dirty="0"/>
+              <a:t>Findings</a:t>
+            </a:r>
+          </a:p>
+        </p:txBody>
+      </p:sp>
+      <p:sp>
+        <p:nvSpPr>
+          <p:cNvPr id="3" name="Content Placeholder 2">
+            <a:extLst>
+              <a:ext uri="{FF2B5EF4-FFF2-40B4-BE49-F238E27FC236}">
+                <a16:creationId xmlns:a16="http://schemas.microsoft.com/office/drawing/2014/main" id="{E70FBF5E-078B-6F4B-9D66-19644C6C4AF2}"/>
+              </a:ext>
+            </a:extLst>
+          </p:cNvPr>
+          <p:cNvSpPr>
+            <a:spLocks noGrp="1"/>
+          </p:cNvSpPr>
+          <p:nvPr>
+            <p:ph idx="1"/>
+          </p:nvPr>
+        </p:nvSpPr>
+        <p:spPr/>
+        <p:txBody>
+          <a:bodyPr/>
+          <a:lstStyle/>
+          <a:p>
+            <a:r>
+              <a:rPr lang="en-US" dirty="0"/>
+              <a:t>explored what level of inhibition results in stopping of persistent activity</a:t>
+            </a:r>
+          </a:p>
+          <a:p>
+            <a:pPr lvl="1"/>
+            <a:r>
+              <a:rPr lang="en-US" dirty="0" err="1"/>
+              <a:t>GABAa</a:t>
+            </a:r>
+            <a:r>
+              <a:rPr lang="en-US" dirty="0"/>
+              <a:t> and </a:t>
+            </a:r>
+            <a:r>
+              <a:rPr lang="en-US" dirty="0" err="1"/>
+              <a:t>GABAb</a:t>
+            </a:r>
+            <a:r>
+              <a:rPr lang="en-US" dirty="0"/>
+              <a:t> gain</a:t>
+            </a:r>
+          </a:p>
+          <a:p>
+            <a:pPr lvl="1"/>
+            <a:r>
+              <a:rPr lang="en-US" dirty="0" err="1"/>
+              <a:t>GABAa</a:t>
+            </a:r>
+            <a:r>
+              <a:rPr lang="en-US" dirty="0"/>
+              <a:t> and </a:t>
+            </a:r>
+            <a:r>
+              <a:rPr lang="en-US" dirty="0" err="1"/>
+              <a:t>GABAb</a:t>
+            </a:r>
+            <a:r>
+              <a:rPr lang="en-US" dirty="0"/>
+              <a:t> synapses per connection</a:t>
+            </a:r>
+          </a:p>
+          <a:p>
+            <a:pPr lvl="1"/>
+            <a:r>
+              <a:rPr lang="en-US" dirty="0"/>
+              <a:t>number of FS cells</a:t>
+            </a:r>
+          </a:p>
+          <a:p>
+            <a:r>
+              <a:rPr lang="en-US" dirty="0" err="1"/>
+              <a:t>GABAb</a:t>
+            </a:r>
+            <a:r>
+              <a:rPr lang="en-US" dirty="0"/>
+              <a:t> synapses/connections have biggest influence on network</a:t>
+            </a:r>
+          </a:p>
+          <a:p>
+            <a:r>
+              <a:rPr lang="en-US" dirty="0"/>
+              <a:t>three activities (??) observed</a:t>
+            </a:r>
+          </a:p>
+          <a:p>
+            <a:pPr lvl="1"/>
+            <a:r>
+              <a:rPr lang="en-US" dirty="0"/>
+              <a:t>recurrent firing</a:t>
+            </a:r>
+          </a:p>
+          <a:p>
+            <a:pPr lvl="1"/>
+            <a:r>
+              <a:rPr lang="en-US" dirty="0"/>
+              <a:t>fire only with stimulus</a:t>
+            </a:r>
+          </a:p>
+          <a:p>
+            <a:pPr lvl="1"/>
+            <a:r>
+              <a:rPr lang="en-US" dirty="0"/>
+              <a:t>inhibition too high for firing beyond initial spike</a:t>
+            </a:r>
+          </a:p>
+        </p:txBody>
+      </p:sp>
+    </p:spTree>
+    <p:extLst>
+      <p:ext uri="{BB962C8B-B14F-4D97-AF65-F5344CB8AC3E}">
+        <p14:creationId xmlns:p14="http://schemas.microsoft.com/office/powerpoint/2010/main" val="2195139757"/>
+      </p:ext>
+    </p:extLst>
+  </p:cSld>
+  <p:clrMapOvr>
+    <a:masterClrMapping/>
+  </p:clrMapOvr>
+</p:sld>
+</file>
+
+<file path=ppt/slides/slide11.xml><?xml version="1.0" encoding="utf-8"?>
+<p:sld xmlns:a="http://schemas.openxmlformats.org/drawingml/2006/main" xmlns:r="http://schemas.openxmlformats.org/officeDocument/2006/relationships" xmlns:p="http://schemas.openxmlformats.org/presentationml/2006/main">
+  <p:cSld>
+    <p:spTree>
+      <p:nvGrpSpPr>
+        <p:cNvPr id="1" name=""/>
+        <p:cNvGrpSpPr/>
+        <p:nvPr/>
+      </p:nvGrpSpPr>
+      <p:grpSpPr>
+        <a:xfrm>
+          <a:off x="0" y="0"/>
+          <a:ext cx="0" cy="0"/>
+          <a:chOff x="0" y="0"/>
+          <a:chExt cx="0" cy="0"/>
+        </a:xfrm>
+      </p:grpSpPr>
+      <p:sp>
+        <p:nvSpPr>
+          <p:cNvPr id="2" name="Title 1">
+            <a:extLst>
+              <a:ext uri="{FF2B5EF4-FFF2-40B4-BE49-F238E27FC236}">
                 <a16:creationId xmlns:a16="http://schemas.microsoft.com/office/drawing/2014/main" id="{6C9E180E-B96C-F948-85A6-C63859E46428}"/>
               </a:ext>
             </a:extLst>
@@ -4320,7 +4494,7 @@
 </p:sld>
 </file>
 
-<file path=ppt/slides/slide11.xml><?xml version="1.0" encoding="utf-8"?>
+<file path=ppt/slides/slide12.xml><?xml version="1.0" encoding="utf-8"?>
 <p:sld xmlns:a="http://schemas.openxmlformats.org/drawingml/2006/main" xmlns:r="http://schemas.openxmlformats.org/officeDocument/2006/relationships" xmlns:p="http://schemas.openxmlformats.org/presentationml/2006/main">
   <p:cSld>
     <p:spTree>
@@ -4755,7 +4929,7 @@
 </p:sld>
 </file>
 
-<file path=ppt/slides/slide12.xml><?xml version="1.0" encoding="utf-8"?>
+<file path=ppt/slides/slide13.xml><?xml version="1.0" encoding="utf-8"?>
 <p:sld xmlns:a="http://schemas.openxmlformats.org/drawingml/2006/main" xmlns:r="http://schemas.openxmlformats.org/officeDocument/2006/relationships" xmlns:p="http://schemas.openxmlformats.org/presentationml/2006/main">
   <p:cSld>
     <p:spTree>
@@ -5141,7 +5315,7 @@
 </p:sld>
 </file>
 
-<file path=ppt/slides/slide13.xml><?xml version="1.0" encoding="utf-8"?>
+<file path=ppt/slides/slide14.xml><?xml version="1.0" encoding="utf-8"?>
 <p:sld xmlns:a="http://schemas.openxmlformats.org/drawingml/2006/main" xmlns:r="http://schemas.openxmlformats.org/officeDocument/2006/relationships" xmlns:p="http://schemas.openxmlformats.org/presentationml/2006/main">
   <p:cSld>
     <p:spTree>
@@ -5247,7 +5421,7 @@
 </p:sld>
 </file>
 
-<file path=ppt/slides/slide14.xml><?xml version="1.0" encoding="utf-8"?>
+<file path=ppt/slides/slide15.xml><?xml version="1.0" encoding="utf-8"?>
 <p:sld xmlns:a="http://schemas.openxmlformats.org/drawingml/2006/main" xmlns:r="http://schemas.openxmlformats.org/officeDocument/2006/relationships" xmlns:p="http://schemas.openxmlformats.org/presentationml/2006/main">
   <p:cSld>
     <p:spTree>
@@ -5885,7 +6059,7 @@
           <p:cNvPr id="2" name="Title 1">
             <a:extLst>
               <a:ext uri="{FF2B5EF4-FFF2-40B4-BE49-F238E27FC236}">
-                <a16:creationId xmlns:a16="http://schemas.microsoft.com/office/drawing/2014/main" id="{DCD35C3C-0F84-CC49-8EFD-F1FEFDBFC9AB}"/>
+                <a16:creationId xmlns:a16="http://schemas.microsoft.com/office/drawing/2014/main" id="{67301669-EB04-B241-9230-B9593539D207}"/>
               </a:ext>
             </a:extLst>
           </p:cNvPr>
@@ -5899,42 +6073,7 @@
         <p:spPr>
           <a:xfrm>
             <a:off x="1371600" y="685800"/>
-            <a:ext cx="3282695" cy="1485900"/>
-          </a:xfrm>
-        </p:spPr>
-        <p:txBody>
-          <a:bodyPr vert="horz" lIns="91440" tIns="45720" rIns="91440" bIns="45720" rtlCol="0">
-            <a:normAutofit/>
-          </a:bodyPr>
-          <a:lstStyle/>
-          <a:p>
-            <a:r>
-              <a:rPr lang="en-US" sz="3400" cap="all"/>
-              <a:t>NetPyNE Model Structure</a:t>
-            </a:r>
-          </a:p>
-        </p:txBody>
-      </p:sp>
-      <p:sp>
-        <p:nvSpPr>
-          <p:cNvPr id="27" name="Content Placeholder 21">
-            <a:extLst>
-              <a:ext uri="{FF2B5EF4-FFF2-40B4-BE49-F238E27FC236}">
-                <a16:creationId xmlns:a16="http://schemas.microsoft.com/office/drawing/2014/main" id="{E20EFECA-3720-48FD-8B12-7BE952403106}"/>
-              </a:ext>
-            </a:extLst>
-          </p:cNvPr>
-          <p:cNvSpPr>
-            <a:spLocks noGrp="1"/>
-          </p:cNvSpPr>
-          <p:nvPr>
-            <p:ph idx="1"/>
-          </p:nvPr>
-        </p:nvSpPr>
-        <p:spPr>
-          <a:xfrm>
-            <a:off x="1371600" y="2286000"/>
-            <a:ext cx="3282694" cy="3581400"/>
+            <a:ext cx="9601200" cy="1485900"/>
           </a:xfrm>
         </p:spPr>
         <p:txBody>
@@ -5943,16 +6082,847 @@
           </a:bodyPr>
           <a:lstStyle/>
           <a:p>
-            <a:endParaRPr lang="en-US"/>
+            <a:r>
+              <a:rPr lang="en-US" dirty="0"/>
+              <a:t>Structure and Connectivity</a:t>
+            </a:r>
           </a:p>
         </p:txBody>
       </p:sp>
+      <p:graphicFrame>
+        <p:nvGraphicFramePr>
+          <p:cNvPr id="12" name="Table 7">
+            <a:extLst>
+              <a:ext uri="{FF2B5EF4-FFF2-40B4-BE49-F238E27FC236}">
+                <a16:creationId xmlns:a16="http://schemas.microsoft.com/office/drawing/2014/main" id="{76C4DA5C-1839-3540-82AE-EBD6A719FB4F}"/>
+              </a:ext>
+            </a:extLst>
+          </p:cNvPr>
+          <p:cNvGraphicFramePr>
+            <a:graphicFrameLocks noGrp="1"/>
+          </p:cNvGraphicFramePr>
+          <p:nvPr>
+            <p:ph idx="1"/>
+            <p:extLst>
+              <p:ext uri="{D42A27DB-BD31-4B8C-83A1-F6EECF244321}">
+                <p14:modId xmlns:p14="http://schemas.microsoft.com/office/powerpoint/2010/main" val="4289240601"/>
+              </p:ext>
+            </p:extLst>
+          </p:nvPr>
+        </p:nvGraphicFramePr>
+        <p:xfrm>
+          <a:off x="1371600" y="2724799"/>
+          <a:ext cx="6753497" cy="3312550"/>
+        </p:xfrm>
+        <a:graphic>
+          <a:graphicData uri="http://schemas.openxmlformats.org/drawingml/2006/table">
+            <a:tbl>
+              <a:tblPr firstRow="1" bandRow="1">
+                <a:tableStyleId>{BC89EF96-8CEA-46FF-86C4-4CE0E7609802}</a:tableStyleId>
+              </a:tblPr>
+              <a:tblGrid>
+                <a:gridCol w="1175657">
+                  <a:extLst>
+                    <a:ext uri="{9D8B030D-6E8A-4147-A177-3AD203B41FA5}">
+                      <a16:colId xmlns:a16="http://schemas.microsoft.com/office/drawing/2014/main" val="680917050"/>
+                    </a:ext>
+                  </a:extLst>
+                </a:gridCol>
+                <a:gridCol w="2181497">
+                  <a:extLst>
+                    <a:ext uri="{9D8B030D-6E8A-4147-A177-3AD203B41FA5}">
+                      <a16:colId xmlns:a16="http://schemas.microsoft.com/office/drawing/2014/main" val="1714014923"/>
+                    </a:ext>
+                  </a:extLst>
+                </a:gridCol>
+                <a:gridCol w="1913709">
+                  <a:extLst>
+                    <a:ext uri="{9D8B030D-6E8A-4147-A177-3AD203B41FA5}">
+                      <a16:colId xmlns:a16="http://schemas.microsoft.com/office/drawing/2014/main" val="275219159"/>
+                    </a:ext>
+                  </a:extLst>
+                </a:gridCol>
+                <a:gridCol w="1482634">
+                  <a:extLst>
+                    <a:ext uri="{9D8B030D-6E8A-4147-A177-3AD203B41FA5}">
+                      <a16:colId xmlns:a16="http://schemas.microsoft.com/office/drawing/2014/main" val="1029509565"/>
+                    </a:ext>
+                  </a:extLst>
+                </a:gridCol>
+              </a:tblGrid>
+              <a:tr h="331255">
+                <a:tc>
+                  <a:txBody>
+                    <a:bodyPr/>
+                    <a:lstStyle/>
+                    <a:p>
+                      <a:r>
+                        <a:rPr lang="en-US" sz="1500" dirty="0"/>
+                        <a:t>Connection</a:t>
+                      </a:r>
+                    </a:p>
+                  </a:txBody>
+                  <a:tcPr marL="75285" marR="75285" marT="37643" marB="37643"/>
+                </a:tc>
+                <a:tc>
+                  <a:txBody>
+                    <a:bodyPr/>
+                    <a:lstStyle/>
+                    <a:p>
+                      <a:r>
+                        <a:rPr lang="en-US" sz="1500"/>
+                        <a:t>Target Section</a:t>
+                      </a:r>
+                    </a:p>
+                  </a:txBody>
+                  <a:tcPr marL="75285" marR="75285" marT="37643" marB="37643"/>
+                </a:tc>
+                <a:tc>
+                  <a:txBody>
+                    <a:bodyPr/>
+                    <a:lstStyle/>
+                    <a:p>
+                      <a:r>
+                        <a:rPr lang="en-US" sz="1500"/>
+                        <a:t>Synaptic Mechanism</a:t>
+                      </a:r>
+                    </a:p>
+                  </a:txBody>
+                  <a:tcPr marL="75285" marR="75285" marT="37643" marB="37643"/>
+                </a:tc>
+                <a:tc>
+                  <a:txBody>
+                    <a:bodyPr/>
+                    <a:lstStyle/>
+                    <a:p>
+                      <a:r>
+                        <a:rPr lang="en-US" sz="1500"/>
+                        <a:t>No. of Synapses</a:t>
+                      </a:r>
+                    </a:p>
+                  </a:txBody>
+                  <a:tcPr marL="75285" marR="75285" marT="37643" marB="37643"/>
+                </a:tc>
+                <a:extLst>
+                  <a:ext uri="{0D108BD9-81ED-4DB2-BD59-A6C34878D82A}">
+                    <a16:rowId xmlns:a16="http://schemas.microsoft.com/office/drawing/2014/main" val="4011767551"/>
+                  </a:ext>
+                </a:extLst>
+              </a:tr>
+              <a:tr h="331255">
+                <a:tc>
+                  <a:txBody>
+                    <a:bodyPr/>
+                    <a:lstStyle/>
+                    <a:p>
+                      <a:pPr marL="0" algn="l" defTabSz="914400" rtl="0" eaLnBrk="1" latinLnBrk="0" hangingPunct="1"/>
+                      <a:r>
+                        <a:rPr lang="en-US" sz="1500" kern="1200">
+                          <a:solidFill>
+                            <a:schemeClr val="tx1"/>
+                          </a:solidFill>
+                          <a:latin typeface="+mn-lt"/>
+                          <a:ea typeface="+mn-ea"/>
+                          <a:cs typeface="+mn-cs"/>
+                        </a:rPr>
+                        <a:t>PYR to PYR</a:t>
+                      </a:r>
+                    </a:p>
+                  </a:txBody>
+                  <a:tcPr marL="75285" marR="75285" marT="37643" marB="37643">
+                    <a:solidFill>
+                      <a:srgbClr val="8C8D86">
+                        <a:alpha val="20000"/>
+                      </a:srgbClr>
+                    </a:solidFill>
+                  </a:tcPr>
+                </a:tc>
+                <a:tc>
+                  <a:txBody>
+                    <a:bodyPr/>
+                    <a:lstStyle/>
+                    <a:p>
+                      <a:r>
+                        <a:rPr lang="en-US" sz="1500"/>
+                        <a:t>Basal dendrite</a:t>
+                      </a:r>
+                    </a:p>
+                  </a:txBody>
+                  <a:tcPr marL="75285" marR="75285" marT="37643" marB="37643">
+                    <a:solidFill>
+                      <a:srgbClr val="8C8D86">
+                        <a:alpha val="20000"/>
+                      </a:srgbClr>
+                    </a:solidFill>
+                  </a:tcPr>
+                </a:tc>
+                <a:tc>
+                  <a:txBody>
+                    <a:bodyPr/>
+                    <a:lstStyle/>
+                    <a:p>
+                      <a:r>
+                        <a:rPr lang="en-US" sz="1500"/>
+                        <a:t>AMPA, NMDA</a:t>
+                      </a:r>
+                    </a:p>
+                  </a:txBody>
+                  <a:tcPr marL="75285" marR="75285" marT="37643" marB="37643">
+                    <a:solidFill>
+                      <a:srgbClr val="8C8D86">
+                        <a:alpha val="20000"/>
+                      </a:srgbClr>
+                    </a:solidFill>
+                  </a:tcPr>
+                </a:tc>
+                <a:tc>
+                  <a:txBody>
+                    <a:bodyPr/>
+                    <a:lstStyle/>
+                    <a:p>
+                      <a:r>
+                        <a:rPr lang="en-US" sz="1500" dirty="0"/>
+                        <a:t>24</a:t>
+                      </a:r>
+                    </a:p>
+                  </a:txBody>
+                  <a:tcPr marL="75285" marR="75285" marT="37643" marB="37643">
+                    <a:solidFill>
+                      <a:srgbClr val="8C8D86">
+                        <a:alpha val="20000"/>
+                      </a:srgbClr>
+                    </a:solidFill>
+                  </a:tcPr>
+                </a:tc>
+                <a:extLst>
+                  <a:ext uri="{0D108BD9-81ED-4DB2-BD59-A6C34878D82A}">
+                    <a16:rowId xmlns:a16="http://schemas.microsoft.com/office/drawing/2014/main" val="3172902010"/>
+                  </a:ext>
+                </a:extLst>
+              </a:tr>
+              <a:tr h="331255">
+                <a:tc>
+                  <a:txBody>
+                    <a:bodyPr/>
+                    <a:lstStyle/>
+                    <a:p>
+                      <a:r>
+                        <a:rPr lang="en-US" sz="1500" kern="1200">
+                          <a:solidFill>
+                            <a:schemeClr val="tx1"/>
+                          </a:solidFill>
+                          <a:latin typeface="+mn-lt"/>
+                          <a:ea typeface="+mn-ea"/>
+                          <a:cs typeface="+mn-cs"/>
+                        </a:rPr>
+                        <a:t>PYR to FS</a:t>
+                      </a:r>
+                    </a:p>
+                  </a:txBody>
+                  <a:tcPr marL="75285" marR="75285" marT="37643" marB="37643">
+                    <a:solidFill>
+                      <a:srgbClr val="8C8D86">
+                        <a:alpha val="20000"/>
+                      </a:srgbClr>
+                    </a:solidFill>
+                  </a:tcPr>
+                </a:tc>
+                <a:tc>
+                  <a:txBody>
+                    <a:bodyPr/>
+                    <a:lstStyle/>
+                    <a:p>
+                      <a:r>
+                        <a:rPr lang="en-US" sz="1500"/>
+                        <a:t>Dendrite</a:t>
+                      </a:r>
+                    </a:p>
+                  </a:txBody>
+                  <a:tcPr marL="75285" marR="75285" marT="37643" marB="37643">
+                    <a:solidFill>
+                      <a:srgbClr val="8C8D86">
+                        <a:alpha val="20000"/>
+                      </a:srgbClr>
+                    </a:solidFill>
+                  </a:tcPr>
+                </a:tc>
+                <a:tc>
+                  <a:txBody>
+                    <a:bodyPr/>
+                    <a:lstStyle/>
+                    <a:p>
+                      <a:r>
+                        <a:rPr lang="en-US" sz="1500" err="1"/>
+                        <a:t>AMPAin</a:t>
+                      </a:r>
+                      <a:r>
+                        <a:rPr lang="en-US" sz="1500"/>
+                        <a:t>, </a:t>
+                      </a:r>
+                      <a:r>
+                        <a:rPr lang="en-US" sz="1500" err="1"/>
+                        <a:t>NMDAin</a:t>
+                      </a:r>
+                      <a:endParaRPr lang="en-US" sz="1500"/>
+                    </a:p>
+                  </a:txBody>
+                  <a:tcPr marL="75285" marR="75285" marT="37643" marB="37643">
+                    <a:solidFill>
+                      <a:srgbClr val="8C8D86">
+                        <a:alpha val="20000"/>
+                      </a:srgbClr>
+                    </a:solidFill>
+                  </a:tcPr>
+                </a:tc>
+                <a:tc>
+                  <a:txBody>
+                    <a:bodyPr/>
+                    <a:lstStyle/>
+                    <a:p>
+                      <a:r>
+                        <a:rPr lang="en-US" sz="1500"/>
+                        <a:t>12</a:t>
+                      </a:r>
+                    </a:p>
+                  </a:txBody>
+                  <a:tcPr marL="75285" marR="75285" marT="37643" marB="37643">
+                    <a:solidFill>
+                      <a:srgbClr val="8C8D86">
+                        <a:alpha val="20000"/>
+                      </a:srgbClr>
+                    </a:solidFill>
+                  </a:tcPr>
+                </a:tc>
+                <a:extLst>
+                  <a:ext uri="{0D108BD9-81ED-4DB2-BD59-A6C34878D82A}">
+                    <a16:rowId xmlns:a16="http://schemas.microsoft.com/office/drawing/2014/main" val="4221232255"/>
+                  </a:ext>
+                </a:extLst>
+              </a:tr>
+              <a:tr h="331255">
+                <a:tc>
+                  <a:txBody>
+                    <a:bodyPr/>
+                    <a:lstStyle/>
+                    <a:p>
+                      <a:r>
+                        <a:rPr lang="en-US" sz="1500"/>
+                        <a:t>PYR to RS</a:t>
+                      </a:r>
+                    </a:p>
+                  </a:txBody>
+                  <a:tcPr marL="75285" marR="75285" marT="37643" marB="37643">
+                    <a:solidFill>
+                      <a:srgbClr val="8C8D86">
+                        <a:alpha val="20000"/>
+                      </a:srgbClr>
+                    </a:solidFill>
+                  </a:tcPr>
+                </a:tc>
+                <a:tc>
+                  <a:txBody>
+                    <a:bodyPr/>
+                    <a:lstStyle/>
+                    <a:p>
+                      <a:r>
+                        <a:rPr lang="en-US" sz="1500"/>
+                        <a:t>Dendrite</a:t>
+                      </a:r>
+                    </a:p>
+                  </a:txBody>
+                  <a:tcPr marL="75285" marR="75285" marT="37643" marB="37643">
+                    <a:solidFill>
+                      <a:srgbClr val="8C8D86">
+                        <a:alpha val="20000"/>
+                      </a:srgbClr>
+                    </a:solidFill>
+                  </a:tcPr>
+                </a:tc>
+                <a:tc>
+                  <a:txBody>
+                    <a:bodyPr/>
+                    <a:lstStyle/>
+                    <a:p>
+                      <a:r>
+                        <a:rPr lang="en-US" sz="1500" err="1"/>
+                        <a:t>AMPAin</a:t>
+                      </a:r>
+                      <a:r>
+                        <a:rPr lang="en-US" sz="1500"/>
+                        <a:t>, NMDA</a:t>
+                      </a:r>
+                    </a:p>
+                  </a:txBody>
+                  <a:tcPr marL="75285" marR="75285" marT="37643" marB="37643">
+                    <a:solidFill>
+                      <a:srgbClr val="8C8D86">
+                        <a:alpha val="20000"/>
+                      </a:srgbClr>
+                    </a:solidFill>
+                  </a:tcPr>
+                </a:tc>
+                <a:tc>
+                  <a:txBody>
+                    <a:bodyPr/>
+                    <a:lstStyle/>
+                    <a:p>
+                      <a:r>
+                        <a:rPr lang="en-US" sz="1500"/>
+                        <a:t>14</a:t>
+                      </a:r>
+                    </a:p>
+                  </a:txBody>
+                  <a:tcPr marL="75285" marR="75285" marT="37643" marB="37643">
+                    <a:solidFill>
+                      <a:srgbClr val="8C8D86">
+                        <a:alpha val="20000"/>
+                      </a:srgbClr>
+                    </a:solidFill>
+                  </a:tcPr>
+                </a:tc>
+                <a:extLst>
+                  <a:ext uri="{0D108BD9-81ED-4DB2-BD59-A6C34878D82A}">
+                    <a16:rowId xmlns:a16="http://schemas.microsoft.com/office/drawing/2014/main" val="1825553671"/>
+                  </a:ext>
+                </a:extLst>
+              </a:tr>
+              <a:tr h="331255">
+                <a:tc>
+                  <a:txBody>
+                    <a:bodyPr/>
+                    <a:lstStyle/>
+                    <a:p>
+                      <a:r>
+                        <a:rPr lang="en-US" sz="1500"/>
+                        <a:t>PYR to IS </a:t>
+                      </a:r>
+                    </a:p>
+                  </a:txBody>
+                  <a:tcPr marL="75285" marR="75285" marT="37643" marB="37643">
+                    <a:solidFill>
+                      <a:srgbClr val="8C8D86">
+                        <a:alpha val="20000"/>
+                      </a:srgbClr>
+                    </a:solidFill>
+                  </a:tcPr>
+                </a:tc>
+                <a:tc>
+                  <a:txBody>
+                    <a:bodyPr/>
+                    <a:lstStyle/>
+                    <a:p>
+                      <a:r>
+                        <a:rPr lang="en-US" sz="1500"/>
+                        <a:t>Basal dendrite</a:t>
+                      </a:r>
+                    </a:p>
+                  </a:txBody>
+                  <a:tcPr marL="75285" marR="75285" marT="37643" marB="37643">
+                    <a:solidFill>
+                      <a:srgbClr val="8C8D86">
+                        <a:alpha val="20000"/>
+                      </a:srgbClr>
+                    </a:solidFill>
+                  </a:tcPr>
+                </a:tc>
+                <a:tc>
+                  <a:txBody>
+                    <a:bodyPr/>
+                    <a:lstStyle/>
+                    <a:p>
+                      <a:r>
+                        <a:rPr lang="en-US" sz="1500" err="1"/>
+                        <a:t>AMPAin</a:t>
+                      </a:r>
+                      <a:r>
+                        <a:rPr lang="en-US" sz="1500"/>
+                        <a:t>, NDMA</a:t>
+                      </a:r>
+                    </a:p>
+                  </a:txBody>
+                  <a:tcPr marL="75285" marR="75285" marT="37643" marB="37643">
+                    <a:solidFill>
+                      <a:srgbClr val="8C8D86">
+                        <a:alpha val="20000"/>
+                      </a:srgbClr>
+                    </a:solidFill>
+                  </a:tcPr>
+                </a:tc>
+                <a:tc>
+                  <a:txBody>
+                    <a:bodyPr/>
+                    <a:lstStyle/>
+                    <a:p>
+                      <a:r>
+                        <a:rPr lang="en-US" sz="1500"/>
+                        <a:t>7</a:t>
+                      </a:r>
+                    </a:p>
+                  </a:txBody>
+                  <a:tcPr marL="75285" marR="75285" marT="37643" marB="37643">
+                    <a:solidFill>
+                      <a:srgbClr val="8C8D86">
+                        <a:alpha val="20000"/>
+                      </a:srgbClr>
+                    </a:solidFill>
+                  </a:tcPr>
+                </a:tc>
+                <a:extLst>
+                  <a:ext uri="{0D108BD9-81ED-4DB2-BD59-A6C34878D82A}">
+                    <a16:rowId xmlns:a16="http://schemas.microsoft.com/office/drawing/2014/main" val="3929279789"/>
+                  </a:ext>
+                </a:extLst>
+              </a:tr>
+              <a:tr h="331255">
+                <a:tc>
+                  <a:txBody>
+                    <a:bodyPr/>
+                    <a:lstStyle/>
+                    <a:p>
+                      <a:r>
+                        <a:rPr lang="en-US" sz="1500"/>
+                        <a:t>FS to FS</a:t>
+                      </a:r>
+                    </a:p>
+                  </a:txBody>
+                  <a:tcPr marL="75285" marR="75285" marT="37643" marB="37643">
+                    <a:noFill/>
+                  </a:tcPr>
+                </a:tc>
+                <a:tc>
+                  <a:txBody>
+                    <a:bodyPr/>
+                    <a:lstStyle/>
+                    <a:p>
+                      <a:r>
+                        <a:rPr lang="en-US" sz="1500"/>
+                        <a:t>Soma</a:t>
+                      </a:r>
+                    </a:p>
+                  </a:txBody>
+                  <a:tcPr marL="75285" marR="75285" marT="37643" marB="37643">
+                    <a:noFill/>
+                  </a:tcPr>
+                </a:tc>
+                <a:tc>
+                  <a:txBody>
+                    <a:bodyPr/>
+                    <a:lstStyle/>
+                    <a:p>
+                      <a:r>
+                        <a:rPr lang="en-US" sz="1500" err="1"/>
+                        <a:t>GABAin</a:t>
+                      </a:r>
+                      <a:endParaRPr lang="en-US" sz="1500"/>
+                    </a:p>
+                  </a:txBody>
+                  <a:tcPr marL="75285" marR="75285" marT="37643" marB="37643">
+                    <a:noFill/>
+                  </a:tcPr>
+                </a:tc>
+                <a:tc>
+                  <a:txBody>
+                    <a:bodyPr/>
+                    <a:lstStyle/>
+                    <a:p>
+                      <a:r>
+                        <a:rPr lang="en-US" sz="1500" dirty="0"/>
+                        <a:t>1</a:t>
+                      </a:r>
+                    </a:p>
+                  </a:txBody>
+                  <a:tcPr marL="75285" marR="75285" marT="37643" marB="37643">
+                    <a:noFill/>
+                  </a:tcPr>
+                </a:tc>
+                <a:extLst>
+                  <a:ext uri="{0D108BD9-81ED-4DB2-BD59-A6C34878D82A}">
+                    <a16:rowId xmlns:a16="http://schemas.microsoft.com/office/drawing/2014/main" val="2306270300"/>
+                  </a:ext>
+                </a:extLst>
+              </a:tr>
+              <a:tr h="331255">
+                <a:tc>
+                  <a:txBody>
+                    <a:bodyPr/>
+                    <a:lstStyle/>
+                    <a:p>
+                      <a:r>
+                        <a:rPr lang="en-US" sz="1500"/>
+                        <a:t>FS to PYR</a:t>
+                      </a:r>
+                    </a:p>
+                  </a:txBody>
+                  <a:tcPr marL="75285" marR="75285" marT="37643" marB="37643">
+                    <a:noFill/>
+                  </a:tcPr>
+                </a:tc>
+                <a:tc>
+                  <a:txBody>
+                    <a:bodyPr/>
+                    <a:lstStyle/>
+                    <a:p>
+                      <a:r>
+                        <a:rPr lang="en-US" sz="1500"/>
+                        <a:t>Soma, proximal dendrite</a:t>
+                      </a:r>
+                    </a:p>
+                  </a:txBody>
+                  <a:tcPr marL="75285" marR="75285" marT="37643" marB="37643">
+                    <a:noFill/>
+                  </a:tcPr>
+                </a:tc>
+                <a:tc>
+                  <a:txBody>
+                    <a:bodyPr/>
+                    <a:lstStyle/>
+                    <a:p>
+                      <a:r>
+                        <a:rPr lang="en-US" sz="1500" err="1"/>
+                        <a:t>GABAa</a:t>
+                      </a:r>
+                      <a:r>
+                        <a:rPr lang="en-US" sz="1500"/>
+                        <a:t>, </a:t>
+                      </a:r>
+                      <a:r>
+                        <a:rPr lang="en-US" sz="1500" err="1"/>
+                        <a:t>GABAb</a:t>
+                      </a:r>
+                      <a:endParaRPr lang="en-US" sz="1500"/>
+                    </a:p>
+                  </a:txBody>
+                  <a:tcPr marL="75285" marR="75285" marT="37643" marB="37643">
+                    <a:noFill/>
+                  </a:tcPr>
+                </a:tc>
+                <a:tc>
+                  <a:txBody>
+                    <a:bodyPr/>
+                    <a:lstStyle/>
+                    <a:p>
+                      <a:r>
+                        <a:rPr lang="en-US" sz="1500" dirty="0"/>
+                        <a:t>15</a:t>
+                      </a:r>
+                    </a:p>
+                  </a:txBody>
+                  <a:tcPr marL="75285" marR="75285" marT="37643" marB="37643">
+                    <a:noFill/>
+                  </a:tcPr>
+                </a:tc>
+                <a:extLst>
+                  <a:ext uri="{0D108BD9-81ED-4DB2-BD59-A6C34878D82A}">
+                    <a16:rowId xmlns:a16="http://schemas.microsoft.com/office/drawing/2014/main" val="4274046074"/>
+                  </a:ext>
+                </a:extLst>
+              </a:tr>
+              <a:tr h="331255">
+                <a:tc>
+                  <a:txBody>
+                    <a:bodyPr/>
+                    <a:lstStyle/>
+                    <a:p>
+                      <a:r>
+                        <a:rPr lang="en-US" sz="1500"/>
+                        <a:t>RS to PYR</a:t>
+                      </a:r>
+                    </a:p>
+                  </a:txBody>
+                  <a:tcPr marL="75285" marR="75285" marT="37643" marB="37643"/>
+                </a:tc>
+                <a:tc>
+                  <a:txBody>
+                    <a:bodyPr/>
+                    <a:lstStyle/>
+                    <a:p>
+                      <a:r>
+                        <a:rPr lang="en-US" sz="1500"/>
+                        <a:t>Distal dendrite</a:t>
+                      </a:r>
+                    </a:p>
+                  </a:txBody>
+                  <a:tcPr marL="75285" marR="75285" marT="37643" marB="37643"/>
+                </a:tc>
+                <a:tc>
+                  <a:txBody>
+                    <a:bodyPr/>
+                    <a:lstStyle/>
+                    <a:p>
+                      <a:r>
+                        <a:rPr lang="en-US" sz="1500" err="1"/>
+                        <a:t>GABAa</a:t>
+                      </a:r>
+                      <a:endParaRPr lang="en-US" sz="1500"/>
+                    </a:p>
+                  </a:txBody>
+                  <a:tcPr marL="75285" marR="75285" marT="37643" marB="37643"/>
+                </a:tc>
+                <a:tc>
+                  <a:txBody>
+                    <a:bodyPr/>
+                    <a:lstStyle/>
+                    <a:p>
+                      <a:r>
+                        <a:rPr lang="en-US" sz="1500" dirty="0"/>
+                        <a:t>12</a:t>
+                      </a:r>
+                    </a:p>
+                  </a:txBody>
+                  <a:tcPr marL="75285" marR="75285" marT="37643" marB="37643"/>
+                </a:tc>
+                <a:extLst>
+                  <a:ext uri="{0D108BD9-81ED-4DB2-BD59-A6C34878D82A}">
+                    <a16:rowId xmlns:a16="http://schemas.microsoft.com/office/drawing/2014/main" val="1277419121"/>
+                  </a:ext>
+                </a:extLst>
+              </a:tr>
+              <a:tr h="331255">
+                <a:tc>
+                  <a:txBody>
+                    <a:bodyPr/>
+                    <a:lstStyle/>
+                    <a:p>
+                      <a:r>
+                        <a:rPr lang="en-US" sz="1500"/>
+                        <a:t>IS to PYR</a:t>
+                      </a:r>
+                    </a:p>
+                  </a:txBody>
+                  <a:tcPr marL="75285" marR="75285" marT="37643" marB="37643">
+                    <a:noFill/>
+                  </a:tcPr>
+                </a:tc>
+                <a:tc>
+                  <a:txBody>
+                    <a:bodyPr/>
+                    <a:lstStyle/>
+                    <a:p>
+                      <a:r>
+                        <a:rPr lang="en-US" sz="1500"/>
+                        <a:t>Distal dendrite</a:t>
+                      </a:r>
+                    </a:p>
+                  </a:txBody>
+                  <a:tcPr marL="75285" marR="75285" marT="37643" marB="37643">
+                    <a:noFill/>
+                  </a:tcPr>
+                </a:tc>
+                <a:tc>
+                  <a:txBody>
+                    <a:bodyPr/>
+                    <a:lstStyle/>
+                    <a:p>
+                      <a:r>
+                        <a:rPr lang="en-US" sz="1500" err="1"/>
+                        <a:t>GABAa</a:t>
+                      </a:r>
+                      <a:endParaRPr lang="en-US" sz="1500"/>
+                    </a:p>
+                  </a:txBody>
+                  <a:tcPr marL="75285" marR="75285" marT="37643" marB="37643">
+                    <a:noFill/>
+                  </a:tcPr>
+                </a:tc>
+                <a:tc>
+                  <a:txBody>
+                    <a:bodyPr/>
+                    <a:lstStyle/>
+                    <a:p>
+                      <a:r>
+                        <a:rPr lang="en-US" sz="1500"/>
+                        <a:t>10</a:t>
+                      </a:r>
+                    </a:p>
+                  </a:txBody>
+                  <a:tcPr marL="75285" marR="75285" marT="37643" marB="37643">
+                    <a:noFill/>
+                  </a:tcPr>
+                </a:tc>
+                <a:extLst>
+                  <a:ext uri="{0D108BD9-81ED-4DB2-BD59-A6C34878D82A}">
+                    <a16:rowId xmlns:a16="http://schemas.microsoft.com/office/drawing/2014/main" val="376500278"/>
+                  </a:ext>
+                </a:extLst>
+              </a:tr>
+              <a:tr h="331255">
+                <a:tc>
+                  <a:txBody>
+                    <a:bodyPr/>
+                    <a:lstStyle/>
+                    <a:p>
+                      <a:r>
+                        <a:rPr lang="en-US" sz="1500"/>
+                        <a:t>IS to RS</a:t>
+                      </a:r>
+                    </a:p>
+                  </a:txBody>
+                  <a:tcPr marL="75285" marR="75285" marT="37643" marB="37643">
+                    <a:noFill/>
+                  </a:tcPr>
+                </a:tc>
+                <a:tc>
+                  <a:txBody>
+                    <a:bodyPr/>
+                    <a:lstStyle/>
+                    <a:p>
+                      <a:r>
+                        <a:rPr lang="en-US" sz="1500"/>
+                        <a:t>Dendrite</a:t>
+                      </a:r>
+                    </a:p>
+                  </a:txBody>
+                  <a:tcPr marL="75285" marR="75285" marT="37643" marB="37643">
+                    <a:noFill/>
+                  </a:tcPr>
+                </a:tc>
+                <a:tc>
+                  <a:txBody>
+                    <a:bodyPr/>
+                    <a:lstStyle/>
+                    <a:p>
+                      <a:r>
+                        <a:rPr lang="en-US" sz="1500" err="1"/>
+                        <a:t>GABAa</a:t>
+                      </a:r>
+                      <a:endParaRPr lang="en-US" sz="1500"/>
+                    </a:p>
+                  </a:txBody>
+                  <a:tcPr marL="75285" marR="75285" marT="37643" marB="37643">
+                    <a:noFill/>
+                  </a:tcPr>
+                </a:tc>
+                <a:tc>
+                  <a:txBody>
+                    <a:bodyPr/>
+                    <a:lstStyle/>
+                    <a:p>
+                      <a:r>
+                        <a:rPr lang="en-US" sz="1500" dirty="0"/>
+                        <a:t>2</a:t>
+                      </a:r>
+                    </a:p>
+                  </a:txBody>
+                  <a:tcPr marL="75285" marR="75285" marT="37643" marB="37643">
+                    <a:noFill/>
+                  </a:tcPr>
+                </a:tc>
+                <a:extLst>
+                  <a:ext uri="{0D108BD9-81ED-4DB2-BD59-A6C34878D82A}">
+                    <a16:rowId xmlns:a16="http://schemas.microsoft.com/office/drawing/2014/main" val="2268446367"/>
+                  </a:ext>
+                </a:extLst>
+              </a:tr>
+            </a:tbl>
+          </a:graphicData>
+        </a:graphic>
+      </p:graphicFrame>
       <p:pic>
         <p:nvPicPr>
-          <p:cNvPr id="5" name="Content Placeholder 4" descr="Chart&#10;&#10;Description automatically generated">
+          <p:cNvPr id="38" name="Content Placeholder 3">
             <a:extLst>
               <a:ext uri="{FF2B5EF4-FFF2-40B4-BE49-F238E27FC236}">
-                <a16:creationId xmlns:a16="http://schemas.microsoft.com/office/drawing/2014/main" id="{EC912091-CC77-6448-8B98-465181B1BF56}"/>
+                <a16:creationId xmlns:a16="http://schemas.microsoft.com/office/drawing/2014/main" id="{3476AA8A-B8B3-964B-9516-BD50180D101D}"/>
               </a:ext>
             </a:extLst>
           </p:cNvPr>
@@ -5969,18 +6939,244 @@
         </p:blipFill>
         <p:spPr>
           <a:xfrm>
-            <a:off x="5031467" y="662152"/>
-            <a:ext cx="6517065" cy="5213654"/>
+            <a:off x="9050325" y="228670"/>
+            <a:ext cx="2288235" cy="6400659"/>
           </a:xfrm>
           <a:prstGeom prst="rect">
             <a:avLst/>
           </a:prstGeom>
         </p:spPr>
       </p:pic>
+      <p:sp>
+        <p:nvSpPr>
+          <p:cNvPr id="39" name="Content Placeholder 2">
+            <a:extLst>
+              <a:ext uri="{FF2B5EF4-FFF2-40B4-BE49-F238E27FC236}">
+                <a16:creationId xmlns:a16="http://schemas.microsoft.com/office/drawing/2014/main" id="{971ACA07-7A91-7C4A-A880-5C3B0078B404}"/>
+              </a:ext>
+            </a:extLst>
+          </p:cNvPr>
+          <p:cNvSpPr txBox="1">
+            <a:spLocks/>
+          </p:cNvSpPr>
+          <p:nvPr/>
+        </p:nvSpPr>
+        <p:spPr>
+          <a:xfrm>
+            <a:off x="1371600" y="1863969"/>
+            <a:ext cx="9601200" cy="3581400"/>
+          </a:xfrm>
+          <a:prstGeom prst="rect">
+            <a:avLst/>
+          </a:prstGeom>
+        </p:spPr>
+        <p:txBody>
+          <a:bodyPr vert="horz" lIns="91440" tIns="45720" rIns="91440" bIns="45720" rtlCol="0">
+            <a:normAutofit/>
+          </a:bodyPr>
+          <a:lstStyle>
+            <a:lvl1pPr marL="384048" indent="-384048" algn="l" defTabSz="914400" rtl="0" eaLnBrk="1" latinLnBrk="0" hangingPunct="1">
+              <a:lnSpc>
+                <a:spcPct val="94000"/>
+              </a:lnSpc>
+              <a:spcBef>
+                <a:spcPts val="1000"/>
+              </a:spcBef>
+              <a:spcAft>
+                <a:spcPts val="200"/>
+              </a:spcAft>
+              <a:buFont typeface="Franklin Gothic Book" panose="020B0503020102020204" pitchFamily="34" charset="0"/>
+              <a:buChar char="■"/>
+              <a:defRPr sz="2000" kern="1200" baseline="0">
+                <a:solidFill>
+                  <a:schemeClr val="tx2"/>
+                </a:solidFill>
+                <a:latin typeface="+mn-lt"/>
+                <a:ea typeface="+mn-ea"/>
+                <a:cs typeface="+mn-cs"/>
+              </a:defRPr>
+            </a:lvl1pPr>
+            <a:lvl2pPr marL="914400" indent="-384048" algn="l" defTabSz="914400" rtl="0" eaLnBrk="1" latinLnBrk="0" hangingPunct="1">
+              <a:lnSpc>
+                <a:spcPct val="94000"/>
+              </a:lnSpc>
+              <a:spcBef>
+                <a:spcPts val="500"/>
+              </a:spcBef>
+              <a:spcAft>
+                <a:spcPts val="200"/>
+              </a:spcAft>
+              <a:buFont typeface="Franklin Gothic Book" panose="020B0503020102020204" pitchFamily="34" charset="0"/>
+              <a:buChar char="–"/>
+              <a:defRPr sz="2000" i="1" kern="1200" baseline="0">
+                <a:solidFill>
+                  <a:schemeClr val="tx2"/>
+                </a:solidFill>
+                <a:latin typeface="+mn-lt"/>
+                <a:ea typeface="+mn-ea"/>
+                <a:cs typeface="+mn-cs"/>
+              </a:defRPr>
+            </a:lvl2pPr>
+            <a:lvl3pPr marL="1371600" indent="-384048" algn="l" defTabSz="914400" rtl="0" eaLnBrk="1" latinLnBrk="0" hangingPunct="1">
+              <a:lnSpc>
+                <a:spcPct val="94000"/>
+              </a:lnSpc>
+              <a:spcBef>
+                <a:spcPts val="500"/>
+              </a:spcBef>
+              <a:spcAft>
+                <a:spcPts val="200"/>
+              </a:spcAft>
+              <a:buFont typeface="Franklin Gothic Book" panose="020B0503020102020204" pitchFamily="34" charset="0"/>
+              <a:buChar char="■"/>
+              <a:defRPr sz="1800" kern="1200" baseline="0">
+                <a:solidFill>
+                  <a:schemeClr val="tx2"/>
+                </a:solidFill>
+                <a:latin typeface="+mn-lt"/>
+                <a:ea typeface="+mn-ea"/>
+                <a:cs typeface="+mn-cs"/>
+              </a:defRPr>
+            </a:lvl3pPr>
+            <a:lvl4pPr marL="1828800" indent="-384048" algn="l" defTabSz="914400" rtl="0" eaLnBrk="1" latinLnBrk="0" hangingPunct="1">
+              <a:lnSpc>
+                <a:spcPct val="94000"/>
+              </a:lnSpc>
+              <a:spcBef>
+                <a:spcPts val="500"/>
+              </a:spcBef>
+              <a:spcAft>
+                <a:spcPts val="200"/>
+              </a:spcAft>
+              <a:buFont typeface="Franklin Gothic Book" panose="020B0503020102020204" pitchFamily="34" charset="0"/>
+              <a:buChar char="–"/>
+              <a:defRPr sz="1800" i="1" kern="1200" baseline="0">
+                <a:solidFill>
+                  <a:schemeClr val="tx2"/>
+                </a:solidFill>
+                <a:latin typeface="+mn-lt"/>
+                <a:ea typeface="+mn-ea"/>
+                <a:cs typeface="+mn-cs"/>
+              </a:defRPr>
+            </a:lvl4pPr>
+            <a:lvl5pPr marL="2286000" indent="-384048" algn="l" defTabSz="914400" rtl="0" eaLnBrk="1" latinLnBrk="0" hangingPunct="1">
+              <a:lnSpc>
+                <a:spcPct val="94000"/>
+              </a:lnSpc>
+              <a:spcBef>
+                <a:spcPts val="500"/>
+              </a:spcBef>
+              <a:spcAft>
+                <a:spcPts val="200"/>
+              </a:spcAft>
+              <a:buFont typeface="Franklin Gothic Book" panose="020B0503020102020204" pitchFamily="34" charset="0"/>
+              <a:buChar char="■"/>
+              <a:defRPr sz="1600" kern="1200" baseline="0">
+                <a:solidFill>
+                  <a:schemeClr val="tx2"/>
+                </a:solidFill>
+                <a:latin typeface="+mn-lt"/>
+                <a:ea typeface="+mn-ea"/>
+                <a:cs typeface="+mn-cs"/>
+              </a:defRPr>
+            </a:lvl5pPr>
+            <a:lvl6pPr marL="2743200" indent="-384048" algn="l" defTabSz="914400" rtl="0" eaLnBrk="1" latinLnBrk="0" hangingPunct="1">
+              <a:lnSpc>
+                <a:spcPct val="94000"/>
+              </a:lnSpc>
+              <a:spcBef>
+                <a:spcPts val="500"/>
+              </a:spcBef>
+              <a:spcAft>
+                <a:spcPts val="200"/>
+              </a:spcAft>
+              <a:buFont typeface="Franklin Gothic Book" panose="020B0503020102020204" pitchFamily="34" charset="0"/>
+              <a:buChar char="–"/>
+              <a:defRPr sz="1600" i="1" kern="1200" baseline="0">
+                <a:solidFill>
+                  <a:schemeClr val="tx2"/>
+                </a:solidFill>
+                <a:latin typeface="+mn-lt"/>
+                <a:ea typeface="+mn-ea"/>
+                <a:cs typeface="+mn-cs"/>
+              </a:defRPr>
+            </a:lvl6pPr>
+            <a:lvl7pPr marL="3200400" indent="-384048" algn="l" defTabSz="914400" rtl="0" eaLnBrk="1" latinLnBrk="0" hangingPunct="1">
+              <a:lnSpc>
+                <a:spcPct val="94000"/>
+              </a:lnSpc>
+              <a:spcBef>
+                <a:spcPts val="500"/>
+              </a:spcBef>
+              <a:spcAft>
+                <a:spcPts val="200"/>
+              </a:spcAft>
+              <a:buFont typeface="Franklin Gothic Book" panose="020B0503020102020204" pitchFamily="34" charset="0"/>
+              <a:buChar char="■"/>
+              <a:defRPr sz="1400" kern="1200" baseline="0">
+                <a:solidFill>
+                  <a:schemeClr val="tx2"/>
+                </a:solidFill>
+                <a:latin typeface="+mn-lt"/>
+                <a:ea typeface="+mn-ea"/>
+                <a:cs typeface="+mn-cs"/>
+              </a:defRPr>
+            </a:lvl7pPr>
+            <a:lvl8pPr marL="3657600" indent="-384048" algn="l" defTabSz="914400" rtl="0" eaLnBrk="1" latinLnBrk="0" hangingPunct="1">
+              <a:lnSpc>
+                <a:spcPct val="94000"/>
+              </a:lnSpc>
+              <a:spcBef>
+                <a:spcPts val="500"/>
+              </a:spcBef>
+              <a:spcAft>
+                <a:spcPts val="200"/>
+              </a:spcAft>
+              <a:buFont typeface="Franklin Gothic Book" panose="020B0503020102020204" pitchFamily="34" charset="0"/>
+              <a:buChar char="–"/>
+              <a:defRPr sz="1400" i="1" kern="1200" baseline="0">
+                <a:solidFill>
+                  <a:schemeClr val="tx2"/>
+                </a:solidFill>
+                <a:latin typeface="+mn-lt"/>
+                <a:ea typeface="+mn-ea"/>
+                <a:cs typeface="+mn-cs"/>
+              </a:defRPr>
+            </a:lvl8pPr>
+            <a:lvl9pPr marL="4114800" indent="-384048" algn="l" defTabSz="914400" rtl="0" eaLnBrk="1" latinLnBrk="0" hangingPunct="1">
+              <a:lnSpc>
+                <a:spcPct val="94000"/>
+              </a:lnSpc>
+              <a:spcBef>
+                <a:spcPts val="500"/>
+              </a:spcBef>
+              <a:spcAft>
+                <a:spcPts val="200"/>
+              </a:spcAft>
+              <a:buFont typeface="Franklin Gothic Book" panose="020B0503020102020204" pitchFamily="34" charset="0"/>
+              <a:buChar char="■"/>
+              <a:defRPr sz="1400" kern="1200" baseline="0">
+                <a:solidFill>
+                  <a:schemeClr val="tx2"/>
+                </a:solidFill>
+                <a:latin typeface="+mn-lt"/>
+                <a:ea typeface="+mn-ea"/>
+                <a:cs typeface="+mn-cs"/>
+              </a:defRPr>
+            </a:lvl9pPr>
+          </a:lstStyle>
+          <a:p>
+            <a:r>
+              <a:rPr lang="en-US" dirty="0"/>
+              <a:t>Pyramidal (blue), FS (green), RS (yellow), and IS (pink)</a:t>
+            </a:r>
+          </a:p>
+        </p:txBody>
+      </p:sp>
     </p:spTree>
     <p:extLst>
       <p:ext uri="{BB962C8B-B14F-4D97-AF65-F5344CB8AC3E}">
-        <p14:creationId xmlns:p14="http://schemas.microsoft.com/office/powerpoint/2010/main" val="1000490915"/>
+        <p14:creationId xmlns:p14="http://schemas.microsoft.com/office/powerpoint/2010/main" val="2142017114"/>
       </p:ext>
     </p:extLst>
   </p:cSld>
@@ -6020,6 +7216,217 @@
           <p:cNvPr id="2" name="Title 1">
             <a:extLst>
               <a:ext uri="{FF2B5EF4-FFF2-40B4-BE49-F238E27FC236}">
+                <a16:creationId xmlns:a16="http://schemas.microsoft.com/office/drawing/2014/main" id="{DCD35C3C-0F84-CC49-8EFD-F1FEFDBFC9AB}"/>
+              </a:ext>
+            </a:extLst>
+          </p:cNvPr>
+          <p:cNvSpPr>
+            <a:spLocks noGrp="1"/>
+          </p:cNvSpPr>
+          <p:nvPr>
+            <p:ph type="title"/>
+          </p:nvPr>
+        </p:nvSpPr>
+        <p:spPr>
+          <a:xfrm>
+            <a:off x="4954181" y="685800"/>
+            <a:ext cx="6562905" cy="1485900"/>
+          </a:xfrm>
+        </p:spPr>
+        <p:txBody>
+          <a:bodyPr vert="horz" lIns="91440" tIns="45720" rIns="91440" bIns="45720" rtlCol="0">
+            <a:normAutofit/>
+          </a:bodyPr>
+          <a:lstStyle/>
+          <a:p>
+            <a:r>
+              <a:rPr lang="en-US" dirty="0"/>
+              <a:t>NetPyNE Model Structure</a:t>
+            </a:r>
+          </a:p>
+        </p:txBody>
+      </p:sp>
+      <p:sp>
+        <p:nvSpPr>
+          <p:cNvPr id="13" name="Rectangle 12">
+            <a:extLst>
+              <a:ext uri="{FF2B5EF4-FFF2-40B4-BE49-F238E27FC236}">
+                <a16:creationId xmlns:a16="http://schemas.microsoft.com/office/drawing/2014/main" id="{6B205BC3-0B06-4EA6-9066-1A0BEC22C804}"/>
+              </a:ext>
+              <a:ext uri="{C183D7F6-B498-43B3-948B-1728B52AA6E4}">
+                <adec:decorative xmlns:adec="http://schemas.microsoft.com/office/drawing/2017/decorative" val="1"/>
+              </a:ext>
+            </a:extLst>
+          </p:cNvPr>
+          <p:cNvSpPr>
+            <a:spLocks noGrp="1" noRot="1" noChangeAspect="1" noMove="1" noResize="1" noEditPoints="1" noAdjustHandles="1" noChangeArrowheads="1" noChangeShapeType="1" noTextEdit="1"/>
+          </p:cNvSpPr>
+          <p:nvPr>
+            <p:extLst>
+              <p:ext uri="{386F3935-93C4-4BCD-93E2-E3B085C9AB24}">
+                <p16:designElem xmlns:p16="http://schemas.microsoft.com/office/powerpoint/2015/main" val="1"/>
+              </p:ext>
+            </p:extLst>
+          </p:nvPr>
+        </p:nvSpPr>
+        <p:spPr>
+          <a:xfrm>
+            <a:off x="478095" y="376"/>
+            <a:ext cx="228600" cy="6858000"/>
+          </a:xfrm>
+          <a:prstGeom prst="rect">
+            <a:avLst/>
+          </a:prstGeom>
+          <a:solidFill>
+            <a:schemeClr val="tx2"/>
+          </a:solidFill>
+          <a:ln>
+            <a:noFill/>
+          </a:ln>
+        </p:spPr>
+        <p:style>
+          <a:lnRef idx="2">
+            <a:schemeClr val="accent1">
+              <a:shade val="50000"/>
+            </a:schemeClr>
+          </a:lnRef>
+          <a:fillRef idx="1">
+            <a:schemeClr val="accent1"/>
+          </a:fillRef>
+          <a:effectRef idx="0">
+            <a:schemeClr val="accent1"/>
+          </a:effectRef>
+          <a:fontRef idx="minor">
+            <a:schemeClr val="lt1"/>
+          </a:fontRef>
+        </p:style>
+      </p:sp>
+      <p:pic>
+        <p:nvPicPr>
+          <p:cNvPr id="4" name="Content Placeholder 3">
+            <a:extLst>
+              <a:ext uri="{FF2B5EF4-FFF2-40B4-BE49-F238E27FC236}">
+                <a16:creationId xmlns:a16="http://schemas.microsoft.com/office/drawing/2014/main" id="{D87D28C5-318F-754D-B45C-641FB3323887}"/>
+              </a:ext>
+            </a:extLst>
+          </p:cNvPr>
+          <p:cNvPicPr>
+            <a:picLocks noChangeAspect="1"/>
+          </p:cNvPicPr>
+          <p:nvPr/>
+        </p:nvPicPr>
+        <p:blipFill>
+          <a:blip r:embed="rId2"/>
+          <a:stretch>
+            <a:fillRect/>
+          </a:stretch>
+        </p:blipFill>
+        <p:spPr>
+          <a:xfrm>
+            <a:off x="1650719" y="228670"/>
+            <a:ext cx="2288235" cy="6400659"/>
+          </a:xfrm>
+          <a:prstGeom prst="rect">
+            <a:avLst/>
+          </a:prstGeom>
+        </p:spPr>
+      </p:pic>
+      <p:sp>
+        <p:nvSpPr>
+          <p:cNvPr id="8" name="Content Placeholder 7">
+            <a:extLst>
+              <a:ext uri="{FF2B5EF4-FFF2-40B4-BE49-F238E27FC236}">
+                <a16:creationId xmlns:a16="http://schemas.microsoft.com/office/drawing/2014/main" id="{5D260115-665D-4B59-A20D-A7D12E52B8AC}"/>
+              </a:ext>
+            </a:extLst>
+          </p:cNvPr>
+          <p:cNvSpPr>
+            <a:spLocks noGrp="1"/>
+          </p:cNvSpPr>
+          <p:nvPr>
+            <p:ph idx="1"/>
+          </p:nvPr>
+        </p:nvSpPr>
+        <p:spPr>
+          <a:xfrm>
+            <a:off x="4954181" y="2286000"/>
+            <a:ext cx="6562905" cy="3581400"/>
+          </a:xfrm>
+        </p:spPr>
+        <p:txBody>
+          <a:bodyPr>
+            <a:normAutofit/>
+          </a:bodyPr>
+          <a:lstStyle/>
+          <a:p>
+            <a:r>
+              <a:rPr lang="en-US" dirty="0"/>
+              <a:t>blue – pyramidal</a:t>
+            </a:r>
+          </a:p>
+          <a:p>
+            <a:r>
+              <a:rPr lang="en-US" dirty="0"/>
+              <a:t>green – FS </a:t>
+            </a:r>
+          </a:p>
+          <a:p>
+            <a:r>
+              <a:rPr lang="en-US" dirty="0"/>
+              <a:t>yellow – RS </a:t>
+            </a:r>
+          </a:p>
+          <a:p>
+            <a:r>
+              <a:rPr lang="en-US" dirty="0"/>
+              <a:t>pink – IS </a:t>
+            </a:r>
+          </a:p>
+        </p:txBody>
+      </p:sp>
+    </p:spTree>
+    <p:extLst>
+      <p:ext uri="{BB962C8B-B14F-4D97-AF65-F5344CB8AC3E}">
+        <p14:creationId xmlns:p14="http://schemas.microsoft.com/office/powerpoint/2010/main" val="1000490915"/>
+      </p:ext>
+    </p:extLst>
+  </p:cSld>
+  <p:clrMapOvr>
+    <a:masterClrMapping/>
+  </p:clrMapOvr>
+</p:sld>
+</file>
+
+<file path=ppt/slides/slide7.xml><?xml version="1.0" encoding="utf-8"?>
+<p:sld xmlns:a="http://schemas.openxmlformats.org/drawingml/2006/main" xmlns:r="http://schemas.openxmlformats.org/officeDocument/2006/relationships" xmlns:p="http://schemas.openxmlformats.org/presentationml/2006/main">
+  <p:cSld>
+    <p:bg>
+      <p:bgPr>
+        <a:solidFill>
+          <a:schemeClr val="bg2"/>
+        </a:solidFill>
+        <a:effectLst/>
+      </p:bgPr>
+    </p:bg>
+    <p:spTree>
+      <p:nvGrpSpPr>
+        <p:cNvPr id="1" name=""/>
+        <p:cNvGrpSpPr/>
+        <p:nvPr/>
+      </p:nvGrpSpPr>
+      <p:grpSpPr>
+        <a:xfrm>
+          <a:off x="0" y="0"/>
+          <a:ext cx="0" cy="0"/>
+          <a:chOff x="0" y="0"/>
+          <a:chExt cx="0" cy="0"/>
+        </a:xfrm>
+      </p:grpSpPr>
+      <p:sp>
+        <p:nvSpPr>
+          <p:cNvPr id="2" name="Title 1">
+            <a:extLst>
+              <a:ext uri="{FF2B5EF4-FFF2-40B4-BE49-F238E27FC236}">
                 <a16:creationId xmlns:a16="http://schemas.microsoft.com/office/drawing/2014/main" id="{67301669-EB04-B241-9230-B9593539D207}"/>
               </a:ext>
             </a:extLst>
@@ -6065,11 +7472,6 @@
           </p:cNvGraphicFramePr>
           <p:nvPr>
             <p:ph idx="1"/>
-            <p:extLst>
-              <p:ext uri="{D42A27DB-BD31-4B8C-83A1-F6EECF244321}">
-                <p14:modId xmlns:p14="http://schemas.microsoft.com/office/powerpoint/2010/main" val="3268854902"/>
-              </p:ext>
-            </p:extLst>
           </p:nvPr>
         </p:nvGraphicFramePr>
         <p:xfrm>
@@ -8326,7 +9728,7 @@
     </p:spTree>
     <p:extLst>
       <p:ext uri="{BB962C8B-B14F-4D97-AF65-F5344CB8AC3E}">
-        <p14:creationId xmlns:p14="http://schemas.microsoft.com/office/powerpoint/2010/main" val="2142017114"/>
+        <p14:creationId xmlns:p14="http://schemas.microsoft.com/office/powerpoint/2010/main" val="1343426616"/>
       </p:ext>
     </p:extLst>
   </p:cSld>
@@ -8336,7 +9738,7 @@
 </p:sld>
 </file>
 
-<file path=ppt/slides/slide7.xml><?xml version="1.0" encoding="utf-8"?>
+<file path=ppt/slides/slide8.xml><?xml version="1.0" encoding="utf-8"?>
 <p:sld xmlns:a="http://schemas.openxmlformats.org/drawingml/2006/main" xmlns:r="http://schemas.openxmlformats.org/officeDocument/2006/relationships" xmlns:p="http://schemas.openxmlformats.org/presentationml/2006/main">
   <p:cSld>
     <p:spTree>
@@ -8656,7 +10058,7 @@
 </p:sld>
 </file>
 
-<file path=ppt/slides/slide8.xml><?xml version="1.0" encoding="utf-8"?>
+<file path=ppt/slides/slide9.xml><?xml version="1.0" encoding="utf-8"?>
 <p:sld xmlns:a="http://schemas.openxmlformats.org/drawingml/2006/main" xmlns:r="http://schemas.openxmlformats.org/officeDocument/2006/relationships" xmlns:p="http://schemas.openxmlformats.org/presentationml/2006/main">
   <p:cSld>
     <p:spTree>
@@ -9237,174 +10639,6 @@
     <p:extLst>
       <p:ext uri="{BB962C8B-B14F-4D97-AF65-F5344CB8AC3E}">
         <p14:creationId xmlns:p14="http://schemas.microsoft.com/office/powerpoint/2010/main" val="1901395345"/>
-      </p:ext>
-    </p:extLst>
-  </p:cSld>
-  <p:clrMapOvr>
-    <a:masterClrMapping/>
-  </p:clrMapOvr>
-</p:sld>
-</file>
-
-<file path=ppt/slides/slide9.xml><?xml version="1.0" encoding="utf-8"?>
-<p:sld xmlns:a="http://schemas.openxmlformats.org/drawingml/2006/main" xmlns:r="http://schemas.openxmlformats.org/officeDocument/2006/relationships" xmlns:p="http://schemas.openxmlformats.org/presentationml/2006/main">
-  <p:cSld>
-    <p:spTree>
-      <p:nvGrpSpPr>
-        <p:cNvPr id="1" name=""/>
-        <p:cNvGrpSpPr/>
-        <p:nvPr/>
-      </p:nvGrpSpPr>
-      <p:grpSpPr>
-        <a:xfrm>
-          <a:off x="0" y="0"/>
-          <a:ext cx="0" cy="0"/>
-          <a:chOff x="0" y="0"/>
-          <a:chExt cx="0" cy="0"/>
-        </a:xfrm>
-      </p:grpSpPr>
-      <p:sp>
-        <p:nvSpPr>
-          <p:cNvPr id="2" name="Title 1">
-            <a:extLst>
-              <a:ext uri="{FF2B5EF4-FFF2-40B4-BE49-F238E27FC236}">
-                <a16:creationId xmlns:a16="http://schemas.microsoft.com/office/drawing/2014/main" id="{C1887928-B96B-AF43-BC80-4766FA1919C9}"/>
-              </a:ext>
-            </a:extLst>
-          </p:cNvPr>
-          <p:cNvSpPr>
-            <a:spLocks noGrp="1"/>
-          </p:cNvSpPr>
-          <p:nvPr>
-            <p:ph type="title"/>
-          </p:nvPr>
-        </p:nvSpPr>
-        <p:spPr/>
-        <p:txBody>
-          <a:bodyPr/>
-          <a:lstStyle/>
-          <a:p>
-            <a:r>
-              <a:rPr lang="en-US" dirty="0"/>
-              <a:t>Findings</a:t>
-            </a:r>
-          </a:p>
-        </p:txBody>
-      </p:sp>
-      <p:sp>
-        <p:nvSpPr>
-          <p:cNvPr id="3" name="Content Placeholder 2">
-            <a:extLst>
-              <a:ext uri="{FF2B5EF4-FFF2-40B4-BE49-F238E27FC236}">
-                <a16:creationId xmlns:a16="http://schemas.microsoft.com/office/drawing/2014/main" id="{E70FBF5E-078B-6F4B-9D66-19644C6C4AF2}"/>
-              </a:ext>
-            </a:extLst>
-          </p:cNvPr>
-          <p:cNvSpPr>
-            <a:spLocks noGrp="1"/>
-          </p:cNvSpPr>
-          <p:nvPr>
-            <p:ph idx="1"/>
-          </p:nvPr>
-        </p:nvSpPr>
-        <p:spPr/>
-        <p:txBody>
-          <a:bodyPr/>
-          <a:lstStyle/>
-          <a:p>
-            <a:r>
-              <a:rPr lang="en-US" dirty="0"/>
-              <a:t>explored what level of inhibition results in stopping of persistent activity</a:t>
-            </a:r>
-          </a:p>
-          <a:p>
-            <a:pPr lvl="1"/>
-            <a:r>
-              <a:rPr lang="en-US" dirty="0" err="1"/>
-              <a:t>GABAa</a:t>
-            </a:r>
-            <a:r>
-              <a:rPr lang="en-US" dirty="0"/>
-              <a:t> and </a:t>
-            </a:r>
-            <a:r>
-              <a:rPr lang="en-US" dirty="0" err="1"/>
-              <a:t>GABAb</a:t>
-            </a:r>
-            <a:r>
-              <a:rPr lang="en-US" dirty="0"/>
-              <a:t> gain</a:t>
-            </a:r>
-          </a:p>
-          <a:p>
-            <a:pPr lvl="1"/>
-            <a:r>
-              <a:rPr lang="en-US" dirty="0" err="1"/>
-              <a:t>GABAa</a:t>
-            </a:r>
-            <a:r>
-              <a:rPr lang="en-US" dirty="0"/>
-              <a:t> and </a:t>
-            </a:r>
-            <a:r>
-              <a:rPr lang="en-US" dirty="0" err="1"/>
-              <a:t>GABAb</a:t>
-            </a:r>
-            <a:r>
-              <a:rPr lang="en-US" dirty="0"/>
-              <a:t> synapses per connection</a:t>
-            </a:r>
-          </a:p>
-          <a:p>
-            <a:pPr lvl="1"/>
-            <a:r>
-              <a:rPr lang="en-US" dirty="0"/>
-              <a:t>number of FS cells</a:t>
-            </a:r>
-          </a:p>
-          <a:p>
-            <a:r>
-              <a:rPr lang="en-US" dirty="0" err="1"/>
-              <a:t>GABAb</a:t>
-            </a:r>
-            <a:r>
-              <a:rPr lang="en-US" dirty="0"/>
-              <a:t> synapses/connections have biggest influence on network</a:t>
-            </a:r>
-          </a:p>
-          <a:p>
-            <a:r>
-              <a:rPr lang="en-US" dirty="0"/>
-              <a:t>three activities (??) observed</a:t>
-            </a:r>
-          </a:p>
-          <a:p>
-            <a:pPr lvl="1"/>
-            <a:r>
-              <a:rPr lang="en-US" dirty="0"/>
-              <a:t>recurrent firing</a:t>
-            </a:r>
-          </a:p>
-          <a:p>
-            <a:pPr lvl="1"/>
-            <a:r>
-              <a:rPr lang="en-US" dirty="0"/>
-              <a:t>fire only with stimulus</a:t>
-            </a:r>
-          </a:p>
-          <a:p>
-            <a:pPr lvl="1"/>
-            <a:r>
-              <a:rPr lang="en-US" dirty="0"/>
-              <a:t>inhibition too high for firing beyond initial spike</a:t>
-            </a:r>
-          </a:p>
-        </p:txBody>
-      </p:sp>
-    </p:spTree>
-    <p:extLst>
-      <p:ext uri="{BB962C8B-B14F-4D97-AF65-F5344CB8AC3E}">
-        <p14:creationId xmlns:p14="http://schemas.microsoft.com/office/powerpoint/2010/main" val="2195139757"/>
       </p:ext>
     </p:extLst>
   </p:cSld>

--- a/presentation/netpyne-slides.pptx
+++ b/presentation/netpyne-slides.pptx
@@ -10,16 +10,15 @@
     <p:sldId id="258" r:id="rId4"/>
     <p:sldId id="259" r:id="rId5"/>
     <p:sldId id="260" r:id="rId6"/>
-    <p:sldId id="266" r:id="rId7"/>
-    <p:sldId id="272" r:id="rId8"/>
-    <p:sldId id="261" r:id="rId9"/>
-    <p:sldId id="271" r:id="rId10"/>
-    <p:sldId id="262" r:id="rId11"/>
-    <p:sldId id="267" r:id="rId12"/>
-    <p:sldId id="269" r:id="rId13"/>
-    <p:sldId id="270" r:id="rId14"/>
-    <p:sldId id="263" r:id="rId15"/>
-    <p:sldId id="264" r:id="rId16"/>
+    <p:sldId id="273" r:id="rId7"/>
+    <p:sldId id="261" r:id="rId8"/>
+    <p:sldId id="271" r:id="rId9"/>
+    <p:sldId id="262" r:id="rId10"/>
+    <p:sldId id="267" r:id="rId11"/>
+    <p:sldId id="269" r:id="rId12"/>
+    <p:sldId id="270" r:id="rId13"/>
+    <p:sldId id="263" r:id="rId14"/>
+    <p:sldId id="264" r:id="rId15"/>
   </p:sldIdLst>
   <p:sldSz cx="12192000" cy="6858000"/>
   <p:notesSz cx="6858000" cy="9144000"/>
@@ -124,6 +123,18 @@
     </p:ext>
   </p:extLst>
 </p:presentation>
+</file>
+
+<file path=ppt/commentAuthors.xml><?xml version="1.0" encoding="utf-8"?>
+<p:cmAuthorLst xmlns:a="http://schemas.openxmlformats.org/drawingml/2006/main" xmlns:r="http://schemas.openxmlformats.org/officeDocument/2006/relationships" xmlns:p="http://schemas.openxmlformats.org/presentationml/2006/main">
+  <p:cmAuthor id="1" name="Kate Doxey" initials="KD" lastIdx="1" clrIdx="0">
+    <p:extLst>
+      <p:ext uri="{19B8F6BF-5375-455C-9EA6-DF929625EA0E}">
+        <p15:presenceInfo xmlns:p15="http://schemas.microsoft.com/office/powerpoint/2012/main" userId="82baa8d09e87bc68" providerId="Windows Live"/>
+      </p:ext>
+    </p:extLst>
+  </p:cmAuthor>
+</p:cmAuthorLst>
 </file>
 
 <file path=ppt/slideLayouts/slideLayout1.xml><?xml version="1.0" encoding="utf-8"?>
@@ -3917,174 +3928,6 @@
           <p:cNvPr id="2" name="Title 1">
             <a:extLst>
               <a:ext uri="{FF2B5EF4-FFF2-40B4-BE49-F238E27FC236}">
-                <a16:creationId xmlns:a16="http://schemas.microsoft.com/office/drawing/2014/main" id="{C1887928-B96B-AF43-BC80-4766FA1919C9}"/>
-              </a:ext>
-            </a:extLst>
-          </p:cNvPr>
-          <p:cNvSpPr>
-            <a:spLocks noGrp="1"/>
-          </p:cNvSpPr>
-          <p:nvPr>
-            <p:ph type="title"/>
-          </p:nvPr>
-        </p:nvSpPr>
-        <p:spPr/>
-        <p:txBody>
-          <a:bodyPr/>
-          <a:lstStyle/>
-          <a:p>
-            <a:r>
-              <a:rPr lang="en-US" dirty="0"/>
-              <a:t>Findings</a:t>
-            </a:r>
-          </a:p>
-        </p:txBody>
-      </p:sp>
-      <p:sp>
-        <p:nvSpPr>
-          <p:cNvPr id="3" name="Content Placeholder 2">
-            <a:extLst>
-              <a:ext uri="{FF2B5EF4-FFF2-40B4-BE49-F238E27FC236}">
-                <a16:creationId xmlns:a16="http://schemas.microsoft.com/office/drawing/2014/main" id="{E70FBF5E-078B-6F4B-9D66-19644C6C4AF2}"/>
-              </a:ext>
-            </a:extLst>
-          </p:cNvPr>
-          <p:cNvSpPr>
-            <a:spLocks noGrp="1"/>
-          </p:cNvSpPr>
-          <p:nvPr>
-            <p:ph idx="1"/>
-          </p:nvPr>
-        </p:nvSpPr>
-        <p:spPr/>
-        <p:txBody>
-          <a:bodyPr/>
-          <a:lstStyle/>
-          <a:p>
-            <a:r>
-              <a:rPr lang="en-US" dirty="0"/>
-              <a:t>explored what level of inhibition results in stopping of persistent activity</a:t>
-            </a:r>
-          </a:p>
-          <a:p>
-            <a:pPr lvl="1"/>
-            <a:r>
-              <a:rPr lang="en-US" dirty="0" err="1"/>
-              <a:t>GABAa</a:t>
-            </a:r>
-            <a:r>
-              <a:rPr lang="en-US" dirty="0"/>
-              <a:t> and </a:t>
-            </a:r>
-            <a:r>
-              <a:rPr lang="en-US" dirty="0" err="1"/>
-              <a:t>GABAb</a:t>
-            </a:r>
-            <a:r>
-              <a:rPr lang="en-US" dirty="0"/>
-              <a:t> gain</a:t>
-            </a:r>
-          </a:p>
-          <a:p>
-            <a:pPr lvl="1"/>
-            <a:r>
-              <a:rPr lang="en-US" dirty="0" err="1"/>
-              <a:t>GABAa</a:t>
-            </a:r>
-            <a:r>
-              <a:rPr lang="en-US" dirty="0"/>
-              <a:t> and </a:t>
-            </a:r>
-            <a:r>
-              <a:rPr lang="en-US" dirty="0" err="1"/>
-              <a:t>GABAb</a:t>
-            </a:r>
-            <a:r>
-              <a:rPr lang="en-US" dirty="0"/>
-              <a:t> synapses per connection</a:t>
-            </a:r>
-          </a:p>
-          <a:p>
-            <a:pPr lvl="1"/>
-            <a:r>
-              <a:rPr lang="en-US" dirty="0"/>
-              <a:t>number of FS cells</a:t>
-            </a:r>
-          </a:p>
-          <a:p>
-            <a:r>
-              <a:rPr lang="en-US" dirty="0" err="1"/>
-              <a:t>GABAb</a:t>
-            </a:r>
-            <a:r>
-              <a:rPr lang="en-US" dirty="0"/>
-              <a:t> synapses/connections have biggest influence on network</a:t>
-            </a:r>
-          </a:p>
-          <a:p>
-            <a:r>
-              <a:rPr lang="en-US" dirty="0"/>
-              <a:t>three activities (??) observed</a:t>
-            </a:r>
-          </a:p>
-          <a:p>
-            <a:pPr lvl="1"/>
-            <a:r>
-              <a:rPr lang="en-US" dirty="0"/>
-              <a:t>recurrent firing</a:t>
-            </a:r>
-          </a:p>
-          <a:p>
-            <a:pPr lvl="1"/>
-            <a:r>
-              <a:rPr lang="en-US" dirty="0"/>
-              <a:t>fire only with stimulus</a:t>
-            </a:r>
-          </a:p>
-          <a:p>
-            <a:pPr lvl="1"/>
-            <a:r>
-              <a:rPr lang="en-US" dirty="0"/>
-              <a:t>inhibition too high for firing beyond initial spike</a:t>
-            </a:r>
-          </a:p>
-        </p:txBody>
-      </p:sp>
-    </p:spTree>
-    <p:extLst>
-      <p:ext uri="{BB962C8B-B14F-4D97-AF65-F5344CB8AC3E}">
-        <p14:creationId xmlns:p14="http://schemas.microsoft.com/office/powerpoint/2010/main" val="2195139757"/>
-      </p:ext>
-    </p:extLst>
-  </p:cSld>
-  <p:clrMapOvr>
-    <a:masterClrMapping/>
-  </p:clrMapOvr>
-</p:sld>
-</file>
-
-<file path=ppt/slides/slide11.xml><?xml version="1.0" encoding="utf-8"?>
-<p:sld xmlns:a="http://schemas.openxmlformats.org/drawingml/2006/main" xmlns:r="http://schemas.openxmlformats.org/officeDocument/2006/relationships" xmlns:p="http://schemas.openxmlformats.org/presentationml/2006/main">
-  <p:cSld>
-    <p:spTree>
-      <p:nvGrpSpPr>
-        <p:cNvPr id="1" name=""/>
-        <p:cNvGrpSpPr/>
-        <p:nvPr/>
-      </p:nvGrpSpPr>
-      <p:grpSpPr>
-        <a:xfrm>
-          <a:off x="0" y="0"/>
-          <a:ext cx="0" cy="0"/>
-          <a:chOff x="0" y="0"/>
-          <a:chExt cx="0" cy="0"/>
-        </a:xfrm>
-      </p:grpSpPr>
-      <p:sp>
-        <p:nvSpPr>
-          <p:cNvPr id="2" name="Title 1">
-            <a:extLst>
-              <a:ext uri="{FF2B5EF4-FFF2-40B4-BE49-F238E27FC236}">
                 <a16:creationId xmlns:a16="http://schemas.microsoft.com/office/drawing/2014/main" id="{6C9E180E-B96C-F948-85A6-C63859E46428}"/>
               </a:ext>
             </a:extLst>
@@ -4103,7 +3946,7 @@
           <a:p>
             <a:r>
               <a:rPr lang="en-US" dirty="0"/>
-              <a:t>Gain Threshold</a:t>
+              <a:t>Gain</a:t>
             </a:r>
           </a:p>
         </p:txBody>
@@ -4146,45 +3989,6 @@
           </a:p>
           <a:p>
             <a:endParaRPr lang="en-US" sz="2400" dirty="0"/>
-          </a:p>
-        </p:txBody>
-      </p:sp>
-      <p:sp>
-        <p:nvSpPr>
-          <p:cNvPr id="11" name="TextBox 10">
-            <a:extLst>
-              <a:ext uri="{FF2B5EF4-FFF2-40B4-BE49-F238E27FC236}">
-                <a16:creationId xmlns:a16="http://schemas.microsoft.com/office/drawing/2014/main" id="{E028ECE8-3058-B648-9340-6AD23D6EF207}"/>
-              </a:ext>
-            </a:extLst>
-          </p:cNvPr>
-          <p:cNvSpPr txBox="1"/>
-          <p:nvPr/>
-        </p:nvSpPr>
-        <p:spPr>
-          <a:xfrm>
-            <a:off x="7223760" y="507076"/>
-            <a:ext cx="3923607" cy="830997"/>
-          </a:xfrm>
-          <a:prstGeom prst="rect">
-            <a:avLst/>
-          </a:prstGeom>
-          <a:noFill/>
-        </p:spPr>
-        <p:txBody>
-          <a:bodyPr wrap="square" rtlCol="0">
-            <a:spAutoFit/>
-          </a:bodyPr>
-          <a:lstStyle/>
-          <a:p>
-            <a:r>
-              <a:rPr lang="en-US" sz="2400" dirty="0">
-                <a:solidFill>
-                  <a:srgbClr val="FF0000"/>
-                </a:solidFill>
-              </a:rPr>
-              <a:t>RASTER OR VOLTAGE TRACE?</a:t>
-            </a:r>
           </a:p>
         </p:txBody>
       </p:sp>
@@ -4494,7 +4298,7 @@
 </p:sld>
 </file>
 
-<file path=ppt/slides/slide12.xml><?xml version="1.0" encoding="utf-8"?>
+<file path=ppt/slides/slide11.xml><?xml version="1.0" encoding="utf-8"?>
 <p:sld xmlns:a="http://schemas.openxmlformats.org/drawingml/2006/main" xmlns:r="http://schemas.openxmlformats.org/officeDocument/2006/relationships" xmlns:p="http://schemas.openxmlformats.org/presentationml/2006/main">
   <p:cSld>
     <p:spTree>
@@ -4929,7 +4733,7 @@
 </p:sld>
 </file>
 
-<file path=ppt/slides/slide13.xml><?xml version="1.0" encoding="utf-8"?>
+<file path=ppt/slides/slide12.xml><?xml version="1.0" encoding="utf-8"?>
 <p:sld xmlns:a="http://schemas.openxmlformats.org/drawingml/2006/main" xmlns:r="http://schemas.openxmlformats.org/officeDocument/2006/relationships" xmlns:p="http://schemas.openxmlformats.org/presentationml/2006/main">
   <p:cSld>
     <p:spTree>
@@ -5315,7 +5119,7 @@
 </p:sld>
 </file>
 
-<file path=ppt/slides/slide14.xml><?xml version="1.0" encoding="utf-8"?>
+<file path=ppt/slides/slide13.xml><?xml version="1.0" encoding="utf-8"?>
 <p:sld xmlns:a="http://schemas.openxmlformats.org/drawingml/2006/main" xmlns:r="http://schemas.openxmlformats.org/officeDocument/2006/relationships" xmlns:p="http://schemas.openxmlformats.org/presentationml/2006/main">
   <p:cSld>
     <p:spTree>
@@ -5421,7 +5225,7 @@
 </p:sld>
 </file>
 
-<file path=ppt/slides/slide15.xml><?xml version="1.0" encoding="utf-8"?>
+<file path=ppt/slides/slide14.xml><?xml version="1.0" encoding="utf-8"?>
 <p:sld xmlns:a="http://schemas.openxmlformats.org/drawingml/2006/main" xmlns:r="http://schemas.openxmlformats.org/officeDocument/2006/relationships" xmlns:p="http://schemas.openxmlformats.org/presentationml/2006/main">
   <p:cSld>
     <p:spTree>
@@ -5461,7 +5265,7 @@
           <a:p>
             <a:r>
               <a:rPr lang="en-US" dirty="0"/>
-              <a:t>Biggest Lessons</a:t>
+              <a:t>Takeaways</a:t>
             </a:r>
           </a:p>
         </p:txBody>
@@ -5508,6 +5312,12 @@
             <a:r>
               <a:rPr lang="en-US" dirty="0"/>
               <a:t>one parameter off can drastically alter dynamics</a:t>
+            </a:r>
+          </a:p>
+          <a:p>
+            <a:r>
+              <a:rPr lang="en-US" dirty="0"/>
+              <a:t>reach out to those who created the model for clarification</a:t>
             </a:r>
           </a:p>
         </p:txBody>
@@ -5673,7 +5483,7 @@
         <p:spPr>
           <a:xfrm>
             <a:off x="1371600" y="685800"/>
-            <a:ext cx="3282695" cy="1485900"/>
+            <a:ext cx="3857946" cy="1485900"/>
           </a:xfrm>
         </p:spPr>
         <p:txBody>
@@ -5740,7 +5550,30 @@
           <a:p>
             <a:r>
               <a:rPr lang="en-US" sz="1400" dirty="0"/>
-              <a:t>16 pyramidal neurons and 2 fast-spiking (FS), 1 regular-spiking (RS), and 1 irregular-spiking (IS) interneurons</a:t>
+              <a:t>pyramidal neurons and fast-spiking (FS), regular-spiking (RS), and irregular-spiking (IS) interneurons</a:t>
+            </a:r>
+          </a:p>
+          <a:p>
+            <a:pPr lvl="1"/>
+            <a:r>
+              <a:rPr lang="en-US" sz="1400" dirty="0"/>
+              <a:t>AMPA, NMDA, </a:t>
+            </a:r>
+            <a:r>
+              <a:rPr lang="en-US" sz="1400" dirty="0" err="1"/>
+              <a:t>GABAa</a:t>
+            </a:r>
+            <a:r>
+              <a:rPr lang="en-US" sz="1400" dirty="0"/>
+              <a:t>, and </a:t>
+            </a:r>
+            <a:r>
+              <a:rPr lang="en-US" sz="1400" dirty="0" err="1"/>
+              <a:t>GABAb</a:t>
+            </a:r>
+            <a:r>
+              <a:rPr lang="en-US" sz="1400" dirty="0"/>
+              <a:t> synapses</a:t>
             </a:r>
           </a:p>
           <a:p>
@@ -5997,22 +5830,53 @@
           </a:p>
           <a:p>
             <a:r>
-              <a:rPr lang="en-US" sz="1400" dirty="0">
-                <a:highlight>
-                  <a:srgbClr val="FFFF00"/>
-                </a:highlight>
-              </a:rPr>
+              <a:rPr lang="en-US" sz="1400" dirty="0"/>
               <a:t>interneurons fired spontaneously without any stimulus</a:t>
             </a:r>
-            <a:endParaRPr lang="en-US" sz="1400" i="0" dirty="0">
-              <a:highlight>
-                <a:srgbClr val="FFFF00"/>
-              </a:highlight>
-            </a:endParaRPr>
+            <a:endParaRPr lang="en-US" sz="1400" i="0" dirty="0"/>
           </a:p>
           <a:p>
             <a:pPr lvl="1"/>
             <a:endParaRPr lang="en-US" sz="1400" i="0" dirty="0"/>
+          </a:p>
+        </p:txBody>
+      </p:sp>
+      <p:sp>
+        <p:nvSpPr>
+          <p:cNvPr id="4" name="TextBox 3">
+            <a:extLst>
+              <a:ext uri="{FF2B5EF4-FFF2-40B4-BE49-F238E27FC236}">
+                <a16:creationId xmlns:a16="http://schemas.microsoft.com/office/drawing/2014/main" id="{C4790108-DA2A-7C4B-84A3-1044D0D5D10C}"/>
+              </a:ext>
+            </a:extLst>
+          </p:cNvPr>
+          <p:cNvSpPr txBox="1"/>
+          <p:nvPr/>
+        </p:nvSpPr>
+        <p:spPr>
+          <a:xfrm>
+            <a:off x="1557867" y="5588000"/>
+            <a:ext cx="3716866" cy="369332"/>
+          </a:xfrm>
+          <a:prstGeom prst="rect">
+            <a:avLst/>
+          </a:prstGeom>
+          <a:noFill/>
+        </p:spPr>
+        <p:txBody>
+          <a:bodyPr wrap="square" rtlCol="0">
+            <a:spAutoFit/>
+          </a:bodyPr>
+          <a:lstStyle/>
+          <a:p>
+            <a:r>
+              <a:rPr lang="en-US" dirty="0">
+                <a:solidFill>
+                  <a:srgbClr val="FF0000"/>
+                </a:solidFill>
+              </a:rPr>
+              <a:t>add traces of spontaneous firing</a:t>
+            </a:r>
           </a:p>
         </p:txBody>
       </p:sp>
@@ -6105,7 +5969,7 @@
             <p:ph idx="1"/>
             <p:extLst>
               <p:ext uri="{D42A27DB-BD31-4B8C-83A1-F6EECF244321}">
-                <p14:modId xmlns:p14="http://schemas.microsoft.com/office/powerpoint/2010/main" val="4289240601"/>
+                <p14:modId xmlns:p14="http://schemas.microsoft.com/office/powerpoint/2010/main" val="1615251475"/>
               </p:ext>
             </p:extLst>
           </p:nvPr>
@@ -6170,7 +6034,7 @@
                     <a:lstStyle/>
                     <a:p>
                       <a:r>
-                        <a:rPr lang="en-US" sz="1500"/>
+                        <a:rPr lang="en-US" sz="1500" dirty="0"/>
                         <a:t>Target Section</a:t>
                       </a:r>
                     </a:p>
@@ -7216,217 +7080,6 @@
           <p:cNvPr id="2" name="Title 1">
             <a:extLst>
               <a:ext uri="{FF2B5EF4-FFF2-40B4-BE49-F238E27FC236}">
-                <a16:creationId xmlns:a16="http://schemas.microsoft.com/office/drawing/2014/main" id="{DCD35C3C-0F84-CC49-8EFD-F1FEFDBFC9AB}"/>
-              </a:ext>
-            </a:extLst>
-          </p:cNvPr>
-          <p:cNvSpPr>
-            <a:spLocks noGrp="1"/>
-          </p:cNvSpPr>
-          <p:nvPr>
-            <p:ph type="title"/>
-          </p:nvPr>
-        </p:nvSpPr>
-        <p:spPr>
-          <a:xfrm>
-            <a:off x="4954181" y="685800"/>
-            <a:ext cx="6562905" cy="1485900"/>
-          </a:xfrm>
-        </p:spPr>
-        <p:txBody>
-          <a:bodyPr vert="horz" lIns="91440" tIns="45720" rIns="91440" bIns="45720" rtlCol="0">
-            <a:normAutofit/>
-          </a:bodyPr>
-          <a:lstStyle/>
-          <a:p>
-            <a:r>
-              <a:rPr lang="en-US" dirty="0"/>
-              <a:t>NetPyNE Model Structure</a:t>
-            </a:r>
-          </a:p>
-        </p:txBody>
-      </p:sp>
-      <p:sp>
-        <p:nvSpPr>
-          <p:cNvPr id="13" name="Rectangle 12">
-            <a:extLst>
-              <a:ext uri="{FF2B5EF4-FFF2-40B4-BE49-F238E27FC236}">
-                <a16:creationId xmlns:a16="http://schemas.microsoft.com/office/drawing/2014/main" id="{6B205BC3-0B06-4EA6-9066-1A0BEC22C804}"/>
-              </a:ext>
-              <a:ext uri="{C183D7F6-B498-43B3-948B-1728B52AA6E4}">
-                <adec:decorative xmlns:adec="http://schemas.microsoft.com/office/drawing/2017/decorative" val="1"/>
-              </a:ext>
-            </a:extLst>
-          </p:cNvPr>
-          <p:cNvSpPr>
-            <a:spLocks noGrp="1" noRot="1" noChangeAspect="1" noMove="1" noResize="1" noEditPoints="1" noAdjustHandles="1" noChangeArrowheads="1" noChangeShapeType="1" noTextEdit="1"/>
-          </p:cNvSpPr>
-          <p:nvPr>
-            <p:extLst>
-              <p:ext uri="{386F3935-93C4-4BCD-93E2-E3B085C9AB24}">
-                <p16:designElem xmlns:p16="http://schemas.microsoft.com/office/powerpoint/2015/main" val="1"/>
-              </p:ext>
-            </p:extLst>
-          </p:nvPr>
-        </p:nvSpPr>
-        <p:spPr>
-          <a:xfrm>
-            <a:off x="478095" y="376"/>
-            <a:ext cx="228600" cy="6858000"/>
-          </a:xfrm>
-          <a:prstGeom prst="rect">
-            <a:avLst/>
-          </a:prstGeom>
-          <a:solidFill>
-            <a:schemeClr val="tx2"/>
-          </a:solidFill>
-          <a:ln>
-            <a:noFill/>
-          </a:ln>
-        </p:spPr>
-        <p:style>
-          <a:lnRef idx="2">
-            <a:schemeClr val="accent1">
-              <a:shade val="50000"/>
-            </a:schemeClr>
-          </a:lnRef>
-          <a:fillRef idx="1">
-            <a:schemeClr val="accent1"/>
-          </a:fillRef>
-          <a:effectRef idx="0">
-            <a:schemeClr val="accent1"/>
-          </a:effectRef>
-          <a:fontRef idx="minor">
-            <a:schemeClr val="lt1"/>
-          </a:fontRef>
-        </p:style>
-      </p:sp>
-      <p:pic>
-        <p:nvPicPr>
-          <p:cNvPr id="4" name="Content Placeholder 3">
-            <a:extLst>
-              <a:ext uri="{FF2B5EF4-FFF2-40B4-BE49-F238E27FC236}">
-                <a16:creationId xmlns:a16="http://schemas.microsoft.com/office/drawing/2014/main" id="{D87D28C5-318F-754D-B45C-641FB3323887}"/>
-              </a:ext>
-            </a:extLst>
-          </p:cNvPr>
-          <p:cNvPicPr>
-            <a:picLocks noChangeAspect="1"/>
-          </p:cNvPicPr>
-          <p:nvPr/>
-        </p:nvPicPr>
-        <p:blipFill>
-          <a:blip r:embed="rId2"/>
-          <a:stretch>
-            <a:fillRect/>
-          </a:stretch>
-        </p:blipFill>
-        <p:spPr>
-          <a:xfrm>
-            <a:off x="1650719" y="228670"/>
-            <a:ext cx="2288235" cy="6400659"/>
-          </a:xfrm>
-          <a:prstGeom prst="rect">
-            <a:avLst/>
-          </a:prstGeom>
-        </p:spPr>
-      </p:pic>
-      <p:sp>
-        <p:nvSpPr>
-          <p:cNvPr id="8" name="Content Placeholder 7">
-            <a:extLst>
-              <a:ext uri="{FF2B5EF4-FFF2-40B4-BE49-F238E27FC236}">
-                <a16:creationId xmlns:a16="http://schemas.microsoft.com/office/drawing/2014/main" id="{5D260115-665D-4B59-A20D-A7D12E52B8AC}"/>
-              </a:ext>
-            </a:extLst>
-          </p:cNvPr>
-          <p:cNvSpPr>
-            <a:spLocks noGrp="1"/>
-          </p:cNvSpPr>
-          <p:nvPr>
-            <p:ph idx="1"/>
-          </p:nvPr>
-        </p:nvSpPr>
-        <p:spPr>
-          <a:xfrm>
-            <a:off x="4954181" y="2286000"/>
-            <a:ext cx="6562905" cy="3581400"/>
-          </a:xfrm>
-        </p:spPr>
-        <p:txBody>
-          <a:bodyPr>
-            <a:normAutofit/>
-          </a:bodyPr>
-          <a:lstStyle/>
-          <a:p>
-            <a:r>
-              <a:rPr lang="en-US" dirty="0"/>
-              <a:t>blue – pyramidal</a:t>
-            </a:r>
-          </a:p>
-          <a:p>
-            <a:r>
-              <a:rPr lang="en-US" dirty="0"/>
-              <a:t>green – FS </a:t>
-            </a:r>
-          </a:p>
-          <a:p>
-            <a:r>
-              <a:rPr lang="en-US" dirty="0"/>
-              <a:t>yellow – RS </a:t>
-            </a:r>
-          </a:p>
-          <a:p>
-            <a:r>
-              <a:rPr lang="en-US" dirty="0"/>
-              <a:t>pink – IS </a:t>
-            </a:r>
-          </a:p>
-        </p:txBody>
-      </p:sp>
-    </p:spTree>
-    <p:extLst>
-      <p:ext uri="{BB962C8B-B14F-4D97-AF65-F5344CB8AC3E}">
-        <p14:creationId xmlns:p14="http://schemas.microsoft.com/office/powerpoint/2010/main" val="1000490915"/>
-      </p:ext>
-    </p:extLst>
-  </p:cSld>
-  <p:clrMapOvr>
-    <a:masterClrMapping/>
-  </p:clrMapOvr>
-</p:sld>
-</file>
-
-<file path=ppt/slides/slide7.xml><?xml version="1.0" encoding="utf-8"?>
-<p:sld xmlns:a="http://schemas.openxmlformats.org/drawingml/2006/main" xmlns:r="http://schemas.openxmlformats.org/officeDocument/2006/relationships" xmlns:p="http://schemas.openxmlformats.org/presentationml/2006/main">
-  <p:cSld>
-    <p:bg>
-      <p:bgPr>
-        <a:solidFill>
-          <a:schemeClr val="bg2"/>
-        </a:solidFill>
-        <a:effectLst/>
-      </p:bgPr>
-    </p:bg>
-    <p:spTree>
-      <p:nvGrpSpPr>
-        <p:cNvPr id="1" name=""/>
-        <p:cNvGrpSpPr/>
-        <p:nvPr/>
-      </p:nvGrpSpPr>
-      <p:grpSpPr>
-        <a:xfrm>
-          <a:off x="0" y="0"/>
-          <a:ext cx="0" cy="0"/>
-          <a:chOff x="0" y="0"/>
-          <a:chExt cx="0" cy="0"/>
-        </a:xfrm>
-      </p:grpSpPr>
-      <p:sp>
-        <p:nvSpPr>
-          <p:cNvPr id="2" name="Title 1">
-            <a:extLst>
-              <a:ext uri="{FF2B5EF4-FFF2-40B4-BE49-F238E27FC236}">
                 <a16:creationId xmlns:a16="http://schemas.microsoft.com/office/drawing/2014/main" id="{67301669-EB04-B241-9230-B9593539D207}"/>
               </a:ext>
             </a:extLst>
@@ -7451,10 +7104,9 @@
           <a:lstStyle/>
           <a:p>
             <a:r>
-              <a:rPr lang="en-US"/>
-              <a:t>NetPyNE Model Connectivity</a:t>
-            </a:r>
-            <a:endParaRPr lang="en-US" dirty="0"/>
+              <a:rPr lang="en-US" dirty="0"/>
+              <a:t>Structure and Connectivity</a:t>
+            </a:r>
           </a:p>
         </p:txBody>
       </p:sp>
@@ -7472,10 +7124,15 @@
           </p:cNvGraphicFramePr>
           <p:nvPr>
             <p:ph idx="1"/>
+            <p:extLst>
+              <p:ext uri="{D42A27DB-BD31-4B8C-83A1-F6EECF244321}">
+                <p14:modId xmlns:p14="http://schemas.microsoft.com/office/powerpoint/2010/main" val="2180021991"/>
+              </p:ext>
+            </p:extLst>
           </p:nvPr>
         </p:nvGraphicFramePr>
         <p:xfrm>
-          <a:off x="1371600" y="1980542"/>
+          <a:off x="1391195" y="1613930"/>
           <a:ext cx="6753497" cy="3312550"/>
         </p:xfrm>
         <a:graphic>
@@ -7521,7 +7178,7 @@
                     <a:lstStyle/>
                     <a:p>
                       <a:r>
-                        <a:rPr lang="en-US" sz="1500"/>
+                        <a:rPr lang="en-US" sz="1500" dirty="0"/>
                         <a:t>Connection</a:t>
                       </a:r>
                     </a:p>
@@ -7534,7 +7191,7 @@
                     <a:lstStyle/>
                     <a:p>
                       <a:r>
-                        <a:rPr lang="en-US" sz="1500"/>
+                        <a:rPr lang="en-US" sz="1500" dirty="0"/>
                         <a:t>Target Section</a:t>
                       </a:r>
                     </a:p>
@@ -8281,208 +7938,298 @@
           </a:graphicData>
         </a:graphic>
       </p:graphicFrame>
-      <p:sp>
-        <p:nvSpPr>
-          <p:cNvPr id="13" name="Oval 12">
+      <p:pic>
+        <p:nvPicPr>
+          <p:cNvPr id="38" name="Content Placeholder 3">
             <a:extLst>
               <a:ext uri="{FF2B5EF4-FFF2-40B4-BE49-F238E27FC236}">
-                <a16:creationId xmlns:a16="http://schemas.microsoft.com/office/drawing/2014/main" id="{BE809F07-152F-7441-A223-DD69234240C9}"/>
+                <a16:creationId xmlns:a16="http://schemas.microsoft.com/office/drawing/2014/main" id="{3476AA8A-B8B3-964B-9516-BD50180D101D}"/>
               </a:ext>
             </a:extLst>
           </p:cNvPr>
-          <p:cNvSpPr/>
+          <p:cNvPicPr>
+            <a:picLocks noChangeAspect="1"/>
+          </p:cNvPicPr>
+          <p:nvPr/>
+        </p:nvPicPr>
+        <p:blipFill>
+          <a:blip r:embed="rId2"/>
+          <a:stretch>
+            <a:fillRect/>
+          </a:stretch>
+        </p:blipFill>
+        <p:spPr>
+          <a:xfrm>
+            <a:off x="9050325" y="228670"/>
+            <a:ext cx="2288235" cy="6400659"/>
+          </a:xfrm>
+          <a:prstGeom prst="rect">
+            <a:avLst/>
+          </a:prstGeom>
+        </p:spPr>
+      </p:pic>
+      <p:sp>
+        <p:nvSpPr>
+          <p:cNvPr id="39" name="Content Placeholder 2">
+            <a:extLst>
+              <a:ext uri="{FF2B5EF4-FFF2-40B4-BE49-F238E27FC236}">
+                <a16:creationId xmlns:a16="http://schemas.microsoft.com/office/drawing/2014/main" id="{971ACA07-7A91-7C4A-A880-5C3B0078B404}"/>
+              </a:ext>
+            </a:extLst>
+          </p:cNvPr>
+          <p:cNvSpPr txBox="1">
+            <a:spLocks/>
+          </p:cNvSpPr>
           <p:nvPr/>
         </p:nvSpPr>
         <p:spPr>
           <a:xfrm>
-            <a:off x="8709339" y="2774821"/>
-            <a:ext cx="839470" cy="615950"/>
+            <a:off x="7382646" y="5111660"/>
+            <a:ext cx="1602789" cy="1485900"/>
           </a:xfrm>
-          <a:prstGeom prst="ellipse">
+          <a:prstGeom prst="rect">
             <a:avLst/>
           </a:prstGeom>
         </p:spPr>
-        <p:style>
-          <a:lnRef idx="2">
-            <a:schemeClr val="accent1">
-              <a:shade val="50000"/>
-            </a:schemeClr>
-          </a:lnRef>
-          <a:fillRef idx="1">
-            <a:schemeClr val="accent1"/>
-          </a:fillRef>
-          <a:effectRef idx="0">
-            <a:schemeClr val="accent1"/>
-          </a:effectRef>
-          <a:fontRef idx="minor">
-            <a:schemeClr val="lt1"/>
-          </a:fontRef>
-        </p:style>
         <p:txBody>
-          <a:bodyPr rtlCol="0" anchor="ctr"/>
-          <a:lstStyle/>
-          <a:p>
-            <a:pPr algn="ctr"/>
-            <a:r>
-              <a:rPr lang="en-US" dirty="0"/>
-              <a:t>PYR</a:t>
-            </a:r>
-          </a:p>
-        </p:txBody>
-      </p:sp>
-      <p:sp>
-        <p:nvSpPr>
-          <p:cNvPr id="17" name="Oval 16">
-            <a:extLst>
-              <a:ext uri="{FF2B5EF4-FFF2-40B4-BE49-F238E27FC236}">
-                <a16:creationId xmlns:a16="http://schemas.microsoft.com/office/drawing/2014/main" id="{72412C45-EEEA-EB44-BF38-CE184692EA7A}"/>
-              </a:ext>
-            </a:extLst>
-          </p:cNvPr>
-          <p:cNvSpPr/>
-          <p:nvPr/>
-        </p:nvSpPr>
-        <p:spPr>
-          <a:xfrm>
-            <a:off x="10714397" y="2774821"/>
-            <a:ext cx="839470" cy="615950"/>
-          </a:xfrm>
-          <a:prstGeom prst="ellipse">
-            <a:avLst/>
-          </a:prstGeom>
-        </p:spPr>
-        <p:style>
-          <a:lnRef idx="2">
-            <a:schemeClr val="accent1">
-              <a:shade val="50000"/>
-            </a:schemeClr>
-          </a:lnRef>
-          <a:fillRef idx="1">
-            <a:schemeClr val="accent1"/>
-          </a:fillRef>
-          <a:effectRef idx="0">
-            <a:schemeClr val="accent1"/>
-          </a:effectRef>
-          <a:fontRef idx="minor">
-            <a:schemeClr val="lt1"/>
-          </a:fontRef>
-        </p:style>
-        <p:txBody>
-          <a:bodyPr rtlCol="0" anchor="ctr"/>
-          <a:lstStyle/>
-          <a:p>
-            <a:pPr algn="ctr"/>
-            <a:r>
-              <a:rPr lang="en-US" dirty="0"/>
-              <a:t>FS</a:t>
-            </a:r>
-          </a:p>
-        </p:txBody>
-      </p:sp>
-      <p:sp>
-        <p:nvSpPr>
-          <p:cNvPr id="18" name="Oval 17">
-            <a:extLst>
-              <a:ext uri="{FF2B5EF4-FFF2-40B4-BE49-F238E27FC236}">
-                <a16:creationId xmlns:a16="http://schemas.microsoft.com/office/drawing/2014/main" id="{3001A525-DC6D-444A-88AE-12DD516E6C52}"/>
-              </a:ext>
-            </a:extLst>
-          </p:cNvPr>
-          <p:cNvSpPr/>
-          <p:nvPr/>
-        </p:nvSpPr>
-        <p:spPr>
-          <a:xfrm>
-            <a:off x="8693464" y="4040622"/>
-            <a:ext cx="839470" cy="615950"/>
-          </a:xfrm>
-          <a:prstGeom prst="ellipse">
-            <a:avLst/>
-          </a:prstGeom>
-        </p:spPr>
-        <p:style>
-          <a:lnRef idx="2">
-            <a:schemeClr val="accent1">
-              <a:shade val="50000"/>
-            </a:schemeClr>
-          </a:lnRef>
-          <a:fillRef idx="1">
-            <a:schemeClr val="accent1"/>
-          </a:fillRef>
-          <a:effectRef idx="0">
-            <a:schemeClr val="accent1"/>
-          </a:effectRef>
-          <a:fontRef idx="minor">
-            <a:schemeClr val="lt1"/>
-          </a:fontRef>
-        </p:style>
-        <p:txBody>
-          <a:bodyPr rtlCol="0" anchor="ctr"/>
-          <a:lstStyle/>
-          <a:p>
-            <a:pPr algn="ctr"/>
-            <a:r>
-              <a:rPr lang="en-US" dirty="0"/>
-              <a:t>RS</a:t>
-            </a:r>
-          </a:p>
-        </p:txBody>
-      </p:sp>
-      <p:sp>
-        <p:nvSpPr>
-          <p:cNvPr id="19" name="Oval 18">
-            <a:extLst>
-              <a:ext uri="{FF2B5EF4-FFF2-40B4-BE49-F238E27FC236}">
-                <a16:creationId xmlns:a16="http://schemas.microsoft.com/office/drawing/2014/main" id="{3DC0D17B-DFF2-AF48-9CB1-8363D824DA53}"/>
-              </a:ext>
-            </a:extLst>
-          </p:cNvPr>
-          <p:cNvSpPr/>
-          <p:nvPr/>
-        </p:nvSpPr>
-        <p:spPr>
-          <a:xfrm>
-            <a:off x="10701697" y="4050147"/>
-            <a:ext cx="839470" cy="615950"/>
-          </a:xfrm>
-          <a:prstGeom prst="ellipse">
-            <a:avLst/>
-          </a:prstGeom>
-        </p:spPr>
-        <p:style>
-          <a:lnRef idx="2">
-            <a:schemeClr val="accent1">
-              <a:shade val="50000"/>
-            </a:schemeClr>
-          </a:lnRef>
-          <a:fillRef idx="1">
-            <a:schemeClr val="accent1"/>
-          </a:fillRef>
-          <a:effectRef idx="0">
-            <a:schemeClr val="accent1"/>
-          </a:effectRef>
-          <a:fontRef idx="minor">
-            <a:schemeClr val="lt1"/>
-          </a:fontRef>
-        </p:style>
-        <p:txBody>
-          <a:bodyPr rtlCol="0" anchor="ctr"/>
-          <a:lstStyle/>
-          <a:p>
-            <a:pPr algn="ctr"/>
-            <a:r>
-              <a:rPr lang="en-US" dirty="0"/>
-              <a:t>IS</a:t>
+          <a:bodyPr vert="horz" lIns="91440" tIns="45720" rIns="91440" bIns="45720" rtlCol="0">
+            <a:normAutofit/>
+          </a:bodyPr>
+          <a:lstStyle>
+            <a:lvl1pPr marL="384048" indent="-384048" algn="l" defTabSz="914400" rtl="0" eaLnBrk="1" latinLnBrk="0" hangingPunct="1">
+              <a:lnSpc>
+                <a:spcPct val="94000"/>
+              </a:lnSpc>
+              <a:spcBef>
+                <a:spcPts val="1000"/>
+              </a:spcBef>
+              <a:spcAft>
+                <a:spcPts val="200"/>
+              </a:spcAft>
+              <a:buFont typeface="Franklin Gothic Book" panose="020B0503020102020204" pitchFamily="34" charset="0"/>
+              <a:buChar char="■"/>
+              <a:defRPr sz="2000" kern="1200" baseline="0">
+                <a:solidFill>
+                  <a:schemeClr val="tx2"/>
+                </a:solidFill>
+                <a:latin typeface="+mn-lt"/>
+                <a:ea typeface="+mn-ea"/>
+                <a:cs typeface="+mn-cs"/>
+              </a:defRPr>
+            </a:lvl1pPr>
+            <a:lvl2pPr marL="914400" indent="-384048" algn="l" defTabSz="914400" rtl="0" eaLnBrk="1" latinLnBrk="0" hangingPunct="1">
+              <a:lnSpc>
+                <a:spcPct val="94000"/>
+              </a:lnSpc>
+              <a:spcBef>
+                <a:spcPts val="500"/>
+              </a:spcBef>
+              <a:spcAft>
+                <a:spcPts val="200"/>
+              </a:spcAft>
+              <a:buFont typeface="Franklin Gothic Book" panose="020B0503020102020204" pitchFamily="34" charset="0"/>
+              <a:buChar char="–"/>
+              <a:defRPr sz="2000" i="1" kern="1200" baseline="0">
+                <a:solidFill>
+                  <a:schemeClr val="tx2"/>
+                </a:solidFill>
+                <a:latin typeface="+mn-lt"/>
+                <a:ea typeface="+mn-ea"/>
+                <a:cs typeface="+mn-cs"/>
+              </a:defRPr>
+            </a:lvl2pPr>
+            <a:lvl3pPr marL="1371600" indent="-384048" algn="l" defTabSz="914400" rtl="0" eaLnBrk="1" latinLnBrk="0" hangingPunct="1">
+              <a:lnSpc>
+                <a:spcPct val="94000"/>
+              </a:lnSpc>
+              <a:spcBef>
+                <a:spcPts val="500"/>
+              </a:spcBef>
+              <a:spcAft>
+                <a:spcPts val="200"/>
+              </a:spcAft>
+              <a:buFont typeface="Franklin Gothic Book" panose="020B0503020102020204" pitchFamily="34" charset="0"/>
+              <a:buChar char="■"/>
+              <a:defRPr sz="1800" kern="1200" baseline="0">
+                <a:solidFill>
+                  <a:schemeClr val="tx2"/>
+                </a:solidFill>
+                <a:latin typeface="+mn-lt"/>
+                <a:ea typeface="+mn-ea"/>
+                <a:cs typeface="+mn-cs"/>
+              </a:defRPr>
+            </a:lvl3pPr>
+            <a:lvl4pPr marL="1828800" indent="-384048" algn="l" defTabSz="914400" rtl="0" eaLnBrk="1" latinLnBrk="0" hangingPunct="1">
+              <a:lnSpc>
+                <a:spcPct val="94000"/>
+              </a:lnSpc>
+              <a:spcBef>
+                <a:spcPts val="500"/>
+              </a:spcBef>
+              <a:spcAft>
+                <a:spcPts val="200"/>
+              </a:spcAft>
+              <a:buFont typeface="Franklin Gothic Book" panose="020B0503020102020204" pitchFamily="34" charset="0"/>
+              <a:buChar char="–"/>
+              <a:defRPr sz="1800" i="1" kern="1200" baseline="0">
+                <a:solidFill>
+                  <a:schemeClr val="tx2"/>
+                </a:solidFill>
+                <a:latin typeface="+mn-lt"/>
+                <a:ea typeface="+mn-ea"/>
+                <a:cs typeface="+mn-cs"/>
+              </a:defRPr>
+            </a:lvl4pPr>
+            <a:lvl5pPr marL="2286000" indent="-384048" algn="l" defTabSz="914400" rtl="0" eaLnBrk="1" latinLnBrk="0" hangingPunct="1">
+              <a:lnSpc>
+                <a:spcPct val="94000"/>
+              </a:lnSpc>
+              <a:spcBef>
+                <a:spcPts val="500"/>
+              </a:spcBef>
+              <a:spcAft>
+                <a:spcPts val="200"/>
+              </a:spcAft>
+              <a:buFont typeface="Franklin Gothic Book" panose="020B0503020102020204" pitchFamily="34" charset="0"/>
+              <a:buChar char="■"/>
+              <a:defRPr sz="1600" kern="1200" baseline="0">
+                <a:solidFill>
+                  <a:schemeClr val="tx2"/>
+                </a:solidFill>
+                <a:latin typeface="+mn-lt"/>
+                <a:ea typeface="+mn-ea"/>
+                <a:cs typeface="+mn-cs"/>
+              </a:defRPr>
+            </a:lvl5pPr>
+            <a:lvl6pPr marL="2743200" indent="-384048" algn="l" defTabSz="914400" rtl="0" eaLnBrk="1" latinLnBrk="0" hangingPunct="1">
+              <a:lnSpc>
+                <a:spcPct val="94000"/>
+              </a:lnSpc>
+              <a:spcBef>
+                <a:spcPts val="500"/>
+              </a:spcBef>
+              <a:spcAft>
+                <a:spcPts val="200"/>
+              </a:spcAft>
+              <a:buFont typeface="Franklin Gothic Book" panose="020B0503020102020204" pitchFamily="34" charset="0"/>
+              <a:buChar char="–"/>
+              <a:defRPr sz="1600" i="1" kern="1200" baseline="0">
+                <a:solidFill>
+                  <a:schemeClr val="tx2"/>
+                </a:solidFill>
+                <a:latin typeface="+mn-lt"/>
+                <a:ea typeface="+mn-ea"/>
+                <a:cs typeface="+mn-cs"/>
+              </a:defRPr>
+            </a:lvl6pPr>
+            <a:lvl7pPr marL="3200400" indent="-384048" algn="l" defTabSz="914400" rtl="0" eaLnBrk="1" latinLnBrk="0" hangingPunct="1">
+              <a:lnSpc>
+                <a:spcPct val="94000"/>
+              </a:lnSpc>
+              <a:spcBef>
+                <a:spcPts val="500"/>
+              </a:spcBef>
+              <a:spcAft>
+                <a:spcPts val="200"/>
+              </a:spcAft>
+              <a:buFont typeface="Franklin Gothic Book" panose="020B0503020102020204" pitchFamily="34" charset="0"/>
+              <a:buChar char="■"/>
+              <a:defRPr sz="1400" kern="1200" baseline="0">
+                <a:solidFill>
+                  <a:schemeClr val="tx2"/>
+                </a:solidFill>
+                <a:latin typeface="+mn-lt"/>
+                <a:ea typeface="+mn-ea"/>
+                <a:cs typeface="+mn-cs"/>
+              </a:defRPr>
+            </a:lvl7pPr>
+            <a:lvl8pPr marL="3657600" indent="-384048" algn="l" defTabSz="914400" rtl="0" eaLnBrk="1" latinLnBrk="0" hangingPunct="1">
+              <a:lnSpc>
+                <a:spcPct val="94000"/>
+              </a:lnSpc>
+              <a:spcBef>
+                <a:spcPts val="500"/>
+              </a:spcBef>
+              <a:spcAft>
+                <a:spcPts val="200"/>
+              </a:spcAft>
+              <a:buFont typeface="Franklin Gothic Book" panose="020B0503020102020204" pitchFamily="34" charset="0"/>
+              <a:buChar char="–"/>
+              <a:defRPr sz="1400" i="1" kern="1200" baseline="0">
+                <a:solidFill>
+                  <a:schemeClr val="tx2"/>
+                </a:solidFill>
+                <a:latin typeface="+mn-lt"/>
+                <a:ea typeface="+mn-ea"/>
+                <a:cs typeface="+mn-cs"/>
+              </a:defRPr>
+            </a:lvl8pPr>
+            <a:lvl9pPr marL="4114800" indent="-384048" algn="l" defTabSz="914400" rtl="0" eaLnBrk="1" latinLnBrk="0" hangingPunct="1">
+              <a:lnSpc>
+                <a:spcPct val="94000"/>
+              </a:lnSpc>
+              <a:spcBef>
+                <a:spcPts val="500"/>
+              </a:spcBef>
+              <a:spcAft>
+                <a:spcPts val="200"/>
+              </a:spcAft>
+              <a:buFont typeface="Franklin Gothic Book" panose="020B0503020102020204" pitchFamily="34" charset="0"/>
+              <a:buChar char="■"/>
+              <a:defRPr sz="1400" kern="1200" baseline="0">
+                <a:solidFill>
+                  <a:schemeClr val="tx2"/>
+                </a:solidFill>
+                <a:latin typeface="+mn-lt"/>
+                <a:ea typeface="+mn-ea"/>
+                <a:cs typeface="+mn-cs"/>
+              </a:defRPr>
+            </a:lvl9pPr>
+          </a:lstStyle>
+          <a:p>
+            <a:pPr marL="0" indent="0">
+              <a:buNone/>
+            </a:pPr>
+            <a:r>
+              <a:rPr lang="en-US" sz="1600" dirty="0"/>
+              <a:t>Pyramidal (blue)</a:t>
+            </a:r>
+          </a:p>
+          <a:p>
+            <a:pPr marL="0" indent="0">
+              <a:buNone/>
+            </a:pPr>
+            <a:r>
+              <a:rPr lang="en-US" sz="1600" dirty="0"/>
+              <a:t>FS (green)</a:t>
+            </a:r>
+          </a:p>
+          <a:p>
+            <a:pPr marL="0" indent="0">
+              <a:buNone/>
+            </a:pPr>
+            <a:r>
+              <a:rPr lang="en-US" sz="1600" dirty="0"/>
+              <a:t>RS (yellow)</a:t>
+            </a:r>
+          </a:p>
+          <a:p>
+            <a:pPr marL="0" indent="0">
+              <a:buNone/>
+            </a:pPr>
+            <a:r>
+              <a:rPr lang="en-US" sz="1600" dirty="0"/>
+              <a:t>IS (pink)</a:t>
             </a:r>
           </a:p>
         </p:txBody>
       </p:sp>
       <p:grpSp>
         <p:nvGrpSpPr>
-          <p:cNvPr id="48" name="Group 47">
+          <p:cNvPr id="44" name="Group 43">
             <a:extLst>
               <a:ext uri="{FF2B5EF4-FFF2-40B4-BE49-F238E27FC236}">
-                <a16:creationId xmlns:a16="http://schemas.microsoft.com/office/drawing/2014/main" id="{24232634-C5CC-4847-AF52-24761FBBED94}"/>
+                <a16:creationId xmlns:a16="http://schemas.microsoft.com/office/drawing/2014/main" id="{DEF8C6FD-2E20-6440-B0FC-7BD597E255C0}"/>
               </a:ext>
             </a:extLst>
           </p:cNvPr>
@@ -8491,18 +8238,18 @@
         </p:nvGrpSpPr>
         <p:grpSpPr>
           <a:xfrm>
-            <a:off x="8957595" y="2379709"/>
-            <a:ext cx="373943" cy="379527"/>
-            <a:chOff x="9113173" y="1912038"/>
-            <a:chExt cx="373943" cy="379527"/>
+            <a:off x="3436664" y="5054526"/>
+            <a:ext cx="2001733" cy="1600168"/>
+            <a:chOff x="8693464" y="2379516"/>
+            <a:chExt cx="2860403" cy="2286581"/>
           </a:xfrm>
         </p:grpSpPr>
         <p:sp>
           <p:nvSpPr>
-            <p:cNvPr id="43" name="Freeform 42">
+            <p:cNvPr id="45" name="Oval 44">
               <a:extLst>
                 <a:ext uri="{FF2B5EF4-FFF2-40B4-BE49-F238E27FC236}">
-                  <a16:creationId xmlns:a16="http://schemas.microsoft.com/office/drawing/2014/main" id="{B10A46AA-EF3F-3D4C-A309-F30CD704BC3E}"/>
+                  <a16:creationId xmlns:a16="http://schemas.microsoft.com/office/drawing/2014/main" id="{28307DA4-17DD-2D4D-9E1C-C74B6A4D2F69}"/>
                 </a:ext>
               </a:extLst>
             </p:cNvPr>
@@ -8511,145 +8258,12 @@
           </p:nvSpPr>
           <p:spPr>
             <a:xfrm>
-              <a:off x="9113173" y="1912038"/>
-              <a:ext cx="342957" cy="365126"/>
+              <a:off x="8709339" y="2774821"/>
+              <a:ext cx="839470" cy="615950"/>
             </a:xfrm>
-            <a:custGeom>
-              <a:avLst/>
-              <a:gdLst>
-                <a:gd name="connsiteX0" fmla="*/ 0 w 288925"/>
-                <a:gd name="connsiteY0" fmla="*/ 358939 h 358939"/>
-                <a:gd name="connsiteX1" fmla="*/ 88900 w 288925"/>
-                <a:gd name="connsiteY1" fmla="*/ 164 h 358939"/>
-                <a:gd name="connsiteX2" fmla="*/ 288925 w 288925"/>
-                <a:gd name="connsiteY2" fmla="*/ 317664 h 358939"/>
-                <a:gd name="connsiteX0" fmla="*/ 0 w 342900"/>
-                <a:gd name="connsiteY0" fmla="*/ 358917 h 358917"/>
-                <a:gd name="connsiteX1" fmla="*/ 88900 w 342900"/>
-                <a:gd name="connsiteY1" fmla="*/ 142 h 358917"/>
-                <a:gd name="connsiteX2" fmla="*/ 342900 w 342900"/>
-                <a:gd name="connsiteY2" fmla="*/ 352567 h 358917"/>
-                <a:gd name="connsiteX0" fmla="*/ 0 w 342900"/>
-                <a:gd name="connsiteY0" fmla="*/ 365263 h 365263"/>
-                <a:gd name="connsiteX1" fmla="*/ 174625 w 342900"/>
-                <a:gd name="connsiteY1" fmla="*/ 138 h 365263"/>
-                <a:gd name="connsiteX2" fmla="*/ 342900 w 342900"/>
-                <a:gd name="connsiteY2" fmla="*/ 358913 h 365263"/>
-                <a:gd name="connsiteX0" fmla="*/ 0 w 342900"/>
-                <a:gd name="connsiteY0" fmla="*/ 365166 h 365166"/>
-                <a:gd name="connsiteX1" fmla="*/ 174625 w 342900"/>
-                <a:gd name="connsiteY1" fmla="*/ 41 h 365166"/>
-                <a:gd name="connsiteX2" fmla="*/ 342900 w 342900"/>
-                <a:gd name="connsiteY2" fmla="*/ 358816 h 365166"/>
-                <a:gd name="connsiteX0" fmla="*/ 0 w 342900"/>
-                <a:gd name="connsiteY0" fmla="*/ 365166 h 365166"/>
-                <a:gd name="connsiteX1" fmla="*/ 174625 w 342900"/>
-                <a:gd name="connsiteY1" fmla="*/ 41 h 365166"/>
-                <a:gd name="connsiteX2" fmla="*/ 342900 w 342900"/>
-                <a:gd name="connsiteY2" fmla="*/ 358816 h 365166"/>
-                <a:gd name="connsiteX0" fmla="*/ 0 w 342900"/>
-                <a:gd name="connsiteY0" fmla="*/ 365166 h 365166"/>
-                <a:gd name="connsiteX1" fmla="*/ 174625 w 342900"/>
-                <a:gd name="connsiteY1" fmla="*/ 41 h 365166"/>
-                <a:gd name="connsiteX2" fmla="*/ 342900 w 342900"/>
-                <a:gd name="connsiteY2" fmla="*/ 358816 h 365166"/>
-                <a:gd name="connsiteX0" fmla="*/ 0 w 342900"/>
-                <a:gd name="connsiteY0" fmla="*/ 365126 h 365126"/>
-                <a:gd name="connsiteX1" fmla="*/ 174625 w 342900"/>
-                <a:gd name="connsiteY1" fmla="*/ 1 h 365126"/>
-                <a:gd name="connsiteX2" fmla="*/ 342900 w 342900"/>
-                <a:gd name="connsiteY2" fmla="*/ 358776 h 365126"/>
-                <a:gd name="connsiteX0" fmla="*/ 0 w 342900"/>
-                <a:gd name="connsiteY0" fmla="*/ 365126 h 365126"/>
-                <a:gd name="connsiteX1" fmla="*/ 174625 w 342900"/>
-                <a:gd name="connsiteY1" fmla="*/ 1 h 365126"/>
-                <a:gd name="connsiteX2" fmla="*/ 342900 w 342900"/>
-                <a:gd name="connsiteY2" fmla="*/ 358776 h 365126"/>
-                <a:gd name="connsiteX0" fmla="*/ 57 w 342957"/>
-                <a:gd name="connsiteY0" fmla="*/ 365126 h 365126"/>
-                <a:gd name="connsiteX1" fmla="*/ 174682 w 342957"/>
-                <a:gd name="connsiteY1" fmla="*/ 1 h 365126"/>
-                <a:gd name="connsiteX2" fmla="*/ 342957 w 342957"/>
-                <a:gd name="connsiteY2" fmla="*/ 358776 h 365126"/>
-              </a:gdLst>
-              <a:ahLst/>
-              <a:cxnLst>
-                <a:cxn ang="0">
-                  <a:pos x="connsiteX0" y="connsiteY0"/>
-                </a:cxn>
-                <a:cxn ang="0">
-                  <a:pos x="connsiteX1" y="connsiteY1"/>
-                </a:cxn>
-                <a:cxn ang="0">
-                  <a:pos x="connsiteX2" y="connsiteY2"/>
-                </a:cxn>
-              </a:cxnLst>
-              <a:rect l="l" t="t" r="r" b="b"/>
-              <a:pathLst>
-                <a:path w="342957" h="365126">
-                  <a:moveTo>
-                    <a:pt x="57" y="365126"/>
-                  </a:moveTo>
-                  <a:cubicBezTo>
-                    <a:pt x="-1795" y="182828"/>
-                    <a:pt x="40803" y="16405"/>
-                    <a:pt x="174682" y="1"/>
-                  </a:cubicBezTo>
-                  <a:cubicBezTo>
-                    <a:pt x="327611" y="-528"/>
-                    <a:pt x="337136" y="235480"/>
-                    <a:pt x="342957" y="358776"/>
-                  </a:cubicBezTo>
-                </a:path>
-              </a:pathLst>
-            </a:custGeom>
-          </p:spPr>
-          <p:style>
-            <a:lnRef idx="3">
-              <a:schemeClr val="accent1"/>
-            </a:lnRef>
-            <a:fillRef idx="0">
-              <a:schemeClr val="accent1"/>
-            </a:fillRef>
-            <a:effectRef idx="2">
-              <a:schemeClr val="accent1"/>
-            </a:effectRef>
-            <a:fontRef idx="minor">
-              <a:schemeClr val="tx1"/>
-            </a:fontRef>
-          </p:style>
-          <p:txBody>
-            <a:bodyPr rtlCol="0" anchor="ctr"/>
-            <a:lstStyle/>
-            <a:p>
-              <a:pPr algn="ctr"/>
-              <a:endParaRPr lang="en-US"/>
-            </a:p>
-          </p:txBody>
-        </p:sp>
-        <p:sp>
-          <p:nvSpPr>
-            <p:cNvPr id="44" name="Triangle 43">
-              <a:extLst>
-                <a:ext uri="{FF2B5EF4-FFF2-40B4-BE49-F238E27FC236}">
-                  <a16:creationId xmlns:a16="http://schemas.microsoft.com/office/drawing/2014/main" id="{9DF1F67C-5EB1-DE45-B1E5-BD5119DD768E}"/>
-                </a:ext>
-              </a:extLst>
-            </p:cNvPr>
-            <p:cNvSpPr/>
-            <p:nvPr/>
-          </p:nvSpPr>
-          <p:spPr>
-            <a:xfrm rot="10649102">
-              <a:off x="9397708" y="2213996"/>
-              <a:ext cx="89408" cy="77569"/>
-            </a:xfrm>
-            <a:prstGeom prst="triangle">
+            <a:prstGeom prst="ellipse">
               <a:avLst/>
             </a:prstGeom>
-            <a:ln>
-              <a:noFill/>
-            </a:ln>
           </p:spPr>
           <p:style>
             <a:lnRef idx="2">
@@ -8672,37 +8286,19 @@
             <a:lstStyle/>
             <a:p>
               <a:pPr algn="ctr"/>
-              <a:endParaRPr lang="en-US"/>
+              <a:r>
+                <a:rPr lang="en-US" sz="1050" dirty="0"/>
+                <a:t>PYR</a:t>
+              </a:r>
             </a:p>
           </p:txBody>
         </p:sp>
-      </p:grpSp>
-      <p:grpSp>
-        <p:nvGrpSpPr>
-          <p:cNvPr id="47" name="Group 46">
-            <a:extLst>
-              <a:ext uri="{FF2B5EF4-FFF2-40B4-BE49-F238E27FC236}">
-                <a16:creationId xmlns:a16="http://schemas.microsoft.com/office/drawing/2014/main" id="{3442F571-0A01-CD42-A096-88C595472589}"/>
-              </a:ext>
-            </a:extLst>
-          </p:cNvPr>
-          <p:cNvGrpSpPr/>
-          <p:nvPr/>
-        </p:nvGrpSpPr>
-        <p:grpSpPr>
-          <a:xfrm>
-            <a:off x="10954546" y="2379516"/>
-            <a:ext cx="373943" cy="379527"/>
-            <a:chOff x="11125999" y="1911845"/>
-            <a:chExt cx="373943" cy="379527"/>
-          </a:xfrm>
-        </p:grpSpPr>
         <p:sp>
           <p:nvSpPr>
-            <p:cNvPr id="45" name="Freeform 44">
+            <p:cNvPr id="46" name="Oval 45">
               <a:extLst>
                 <a:ext uri="{FF2B5EF4-FFF2-40B4-BE49-F238E27FC236}">
-                  <a16:creationId xmlns:a16="http://schemas.microsoft.com/office/drawing/2014/main" id="{099D5A0D-AE4E-3549-8DBC-A079897F51A5}"/>
+                  <a16:creationId xmlns:a16="http://schemas.microsoft.com/office/drawing/2014/main" id="{06BAB849-CBC4-7042-A19E-F6D1BA31ED4E}"/>
                 </a:ext>
               </a:extLst>
             </p:cNvPr>
@@ -8711,145 +8307,12 @@
           </p:nvSpPr>
           <p:spPr>
             <a:xfrm>
-              <a:off x="11125999" y="1911845"/>
-              <a:ext cx="342957" cy="365126"/>
+              <a:off x="10714397" y="2774821"/>
+              <a:ext cx="839470" cy="615950"/>
             </a:xfrm>
-            <a:custGeom>
-              <a:avLst/>
-              <a:gdLst>
-                <a:gd name="connsiteX0" fmla="*/ 0 w 288925"/>
-                <a:gd name="connsiteY0" fmla="*/ 358939 h 358939"/>
-                <a:gd name="connsiteX1" fmla="*/ 88900 w 288925"/>
-                <a:gd name="connsiteY1" fmla="*/ 164 h 358939"/>
-                <a:gd name="connsiteX2" fmla="*/ 288925 w 288925"/>
-                <a:gd name="connsiteY2" fmla="*/ 317664 h 358939"/>
-                <a:gd name="connsiteX0" fmla="*/ 0 w 342900"/>
-                <a:gd name="connsiteY0" fmla="*/ 358917 h 358917"/>
-                <a:gd name="connsiteX1" fmla="*/ 88900 w 342900"/>
-                <a:gd name="connsiteY1" fmla="*/ 142 h 358917"/>
-                <a:gd name="connsiteX2" fmla="*/ 342900 w 342900"/>
-                <a:gd name="connsiteY2" fmla="*/ 352567 h 358917"/>
-                <a:gd name="connsiteX0" fmla="*/ 0 w 342900"/>
-                <a:gd name="connsiteY0" fmla="*/ 365263 h 365263"/>
-                <a:gd name="connsiteX1" fmla="*/ 174625 w 342900"/>
-                <a:gd name="connsiteY1" fmla="*/ 138 h 365263"/>
-                <a:gd name="connsiteX2" fmla="*/ 342900 w 342900"/>
-                <a:gd name="connsiteY2" fmla="*/ 358913 h 365263"/>
-                <a:gd name="connsiteX0" fmla="*/ 0 w 342900"/>
-                <a:gd name="connsiteY0" fmla="*/ 365166 h 365166"/>
-                <a:gd name="connsiteX1" fmla="*/ 174625 w 342900"/>
-                <a:gd name="connsiteY1" fmla="*/ 41 h 365166"/>
-                <a:gd name="connsiteX2" fmla="*/ 342900 w 342900"/>
-                <a:gd name="connsiteY2" fmla="*/ 358816 h 365166"/>
-                <a:gd name="connsiteX0" fmla="*/ 0 w 342900"/>
-                <a:gd name="connsiteY0" fmla="*/ 365166 h 365166"/>
-                <a:gd name="connsiteX1" fmla="*/ 174625 w 342900"/>
-                <a:gd name="connsiteY1" fmla="*/ 41 h 365166"/>
-                <a:gd name="connsiteX2" fmla="*/ 342900 w 342900"/>
-                <a:gd name="connsiteY2" fmla="*/ 358816 h 365166"/>
-                <a:gd name="connsiteX0" fmla="*/ 0 w 342900"/>
-                <a:gd name="connsiteY0" fmla="*/ 365166 h 365166"/>
-                <a:gd name="connsiteX1" fmla="*/ 174625 w 342900"/>
-                <a:gd name="connsiteY1" fmla="*/ 41 h 365166"/>
-                <a:gd name="connsiteX2" fmla="*/ 342900 w 342900"/>
-                <a:gd name="connsiteY2" fmla="*/ 358816 h 365166"/>
-                <a:gd name="connsiteX0" fmla="*/ 0 w 342900"/>
-                <a:gd name="connsiteY0" fmla="*/ 365126 h 365126"/>
-                <a:gd name="connsiteX1" fmla="*/ 174625 w 342900"/>
-                <a:gd name="connsiteY1" fmla="*/ 1 h 365126"/>
-                <a:gd name="connsiteX2" fmla="*/ 342900 w 342900"/>
-                <a:gd name="connsiteY2" fmla="*/ 358776 h 365126"/>
-                <a:gd name="connsiteX0" fmla="*/ 0 w 342900"/>
-                <a:gd name="connsiteY0" fmla="*/ 365126 h 365126"/>
-                <a:gd name="connsiteX1" fmla="*/ 174625 w 342900"/>
-                <a:gd name="connsiteY1" fmla="*/ 1 h 365126"/>
-                <a:gd name="connsiteX2" fmla="*/ 342900 w 342900"/>
-                <a:gd name="connsiteY2" fmla="*/ 358776 h 365126"/>
-                <a:gd name="connsiteX0" fmla="*/ 57 w 342957"/>
-                <a:gd name="connsiteY0" fmla="*/ 365126 h 365126"/>
-                <a:gd name="connsiteX1" fmla="*/ 174682 w 342957"/>
-                <a:gd name="connsiteY1" fmla="*/ 1 h 365126"/>
-                <a:gd name="connsiteX2" fmla="*/ 342957 w 342957"/>
-                <a:gd name="connsiteY2" fmla="*/ 358776 h 365126"/>
-              </a:gdLst>
-              <a:ahLst/>
-              <a:cxnLst>
-                <a:cxn ang="0">
-                  <a:pos x="connsiteX0" y="connsiteY0"/>
-                </a:cxn>
-                <a:cxn ang="0">
-                  <a:pos x="connsiteX1" y="connsiteY1"/>
-                </a:cxn>
-                <a:cxn ang="0">
-                  <a:pos x="connsiteX2" y="connsiteY2"/>
-                </a:cxn>
-              </a:cxnLst>
-              <a:rect l="l" t="t" r="r" b="b"/>
-              <a:pathLst>
-                <a:path w="342957" h="365126">
-                  <a:moveTo>
-                    <a:pt x="57" y="365126"/>
-                  </a:moveTo>
-                  <a:cubicBezTo>
-                    <a:pt x="-1795" y="182828"/>
-                    <a:pt x="40803" y="16405"/>
-                    <a:pt x="174682" y="1"/>
-                  </a:cubicBezTo>
-                  <a:cubicBezTo>
-                    <a:pt x="327611" y="-528"/>
-                    <a:pt x="337136" y="235480"/>
-                    <a:pt x="342957" y="358776"/>
-                  </a:cubicBezTo>
-                </a:path>
-              </a:pathLst>
-            </a:custGeom>
-          </p:spPr>
-          <p:style>
-            <a:lnRef idx="3">
-              <a:schemeClr val="accent1"/>
-            </a:lnRef>
-            <a:fillRef idx="0">
-              <a:schemeClr val="accent1"/>
-            </a:fillRef>
-            <a:effectRef idx="2">
-              <a:schemeClr val="accent1"/>
-            </a:effectRef>
-            <a:fontRef idx="minor">
-              <a:schemeClr val="tx1"/>
-            </a:fontRef>
-          </p:style>
-          <p:txBody>
-            <a:bodyPr rtlCol="0" anchor="ctr"/>
-            <a:lstStyle/>
-            <a:p>
-              <a:pPr algn="ctr"/>
-              <a:endParaRPr lang="en-US"/>
-            </a:p>
-          </p:txBody>
-        </p:sp>
-        <p:sp>
-          <p:nvSpPr>
-            <p:cNvPr id="46" name="Triangle 45">
-              <a:extLst>
-                <a:ext uri="{FF2B5EF4-FFF2-40B4-BE49-F238E27FC236}">
-                  <a16:creationId xmlns:a16="http://schemas.microsoft.com/office/drawing/2014/main" id="{56F52A4D-3ECD-0B49-8CB6-786CBC2E5F11}"/>
-                </a:ext>
-              </a:extLst>
-            </p:cNvPr>
-            <p:cNvSpPr/>
-            <p:nvPr/>
-          </p:nvSpPr>
-          <p:spPr>
-            <a:xfrm rot="10649102">
-              <a:off x="11410534" y="2213803"/>
-              <a:ext cx="89408" cy="77569"/>
-            </a:xfrm>
-            <a:prstGeom prst="triangle">
+            <a:prstGeom prst="ellipse">
               <a:avLst/>
             </a:prstGeom>
-            <a:ln>
-              <a:noFill/>
-            </a:ln>
           </p:spPr>
           <p:style>
             <a:lnRef idx="2">
@@ -8872,73 +8335,20 @@
             <a:lstStyle/>
             <a:p>
               <a:pPr algn="ctr"/>
-              <a:endParaRPr lang="en-US"/>
+              <a:r>
+                <a:rPr lang="en-US" sz="1050" dirty="0"/>
+                <a:t>FS</a:t>
+              </a:r>
+              <a:endParaRPr lang="en-US" sz="1000" dirty="0"/>
             </a:p>
           </p:txBody>
         </p:sp>
-      </p:grpSp>
-      <p:grpSp>
-        <p:nvGrpSpPr>
-          <p:cNvPr id="52" name="Group 51">
-            <a:extLst>
-              <a:ext uri="{FF2B5EF4-FFF2-40B4-BE49-F238E27FC236}">
-                <a16:creationId xmlns:a16="http://schemas.microsoft.com/office/drawing/2014/main" id="{500EDF3E-9603-2E45-B8D7-53F40D30E928}"/>
-              </a:ext>
-            </a:extLst>
-          </p:cNvPr>
-          <p:cNvGrpSpPr/>
-          <p:nvPr/>
-        </p:nvGrpSpPr>
-        <p:grpSpPr>
-          <a:xfrm>
-            <a:off x="9578110" y="3000749"/>
-            <a:ext cx="1109620" cy="89408"/>
-            <a:chOff x="9749563" y="2555303"/>
-            <a:chExt cx="1109620" cy="89408"/>
-          </a:xfrm>
-        </p:grpSpPr>
-        <p:cxnSp>
-          <p:nvCxnSpPr>
-            <p:cNvPr id="50" name="Straight Connector 49">
+        <p:sp>
+          <p:nvSpPr>
+            <p:cNvPr id="47" name="Oval 46">
               <a:extLst>
                 <a:ext uri="{FF2B5EF4-FFF2-40B4-BE49-F238E27FC236}">
-                  <a16:creationId xmlns:a16="http://schemas.microsoft.com/office/drawing/2014/main" id="{5AFC1A18-9140-7440-9C40-D4DD14F59673}"/>
-                </a:ext>
-              </a:extLst>
-            </p:cNvPr>
-            <p:cNvCxnSpPr/>
-            <p:nvPr/>
-          </p:nvCxnSpPr>
-          <p:spPr>
-            <a:xfrm>
-              <a:off x="9749563" y="2590800"/>
-              <a:ext cx="1074012" cy="0"/>
-            </a:xfrm>
-            <a:prstGeom prst="line">
-              <a:avLst/>
-            </a:prstGeom>
-          </p:spPr>
-          <p:style>
-            <a:lnRef idx="3">
-              <a:schemeClr val="accent1"/>
-            </a:lnRef>
-            <a:fillRef idx="0">
-              <a:schemeClr val="accent1"/>
-            </a:fillRef>
-            <a:effectRef idx="2">
-              <a:schemeClr val="accent1"/>
-            </a:effectRef>
-            <a:fontRef idx="minor">
-              <a:schemeClr val="tx1"/>
-            </a:fontRef>
-          </p:style>
-        </p:cxnSp>
-        <p:sp>
-          <p:nvSpPr>
-            <p:cNvPr id="51" name="Triangle 50">
-              <a:extLst>
-                <a:ext uri="{FF2B5EF4-FFF2-40B4-BE49-F238E27FC236}">
-                  <a16:creationId xmlns:a16="http://schemas.microsoft.com/office/drawing/2014/main" id="{50C1DC36-B4CB-B541-8F20-A722BA3B6255}"/>
+                  <a16:creationId xmlns:a16="http://schemas.microsoft.com/office/drawing/2014/main" id="{2D9FBAD0-4E8B-1F4E-9CCD-96FFEBA20C37}"/>
                 </a:ext>
               </a:extLst>
             </p:cNvPr>
@@ -8946,16 +8356,13 @@
             <p:nvPr/>
           </p:nvSpPr>
           <p:spPr>
-            <a:xfrm rot="5400000">
-              <a:off x="10775695" y="2561222"/>
-              <a:ext cx="89408" cy="77569"/>
+            <a:xfrm>
+              <a:off x="8693464" y="4040622"/>
+              <a:ext cx="839470" cy="615950"/>
             </a:xfrm>
-            <a:prstGeom prst="triangle">
+            <a:prstGeom prst="ellipse">
               <a:avLst/>
             </a:prstGeom>
-            <a:ln>
-              <a:noFill/>
-            </a:ln>
           </p:spPr>
           <p:style>
             <a:lnRef idx="2">
@@ -8978,73 +8385,19 @@
             <a:lstStyle/>
             <a:p>
               <a:pPr algn="ctr"/>
-              <a:endParaRPr lang="en-US"/>
+              <a:r>
+                <a:rPr lang="en-US" sz="1050" dirty="0"/>
+                <a:t>RS</a:t>
+              </a:r>
             </a:p>
           </p:txBody>
         </p:sp>
-      </p:grpSp>
-      <p:grpSp>
-        <p:nvGrpSpPr>
-          <p:cNvPr id="53" name="Group 52">
-            <a:extLst>
-              <a:ext uri="{FF2B5EF4-FFF2-40B4-BE49-F238E27FC236}">
-                <a16:creationId xmlns:a16="http://schemas.microsoft.com/office/drawing/2014/main" id="{263D27AF-56FD-1942-ADC3-07D332C6E17F}"/>
-              </a:ext>
-            </a:extLst>
-          </p:cNvPr>
-          <p:cNvGrpSpPr/>
-          <p:nvPr/>
-        </p:nvGrpSpPr>
-        <p:grpSpPr>
-          <a:xfrm>
-            <a:off x="9574935" y="4268714"/>
-            <a:ext cx="1109620" cy="89408"/>
-            <a:chOff x="9749563" y="2555303"/>
-            <a:chExt cx="1109620" cy="89408"/>
-          </a:xfrm>
-        </p:grpSpPr>
-        <p:cxnSp>
-          <p:nvCxnSpPr>
-            <p:cNvPr id="54" name="Straight Connector 53">
+        <p:sp>
+          <p:nvSpPr>
+            <p:cNvPr id="48" name="Oval 47">
               <a:extLst>
                 <a:ext uri="{FF2B5EF4-FFF2-40B4-BE49-F238E27FC236}">
-                  <a16:creationId xmlns:a16="http://schemas.microsoft.com/office/drawing/2014/main" id="{06664C38-34BA-AB4E-8314-74B3FC33847A}"/>
-                </a:ext>
-              </a:extLst>
-            </p:cNvPr>
-            <p:cNvCxnSpPr/>
-            <p:nvPr/>
-          </p:nvCxnSpPr>
-          <p:spPr>
-            <a:xfrm>
-              <a:off x="9749563" y="2590800"/>
-              <a:ext cx="1074012" cy="0"/>
-            </a:xfrm>
-            <a:prstGeom prst="line">
-              <a:avLst/>
-            </a:prstGeom>
-          </p:spPr>
-          <p:style>
-            <a:lnRef idx="3">
-              <a:schemeClr val="accent1"/>
-            </a:lnRef>
-            <a:fillRef idx="0">
-              <a:schemeClr val="accent1"/>
-            </a:fillRef>
-            <a:effectRef idx="2">
-              <a:schemeClr val="accent1"/>
-            </a:effectRef>
-            <a:fontRef idx="minor">
-              <a:schemeClr val="tx1"/>
-            </a:fontRef>
-          </p:style>
-        </p:cxnSp>
-        <p:sp>
-          <p:nvSpPr>
-            <p:cNvPr id="55" name="Triangle 54">
-              <a:extLst>
-                <a:ext uri="{FF2B5EF4-FFF2-40B4-BE49-F238E27FC236}">
-                  <a16:creationId xmlns:a16="http://schemas.microsoft.com/office/drawing/2014/main" id="{F574B0D0-512A-1747-88CD-93A8DF31E9FA}"/>
+                  <a16:creationId xmlns:a16="http://schemas.microsoft.com/office/drawing/2014/main" id="{D86B28EE-A96A-0F40-ABBA-2DDD80344463}"/>
                 </a:ext>
               </a:extLst>
             </p:cNvPr>
@@ -9052,16 +8405,13 @@
             <p:nvPr/>
           </p:nvSpPr>
           <p:spPr>
-            <a:xfrm rot="5400000">
-              <a:off x="10775695" y="2561222"/>
-              <a:ext cx="89408" cy="77569"/>
+            <a:xfrm>
+              <a:off x="10701697" y="4050147"/>
+              <a:ext cx="839470" cy="615950"/>
             </a:xfrm>
-            <a:prstGeom prst="triangle">
+            <a:prstGeom prst="ellipse">
               <a:avLst/>
             </a:prstGeom>
-            <a:ln>
-              <a:noFill/>
-            </a:ln>
           </p:spPr>
           <p:style>
             <a:lnRef idx="2">
@@ -9084,651 +8434,1305 @@
             <a:lstStyle/>
             <a:p>
               <a:pPr algn="ctr"/>
-              <a:endParaRPr lang="en-US"/>
+              <a:r>
+                <a:rPr lang="en-US" sz="1050" dirty="0"/>
+                <a:t>IS</a:t>
+              </a:r>
             </a:p>
           </p:txBody>
         </p:sp>
+        <p:grpSp>
+          <p:nvGrpSpPr>
+            <p:cNvPr id="49" name="Group 48">
+              <a:extLst>
+                <a:ext uri="{FF2B5EF4-FFF2-40B4-BE49-F238E27FC236}">
+                  <a16:creationId xmlns:a16="http://schemas.microsoft.com/office/drawing/2014/main" id="{0776DA3C-EDCF-CC40-A9AA-E6FD26423E37}"/>
+                </a:ext>
+              </a:extLst>
+            </p:cNvPr>
+            <p:cNvGrpSpPr/>
+            <p:nvPr/>
+          </p:nvGrpSpPr>
+          <p:grpSpPr>
+            <a:xfrm>
+              <a:off x="8957595" y="2379709"/>
+              <a:ext cx="373943" cy="379527"/>
+              <a:chOff x="9113173" y="1912038"/>
+              <a:chExt cx="373943" cy="379527"/>
+            </a:xfrm>
+          </p:grpSpPr>
+          <p:sp>
+            <p:nvSpPr>
+              <p:cNvPr id="77" name="Freeform 76">
+                <a:extLst>
+                  <a:ext uri="{FF2B5EF4-FFF2-40B4-BE49-F238E27FC236}">
+                    <a16:creationId xmlns:a16="http://schemas.microsoft.com/office/drawing/2014/main" id="{E70DACB7-426B-F048-B21A-043C994ECA2A}"/>
+                  </a:ext>
+                </a:extLst>
+              </p:cNvPr>
+              <p:cNvSpPr/>
+              <p:nvPr/>
+            </p:nvSpPr>
+            <p:spPr>
+              <a:xfrm>
+                <a:off x="9113173" y="1912038"/>
+                <a:ext cx="342957" cy="365126"/>
+              </a:xfrm>
+              <a:custGeom>
+                <a:avLst/>
+                <a:gdLst>
+                  <a:gd name="connsiteX0" fmla="*/ 0 w 288925"/>
+                  <a:gd name="connsiteY0" fmla="*/ 358939 h 358939"/>
+                  <a:gd name="connsiteX1" fmla="*/ 88900 w 288925"/>
+                  <a:gd name="connsiteY1" fmla="*/ 164 h 358939"/>
+                  <a:gd name="connsiteX2" fmla="*/ 288925 w 288925"/>
+                  <a:gd name="connsiteY2" fmla="*/ 317664 h 358939"/>
+                  <a:gd name="connsiteX0" fmla="*/ 0 w 342900"/>
+                  <a:gd name="connsiteY0" fmla="*/ 358917 h 358917"/>
+                  <a:gd name="connsiteX1" fmla="*/ 88900 w 342900"/>
+                  <a:gd name="connsiteY1" fmla="*/ 142 h 358917"/>
+                  <a:gd name="connsiteX2" fmla="*/ 342900 w 342900"/>
+                  <a:gd name="connsiteY2" fmla="*/ 352567 h 358917"/>
+                  <a:gd name="connsiteX0" fmla="*/ 0 w 342900"/>
+                  <a:gd name="connsiteY0" fmla="*/ 365263 h 365263"/>
+                  <a:gd name="connsiteX1" fmla="*/ 174625 w 342900"/>
+                  <a:gd name="connsiteY1" fmla="*/ 138 h 365263"/>
+                  <a:gd name="connsiteX2" fmla="*/ 342900 w 342900"/>
+                  <a:gd name="connsiteY2" fmla="*/ 358913 h 365263"/>
+                  <a:gd name="connsiteX0" fmla="*/ 0 w 342900"/>
+                  <a:gd name="connsiteY0" fmla="*/ 365166 h 365166"/>
+                  <a:gd name="connsiteX1" fmla="*/ 174625 w 342900"/>
+                  <a:gd name="connsiteY1" fmla="*/ 41 h 365166"/>
+                  <a:gd name="connsiteX2" fmla="*/ 342900 w 342900"/>
+                  <a:gd name="connsiteY2" fmla="*/ 358816 h 365166"/>
+                  <a:gd name="connsiteX0" fmla="*/ 0 w 342900"/>
+                  <a:gd name="connsiteY0" fmla="*/ 365166 h 365166"/>
+                  <a:gd name="connsiteX1" fmla="*/ 174625 w 342900"/>
+                  <a:gd name="connsiteY1" fmla="*/ 41 h 365166"/>
+                  <a:gd name="connsiteX2" fmla="*/ 342900 w 342900"/>
+                  <a:gd name="connsiteY2" fmla="*/ 358816 h 365166"/>
+                  <a:gd name="connsiteX0" fmla="*/ 0 w 342900"/>
+                  <a:gd name="connsiteY0" fmla="*/ 365166 h 365166"/>
+                  <a:gd name="connsiteX1" fmla="*/ 174625 w 342900"/>
+                  <a:gd name="connsiteY1" fmla="*/ 41 h 365166"/>
+                  <a:gd name="connsiteX2" fmla="*/ 342900 w 342900"/>
+                  <a:gd name="connsiteY2" fmla="*/ 358816 h 365166"/>
+                  <a:gd name="connsiteX0" fmla="*/ 0 w 342900"/>
+                  <a:gd name="connsiteY0" fmla="*/ 365126 h 365126"/>
+                  <a:gd name="connsiteX1" fmla="*/ 174625 w 342900"/>
+                  <a:gd name="connsiteY1" fmla="*/ 1 h 365126"/>
+                  <a:gd name="connsiteX2" fmla="*/ 342900 w 342900"/>
+                  <a:gd name="connsiteY2" fmla="*/ 358776 h 365126"/>
+                  <a:gd name="connsiteX0" fmla="*/ 0 w 342900"/>
+                  <a:gd name="connsiteY0" fmla="*/ 365126 h 365126"/>
+                  <a:gd name="connsiteX1" fmla="*/ 174625 w 342900"/>
+                  <a:gd name="connsiteY1" fmla="*/ 1 h 365126"/>
+                  <a:gd name="connsiteX2" fmla="*/ 342900 w 342900"/>
+                  <a:gd name="connsiteY2" fmla="*/ 358776 h 365126"/>
+                  <a:gd name="connsiteX0" fmla="*/ 57 w 342957"/>
+                  <a:gd name="connsiteY0" fmla="*/ 365126 h 365126"/>
+                  <a:gd name="connsiteX1" fmla="*/ 174682 w 342957"/>
+                  <a:gd name="connsiteY1" fmla="*/ 1 h 365126"/>
+                  <a:gd name="connsiteX2" fmla="*/ 342957 w 342957"/>
+                  <a:gd name="connsiteY2" fmla="*/ 358776 h 365126"/>
+                </a:gdLst>
+                <a:ahLst/>
+                <a:cxnLst>
+                  <a:cxn ang="0">
+                    <a:pos x="connsiteX0" y="connsiteY0"/>
+                  </a:cxn>
+                  <a:cxn ang="0">
+                    <a:pos x="connsiteX1" y="connsiteY1"/>
+                  </a:cxn>
+                  <a:cxn ang="0">
+                    <a:pos x="connsiteX2" y="connsiteY2"/>
+                  </a:cxn>
+                </a:cxnLst>
+                <a:rect l="l" t="t" r="r" b="b"/>
+                <a:pathLst>
+                  <a:path w="342957" h="365126">
+                    <a:moveTo>
+                      <a:pt x="57" y="365126"/>
+                    </a:moveTo>
+                    <a:cubicBezTo>
+                      <a:pt x="-1795" y="182828"/>
+                      <a:pt x="40803" y="16405"/>
+                      <a:pt x="174682" y="1"/>
+                    </a:cubicBezTo>
+                    <a:cubicBezTo>
+                      <a:pt x="327611" y="-528"/>
+                      <a:pt x="337136" y="235480"/>
+                      <a:pt x="342957" y="358776"/>
+                    </a:cubicBezTo>
+                  </a:path>
+                </a:pathLst>
+              </a:custGeom>
+            </p:spPr>
+            <p:style>
+              <a:lnRef idx="3">
+                <a:schemeClr val="accent1"/>
+              </a:lnRef>
+              <a:fillRef idx="0">
+                <a:schemeClr val="accent1"/>
+              </a:fillRef>
+              <a:effectRef idx="2">
+                <a:schemeClr val="accent1"/>
+              </a:effectRef>
+              <a:fontRef idx="minor">
+                <a:schemeClr val="tx1"/>
+              </a:fontRef>
+            </p:style>
+            <p:txBody>
+              <a:bodyPr rtlCol="0" anchor="ctr"/>
+              <a:lstStyle/>
+              <a:p>
+                <a:pPr algn="ctr"/>
+                <a:endParaRPr lang="en-US"/>
+              </a:p>
+            </p:txBody>
+          </p:sp>
+          <p:sp>
+            <p:nvSpPr>
+              <p:cNvPr id="78" name="Triangle 77">
+                <a:extLst>
+                  <a:ext uri="{FF2B5EF4-FFF2-40B4-BE49-F238E27FC236}">
+                    <a16:creationId xmlns:a16="http://schemas.microsoft.com/office/drawing/2014/main" id="{5471EA15-2828-B44D-8764-1E41BA809765}"/>
+                  </a:ext>
+                </a:extLst>
+              </p:cNvPr>
+              <p:cNvSpPr/>
+              <p:nvPr/>
+            </p:nvSpPr>
+            <p:spPr>
+              <a:xfrm rot="10649102">
+                <a:off x="9397708" y="2213996"/>
+                <a:ext cx="89408" cy="77569"/>
+              </a:xfrm>
+              <a:prstGeom prst="triangle">
+                <a:avLst/>
+              </a:prstGeom>
+              <a:ln>
+                <a:noFill/>
+              </a:ln>
+            </p:spPr>
+            <p:style>
+              <a:lnRef idx="2">
+                <a:schemeClr val="accent1">
+                  <a:shade val="50000"/>
+                </a:schemeClr>
+              </a:lnRef>
+              <a:fillRef idx="1">
+                <a:schemeClr val="accent1"/>
+              </a:fillRef>
+              <a:effectRef idx="0">
+                <a:schemeClr val="accent1"/>
+              </a:effectRef>
+              <a:fontRef idx="minor">
+                <a:schemeClr val="lt1"/>
+              </a:fontRef>
+            </p:style>
+            <p:txBody>
+              <a:bodyPr rtlCol="0" anchor="ctr"/>
+              <a:lstStyle/>
+              <a:p>
+                <a:pPr algn="ctr"/>
+                <a:endParaRPr lang="en-US"/>
+              </a:p>
+            </p:txBody>
+          </p:sp>
+        </p:grpSp>
+        <p:grpSp>
+          <p:nvGrpSpPr>
+            <p:cNvPr id="50" name="Group 49">
+              <a:extLst>
+                <a:ext uri="{FF2B5EF4-FFF2-40B4-BE49-F238E27FC236}">
+                  <a16:creationId xmlns:a16="http://schemas.microsoft.com/office/drawing/2014/main" id="{9A0EAAD4-99E2-6846-B237-162E6C06F662}"/>
+                </a:ext>
+              </a:extLst>
+            </p:cNvPr>
+            <p:cNvGrpSpPr/>
+            <p:nvPr/>
+          </p:nvGrpSpPr>
+          <p:grpSpPr>
+            <a:xfrm>
+              <a:off x="10954546" y="2379516"/>
+              <a:ext cx="373943" cy="379527"/>
+              <a:chOff x="11125999" y="1911845"/>
+              <a:chExt cx="373943" cy="379527"/>
+            </a:xfrm>
+          </p:grpSpPr>
+          <p:sp>
+            <p:nvSpPr>
+              <p:cNvPr id="75" name="Freeform 74">
+                <a:extLst>
+                  <a:ext uri="{FF2B5EF4-FFF2-40B4-BE49-F238E27FC236}">
+                    <a16:creationId xmlns:a16="http://schemas.microsoft.com/office/drawing/2014/main" id="{3307A0F9-97D2-9C44-8A2A-1F0C7D9A4BB2}"/>
+                  </a:ext>
+                </a:extLst>
+              </p:cNvPr>
+              <p:cNvSpPr/>
+              <p:nvPr/>
+            </p:nvSpPr>
+            <p:spPr>
+              <a:xfrm>
+                <a:off x="11125999" y="1911845"/>
+                <a:ext cx="342957" cy="365126"/>
+              </a:xfrm>
+              <a:custGeom>
+                <a:avLst/>
+                <a:gdLst>
+                  <a:gd name="connsiteX0" fmla="*/ 0 w 288925"/>
+                  <a:gd name="connsiteY0" fmla="*/ 358939 h 358939"/>
+                  <a:gd name="connsiteX1" fmla="*/ 88900 w 288925"/>
+                  <a:gd name="connsiteY1" fmla="*/ 164 h 358939"/>
+                  <a:gd name="connsiteX2" fmla="*/ 288925 w 288925"/>
+                  <a:gd name="connsiteY2" fmla="*/ 317664 h 358939"/>
+                  <a:gd name="connsiteX0" fmla="*/ 0 w 342900"/>
+                  <a:gd name="connsiteY0" fmla="*/ 358917 h 358917"/>
+                  <a:gd name="connsiteX1" fmla="*/ 88900 w 342900"/>
+                  <a:gd name="connsiteY1" fmla="*/ 142 h 358917"/>
+                  <a:gd name="connsiteX2" fmla="*/ 342900 w 342900"/>
+                  <a:gd name="connsiteY2" fmla="*/ 352567 h 358917"/>
+                  <a:gd name="connsiteX0" fmla="*/ 0 w 342900"/>
+                  <a:gd name="connsiteY0" fmla="*/ 365263 h 365263"/>
+                  <a:gd name="connsiteX1" fmla="*/ 174625 w 342900"/>
+                  <a:gd name="connsiteY1" fmla="*/ 138 h 365263"/>
+                  <a:gd name="connsiteX2" fmla="*/ 342900 w 342900"/>
+                  <a:gd name="connsiteY2" fmla="*/ 358913 h 365263"/>
+                  <a:gd name="connsiteX0" fmla="*/ 0 w 342900"/>
+                  <a:gd name="connsiteY0" fmla="*/ 365166 h 365166"/>
+                  <a:gd name="connsiteX1" fmla="*/ 174625 w 342900"/>
+                  <a:gd name="connsiteY1" fmla="*/ 41 h 365166"/>
+                  <a:gd name="connsiteX2" fmla="*/ 342900 w 342900"/>
+                  <a:gd name="connsiteY2" fmla="*/ 358816 h 365166"/>
+                  <a:gd name="connsiteX0" fmla="*/ 0 w 342900"/>
+                  <a:gd name="connsiteY0" fmla="*/ 365166 h 365166"/>
+                  <a:gd name="connsiteX1" fmla="*/ 174625 w 342900"/>
+                  <a:gd name="connsiteY1" fmla="*/ 41 h 365166"/>
+                  <a:gd name="connsiteX2" fmla="*/ 342900 w 342900"/>
+                  <a:gd name="connsiteY2" fmla="*/ 358816 h 365166"/>
+                  <a:gd name="connsiteX0" fmla="*/ 0 w 342900"/>
+                  <a:gd name="connsiteY0" fmla="*/ 365166 h 365166"/>
+                  <a:gd name="connsiteX1" fmla="*/ 174625 w 342900"/>
+                  <a:gd name="connsiteY1" fmla="*/ 41 h 365166"/>
+                  <a:gd name="connsiteX2" fmla="*/ 342900 w 342900"/>
+                  <a:gd name="connsiteY2" fmla="*/ 358816 h 365166"/>
+                  <a:gd name="connsiteX0" fmla="*/ 0 w 342900"/>
+                  <a:gd name="connsiteY0" fmla="*/ 365126 h 365126"/>
+                  <a:gd name="connsiteX1" fmla="*/ 174625 w 342900"/>
+                  <a:gd name="connsiteY1" fmla="*/ 1 h 365126"/>
+                  <a:gd name="connsiteX2" fmla="*/ 342900 w 342900"/>
+                  <a:gd name="connsiteY2" fmla="*/ 358776 h 365126"/>
+                  <a:gd name="connsiteX0" fmla="*/ 0 w 342900"/>
+                  <a:gd name="connsiteY0" fmla="*/ 365126 h 365126"/>
+                  <a:gd name="connsiteX1" fmla="*/ 174625 w 342900"/>
+                  <a:gd name="connsiteY1" fmla="*/ 1 h 365126"/>
+                  <a:gd name="connsiteX2" fmla="*/ 342900 w 342900"/>
+                  <a:gd name="connsiteY2" fmla="*/ 358776 h 365126"/>
+                  <a:gd name="connsiteX0" fmla="*/ 57 w 342957"/>
+                  <a:gd name="connsiteY0" fmla="*/ 365126 h 365126"/>
+                  <a:gd name="connsiteX1" fmla="*/ 174682 w 342957"/>
+                  <a:gd name="connsiteY1" fmla="*/ 1 h 365126"/>
+                  <a:gd name="connsiteX2" fmla="*/ 342957 w 342957"/>
+                  <a:gd name="connsiteY2" fmla="*/ 358776 h 365126"/>
+                </a:gdLst>
+                <a:ahLst/>
+                <a:cxnLst>
+                  <a:cxn ang="0">
+                    <a:pos x="connsiteX0" y="connsiteY0"/>
+                  </a:cxn>
+                  <a:cxn ang="0">
+                    <a:pos x="connsiteX1" y="connsiteY1"/>
+                  </a:cxn>
+                  <a:cxn ang="0">
+                    <a:pos x="connsiteX2" y="connsiteY2"/>
+                  </a:cxn>
+                </a:cxnLst>
+                <a:rect l="l" t="t" r="r" b="b"/>
+                <a:pathLst>
+                  <a:path w="342957" h="365126">
+                    <a:moveTo>
+                      <a:pt x="57" y="365126"/>
+                    </a:moveTo>
+                    <a:cubicBezTo>
+                      <a:pt x="-1795" y="182828"/>
+                      <a:pt x="40803" y="16405"/>
+                      <a:pt x="174682" y="1"/>
+                    </a:cubicBezTo>
+                    <a:cubicBezTo>
+                      <a:pt x="327611" y="-528"/>
+                      <a:pt x="337136" y="235480"/>
+                      <a:pt x="342957" y="358776"/>
+                    </a:cubicBezTo>
+                  </a:path>
+                </a:pathLst>
+              </a:custGeom>
+            </p:spPr>
+            <p:style>
+              <a:lnRef idx="3">
+                <a:schemeClr val="accent1"/>
+              </a:lnRef>
+              <a:fillRef idx="0">
+                <a:schemeClr val="accent1"/>
+              </a:fillRef>
+              <a:effectRef idx="2">
+                <a:schemeClr val="accent1"/>
+              </a:effectRef>
+              <a:fontRef idx="minor">
+                <a:schemeClr val="tx1"/>
+              </a:fontRef>
+            </p:style>
+            <p:txBody>
+              <a:bodyPr rtlCol="0" anchor="ctr"/>
+              <a:lstStyle/>
+              <a:p>
+                <a:pPr algn="ctr"/>
+                <a:endParaRPr lang="en-US"/>
+              </a:p>
+            </p:txBody>
+          </p:sp>
+          <p:sp>
+            <p:nvSpPr>
+              <p:cNvPr id="76" name="Triangle 75">
+                <a:extLst>
+                  <a:ext uri="{FF2B5EF4-FFF2-40B4-BE49-F238E27FC236}">
+                    <a16:creationId xmlns:a16="http://schemas.microsoft.com/office/drawing/2014/main" id="{612D1604-94B2-CF4E-9D30-5920F6C88D89}"/>
+                  </a:ext>
+                </a:extLst>
+              </p:cNvPr>
+              <p:cNvSpPr/>
+              <p:nvPr/>
+            </p:nvSpPr>
+            <p:spPr>
+              <a:xfrm rot="10649102">
+                <a:off x="11410534" y="2213803"/>
+                <a:ext cx="89408" cy="77569"/>
+              </a:xfrm>
+              <a:prstGeom prst="triangle">
+                <a:avLst/>
+              </a:prstGeom>
+              <a:ln>
+                <a:noFill/>
+              </a:ln>
+            </p:spPr>
+            <p:style>
+              <a:lnRef idx="2">
+                <a:schemeClr val="accent1">
+                  <a:shade val="50000"/>
+                </a:schemeClr>
+              </a:lnRef>
+              <a:fillRef idx="1">
+                <a:schemeClr val="accent1"/>
+              </a:fillRef>
+              <a:effectRef idx="0">
+                <a:schemeClr val="accent1"/>
+              </a:effectRef>
+              <a:fontRef idx="minor">
+                <a:schemeClr val="lt1"/>
+              </a:fontRef>
+            </p:style>
+            <p:txBody>
+              <a:bodyPr rtlCol="0" anchor="ctr"/>
+              <a:lstStyle/>
+              <a:p>
+                <a:pPr algn="ctr"/>
+                <a:endParaRPr lang="en-US"/>
+              </a:p>
+            </p:txBody>
+          </p:sp>
+        </p:grpSp>
+        <p:grpSp>
+          <p:nvGrpSpPr>
+            <p:cNvPr id="51" name="Group 50">
+              <a:extLst>
+                <a:ext uri="{FF2B5EF4-FFF2-40B4-BE49-F238E27FC236}">
+                  <a16:creationId xmlns:a16="http://schemas.microsoft.com/office/drawing/2014/main" id="{E23077EE-E5A7-8E4B-B475-116E060DDA7A}"/>
+                </a:ext>
+              </a:extLst>
+            </p:cNvPr>
+            <p:cNvGrpSpPr/>
+            <p:nvPr/>
+          </p:nvGrpSpPr>
+          <p:grpSpPr>
+            <a:xfrm>
+              <a:off x="9578110" y="3000749"/>
+              <a:ext cx="1109620" cy="89408"/>
+              <a:chOff x="9749563" y="2555303"/>
+              <a:chExt cx="1109620" cy="89408"/>
+            </a:xfrm>
+          </p:grpSpPr>
+          <p:cxnSp>
+            <p:nvCxnSpPr>
+              <p:cNvPr id="73" name="Straight Connector 72">
+                <a:extLst>
+                  <a:ext uri="{FF2B5EF4-FFF2-40B4-BE49-F238E27FC236}">
+                    <a16:creationId xmlns:a16="http://schemas.microsoft.com/office/drawing/2014/main" id="{DCE3E205-D403-7A40-9239-4AC6421580E5}"/>
+                  </a:ext>
+                </a:extLst>
+              </p:cNvPr>
+              <p:cNvCxnSpPr/>
+              <p:nvPr/>
+            </p:nvCxnSpPr>
+            <p:spPr>
+              <a:xfrm>
+                <a:off x="9749563" y="2590800"/>
+                <a:ext cx="1074012" cy="0"/>
+              </a:xfrm>
+              <a:prstGeom prst="line">
+                <a:avLst/>
+              </a:prstGeom>
+            </p:spPr>
+            <p:style>
+              <a:lnRef idx="3">
+                <a:schemeClr val="accent1"/>
+              </a:lnRef>
+              <a:fillRef idx="0">
+                <a:schemeClr val="accent1"/>
+              </a:fillRef>
+              <a:effectRef idx="2">
+                <a:schemeClr val="accent1"/>
+              </a:effectRef>
+              <a:fontRef idx="minor">
+                <a:schemeClr val="tx1"/>
+              </a:fontRef>
+            </p:style>
+          </p:cxnSp>
+          <p:sp>
+            <p:nvSpPr>
+              <p:cNvPr id="74" name="Triangle 73">
+                <a:extLst>
+                  <a:ext uri="{FF2B5EF4-FFF2-40B4-BE49-F238E27FC236}">
+                    <a16:creationId xmlns:a16="http://schemas.microsoft.com/office/drawing/2014/main" id="{6A0DEA85-21A1-2747-9421-B3330B81BEF0}"/>
+                  </a:ext>
+                </a:extLst>
+              </p:cNvPr>
+              <p:cNvSpPr/>
+              <p:nvPr/>
+            </p:nvSpPr>
+            <p:spPr>
+              <a:xfrm rot="5400000">
+                <a:off x="10775695" y="2561222"/>
+                <a:ext cx="89408" cy="77569"/>
+              </a:xfrm>
+              <a:prstGeom prst="triangle">
+                <a:avLst/>
+              </a:prstGeom>
+              <a:ln>
+                <a:noFill/>
+              </a:ln>
+            </p:spPr>
+            <p:style>
+              <a:lnRef idx="2">
+                <a:schemeClr val="accent1">
+                  <a:shade val="50000"/>
+                </a:schemeClr>
+              </a:lnRef>
+              <a:fillRef idx="1">
+                <a:schemeClr val="accent1"/>
+              </a:fillRef>
+              <a:effectRef idx="0">
+                <a:schemeClr val="accent1"/>
+              </a:effectRef>
+              <a:fontRef idx="minor">
+                <a:schemeClr val="lt1"/>
+              </a:fontRef>
+            </p:style>
+            <p:txBody>
+              <a:bodyPr rtlCol="0" anchor="ctr"/>
+              <a:lstStyle/>
+              <a:p>
+                <a:pPr algn="ctr"/>
+                <a:endParaRPr lang="en-US"/>
+              </a:p>
+            </p:txBody>
+          </p:sp>
+        </p:grpSp>
+        <p:grpSp>
+          <p:nvGrpSpPr>
+            <p:cNvPr id="52" name="Group 51">
+              <a:extLst>
+                <a:ext uri="{FF2B5EF4-FFF2-40B4-BE49-F238E27FC236}">
+                  <a16:creationId xmlns:a16="http://schemas.microsoft.com/office/drawing/2014/main" id="{3C4C9135-C4C8-DE46-A81B-980B1D9230FD}"/>
+                </a:ext>
+              </a:extLst>
+            </p:cNvPr>
+            <p:cNvGrpSpPr/>
+            <p:nvPr/>
+          </p:nvGrpSpPr>
+          <p:grpSpPr>
+            <a:xfrm>
+              <a:off x="9574935" y="4268714"/>
+              <a:ext cx="1109620" cy="89408"/>
+              <a:chOff x="9749563" y="2555303"/>
+              <a:chExt cx="1109620" cy="89408"/>
+            </a:xfrm>
+          </p:grpSpPr>
+          <p:cxnSp>
+            <p:nvCxnSpPr>
+              <p:cNvPr id="71" name="Straight Connector 70">
+                <a:extLst>
+                  <a:ext uri="{FF2B5EF4-FFF2-40B4-BE49-F238E27FC236}">
+                    <a16:creationId xmlns:a16="http://schemas.microsoft.com/office/drawing/2014/main" id="{42B33914-86A7-0443-89C6-64A861B551C6}"/>
+                  </a:ext>
+                </a:extLst>
+              </p:cNvPr>
+              <p:cNvCxnSpPr/>
+              <p:nvPr/>
+            </p:nvCxnSpPr>
+            <p:spPr>
+              <a:xfrm>
+                <a:off x="9749563" y="2590800"/>
+                <a:ext cx="1074012" cy="0"/>
+              </a:xfrm>
+              <a:prstGeom prst="line">
+                <a:avLst/>
+              </a:prstGeom>
+            </p:spPr>
+            <p:style>
+              <a:lnRef idx="3">
+                <a:schemeClr val="accent1"/>
+              </a:lnRef>
+              <a:fillRef idx="0">
+                <a:schemeClr val="accent1"/>
+              </a:fillRef>
+              <a:effectRef idx="2">
+                <a:schemeClr val="accent1"/>
+              </a:effectRef>
+              <a:fontRef idx="minor">
+                <a:schemeClr val="tx1"/>
+              </a:fontRef>
+            </p:style>
+          </p:cxnSp>
+          <p:sp>
+            <p:nvSpPr>
+              <p:cNvPr id="72" name="Triangle 71">
+                <a:extLst>
+                  <a:ext uri="{FF2B5EF4-FFF2-40B4-BE49-F238E27FC236}">
+                    <a16:creationId xmlns:a16="http://schemas.microsoft.com/office/drawing/2014/main" id="{9FBCA72A-A032-D341-B1BB-C3BB1BF053CA}"/>
+                  </a:ext>
+                </a:extLst>
+              </p:cNvPr>
+              <p:cNvSpPr/>
+              <p:nvPr/>
+            </p:nvSpPr>
+            <p:spPr>
+              <a:xfrm rot="5400000">
+                <a:off x="10775695" y="2561222"/>
+                <a:ext cx="89408" cy="77569"/>
+              </a:xfrm>
+              <a:prstGeom prst="triangle">
+                <a:avLst/>
+              </a:prstGeom>
+              <a:ln>
+                <a:noFill/>
+              </a:ln>
+            </p:spPr>
+            <p:style>
+              <a:lnRef idx="2">
+                <a:schemeClr val="accent1">
+                  <a:shade val="50000"/>
+                </a:schemeClr>
+              </a:lnRef>
+              <a:fillRef idx="1">
+                <a:schemeClr val="accent1"/>
+              </a:fillRef>
+              <a:effectRef idx="0">
+                <a:schemeClr val="accent1"/>
+              </a:effectRef>
+              <a:fontRef idx="minor">
+                <a:schemeClr val="lt1"/>
+              </a:fontRef>
+            </p:style>
+            <p:txBody>
+              <a:bodyPr rtlCol="0" anchor="ctr"/>
+              <a:lstStyle/>
+              <a:p>
+                <a:pPr algn="ctr"/>
+                <a:endParaRPr lang="en-US"/>
+              </a:p>
+            </p:txBody>
+          </p:sp>
+        </p:grpSp>
+        <p:grpSp>
+          <p:nvGrpSpPr>
+            <p:cNvPr id="53" name="Group 52">
+              <a:extLst>
+                <a:ext uri="{FF2B5EF4-FFF2-40B4-BE49-F238E27FC236}">
+                  <a16:creationId xmlns:a16="http://schemas.microsoft.com/office/drawing/2014/main" id="{6EA450C5-1BB5-8045-BBEF-13F827AA9091}"/>
+                </a:ext>
+              </a:extLst>
+            </p:cNvPr>
+            <p:cNvGrpSpPr/>
+            <p:nvPr/>
+          </p:nvGrpSpPr>
+          <p:grpSpPr>
+            <a:xfrm rot="10800000">
+              <a:off x="9578110" y="3118515"/>
+              <a:ext cx="1109620" cy="89408"/>
+              <a:chOff x="9749563" y="2555303"/>
+              <a:chExt cx="1109620" cy="89408"/>
+            </a:xfrm>
+          </p:grpSpPr>
+          <p:cxnSp>
+            <p:nvCxnSpPr>
+              <p:cNvPr id="69" name="Straight Connector 68">
+                <a:extLst>
+                  <a:ext uri="{FF2B5EF4-FFF2-40B4-BE49-F238E27FC236}">
+                    <a16:creationId xmlns:a16="http://schemas.microsoft.com/office/drawing/2014/main" id="{44A11C66-09B6-F740-B702-AE203625F410}"/>
+                  </a:ext>
+                </a:extLst>
+              </p:cNvPr>
+              <p:cNvCxnSpPr/>
+              <p:nvPr/>
+            </p:nvCxnSpPr>
+            <p:spPr>
+              <a:xfrm>
+                <a:off x="9749563" y="2590800"/>
+                <a:ext cx="1074012" cy="0"/>
+              </a:xfrm>
+              <a:prstGeom prst="line">
+                <a:avLst/>
+              </a:prstGeom>
+            </p:spPr>
+            <p:style>
+              <a:lnRef idx="3">
+                <a:schemeClr val="accent1"/>
+              </a:lnRef>
+              <a:fillRef idx="0">
+                <a:schemeClr val="accent1"/>
+              </a:fillRef>
+              <a:effectRef idx="2">
+                <a:schemeClr val="accent1"/>
+              </a:effectRef>
+              <a:fontRef idx="minor">
+                <a:schemeClr val="tx1"/>
+              </a:fontRef>
+            </p:style>
+          </p:cxnSp>
+          <p:sp>
+            <p:nvSpPr>
+              <p:cNvPr id="70" name="Triangle 69">
+                <a:extLst>
+                  <a:ext uri="{FF2B5EF4-FFF2-40B4-BE49-F238E27FC236}">
+                    <a16:creationId xmlns:a16="http://schemas.microsoft.com/office/drawing/2014/main" id="{9B081A56-167A-A349-86EB-344E5793B4E0}"/>
+                  </a:ext>
+                </a:extLst>
+              </p:cNvPr>
+              <p:cNvSpPr/>
+              <p:nvPr/>
+            </p:nvSpPr>
+            <p:spPr>
+              <a:xfrm rot="5400000">
+                <a:off x="10775695" y="2561222"/>
+                <a:ext cx="89408" cy="77569"/>
+              </a:xfrm>
+              <a:prstGeom prst="triangle">
+                <a:avLst/>
+              </a:prstGeom>
+              <a:ln>
+                <a:noFill/>
+              </a:ln>
+            </p:spPr>
+            <p:style>
+              <a:lnRef idx="2">
+                <a:schemeClr val="accent1">
+                  <a:shade val="50000"/>
+                </a:schemeClr>
+              </a:lnRef>
+              <a:fillRef idx="1">
+                <a:schemeClr val="accent1"/>
+              </a:fillRef>
+              <a:effectRef idx="0">
+                <a:schemeClr val="accent1"/>
+              </a:effectRef>
+              <a:fontRef idx="minor">
+                <a:schemeClr val="lt1"/>
+              </a:fontRef>
+            </p:style>
+            <p:txBody>
+              <a:bodyPr rtlCol="0" anchor="ctr"/>
+              <a:lstStyle/>
+              <a:p>
+                <a:pPr algn="ctr"/>
+                <a:endParaRPr lang="en-US"/>
+              </a:p>
+            </p:txBody>
+          </p:sp>
+        </p:grpSp>
+        <p:grpSp>
+          <p:nvGrpSpPr>
+            <p:cNvPr id="54" name="Group 53">
+              <a:extLst>
+                <a:ext uri="{FF2B5EF4-FFF2-40B4-BE49-F238E27FC236}">
+                  <a16:creationId xmlns:a16="http://schemas.microsoft.com/office/drawing/2014/main" id="{2D9F23AA-3A1C-034D-9575-23B051C6C123}"/>
+                </a:ext>
+              </a:extLst>
+            </p:cNvPr>
+            <p:cNvGrpSpPr/>
+            <p:nvPr/>
+          </p:nvGrpSpPr>
+          <p:grpSpPr>
+            <a:xfrm rot="10800000">
+              <a:off x="9568584" y="4370632"/>
+              <a:ext cx="1109620" cy="89408"/>
+              <a:chOff x="9749563" y="2555303"/>
+              <a:chExt cx="1109620" cy="89408"/>
+            </a:xfrm>
+          </p:grpSpPr>
+          <p:cxnSp>
+            <p:nvCxnSpPr>
+              <p:cNvPr id="67" name="Straight Connector 66">
+                <a:extLst>
+                  <a:ext uri="{FF2B5EF4-FFF2-40B4-BE49-F238E27FC236}">
+                    <a16:creationId xmlns:a16="http://schemas.microsoft.com/office/drawing/2014/main" id="{DFBA68F4-B74E-8B43-84F3-02F9101CFDCC}"/>
+                  </a:ext>
+                </a:extLst>
+              </p:cNvPr>
+              <p:cNvCxnSpPr/>
+              <p:nvPr/>
+            </p:nvCxnSpPr>
+            <p:spPr>
+              <a:xfrm>
+                <a:off x="9749563" y="2590800"/>
+                <a:ext cx="1074012" cy="0"/>
+              </a:xfrm>
+              <a:prstGeom prst="line">
+                <a:avLst/>
+              </a:prstGeom>
+            </p:spPr>
+            <p:style>
+              <a:lnRef idx="3">
+                <a:schemeClr val="accent1"/>
+              </a:lnRef>
+              <a:fillRef idx="0">
+                <a:schemeClr val="accent1"/>
+              </a:fillRef>
+              <a:effectRef idx="2">
+                <a:schemeClr val="accent1"/>
+              </a:effectRef>
+              <a:fontRef idx="minor">
+                <a:schemeClr val="tx1"/>
+              </a:fontRef>
+            </p:style>
+          </p:cxnSp>
+          <p:sp>
+            <p:nvSpPr>
+              <p:cNvPr id="68" name="Triangle 67">
+                <a:extLst>
+                  <a:ext uri="{FF2B5EF4-FFF2-40B4-BE49-F238E27FC236}">
+                    <a16:creationId xmlns:a16="http://schemas.microsoft.com/office/drawing/2014/main" id="{1EC5BA17-8ECF-724E-9F0A-F697F58F243C}"/>
+                  </a:ext>
+                </a:extLst>
+              </p:cNvPr>
+              <p:cNvSpPr/>
+              <p:nvPr/>
+            </p:nvSpPr>
+            <p:spPr>
+              <a:xfrm rot="5400000">
+                <a:off x="10775695" y="2561222"/>
+                <a:ext cx="89408" cy="77569"/>
+              </a:xfrm>
+              <a:prstGeom prst="triangle">
+                <a:avLst/>
+              </a:prstGeom>
+              <a:ln>
+                <a:noFill/>
+              </a:ln>
+            </p:spPr>
+            <p:style>
+              <a:lnRef idx="2">
+                <a:schemeClr val="accent1">
+                  <a:shade val="50000"/>
+                </a:schemeClr>
+              </a:lnRef>
+              <a:fillRef idx="1">
+                <a:schemeClr val="accent1"/>
+              </a:fillRef>
+              <a:effectRef idx="0">
+                <a:schemeClr val="accent1"/>
+              </a:effectRef>
+              <a:fontRef idx="minor">
+                <a:schemeClr val="lt1"/>
+              </a:fontRef>
+            </p:style>
+            <p:txBody>
+              <a:bodyPr rtlCol="0" anchor="ctr"/>
+              <a:lstStyle/>
+              <a:p>
+                <a:pPr algn="ctr"/>
+                <a:endParaRPr lang="en-US"/>
+              </a:p>
+            </p:txBody>
+          </p:sp>
+        </p:grpSp>
+        <p:grpSp>
+          <p:nvGrpSpPr>
+            <p:cNvPr id="55" name="Group 54">
+              <a:extLst>
+                <a:ext uri="{FF2B5EF4-FFF2-40B4-BE49-F238E27FC236}">
+                  <a16:creationId xmlns:a16="http://schemas.microsoft.com/office/drawing/2014/main" id="{07CBF86C-0620-304C-8AD6-35B017F5B40B}"/>
+                </a:ext>
+              </a:extLst>
+            </p:cNvPr>
+            <p:cNvGrpSpPr/>
+            <p:nvPr/>
+          </p:nvGrpSpPr>
+          <p:grpSpPr>
+            <a:xfrm rot="5400000">
+              <a:off x="8764564" y="3670939"/>
+              <a:ext cx="577966" cy="89408"/>
+              <a:chOff x="9749562" y="2555303"/>
+              <a:chExt cx="1109621" cy="89408"/>
+            </a:xfrm>
+          </p:grpSpPr>
+          <p:cxnSp>
+            <p:nvCxnSpPr>
+              <p:cNvPr id="65" name="Straight Connector 64">
+                <a:extLst>
+                  <a:ext uri="{FF2B5EF4-FFF2-40B4-BE49-F238E27FC236}">
+                    <a16:creationId xmlns:a16="http://schemas.microsoft.com/office/drawing/2014/main" id="{01692E3F-0820-124C-81A7-8EAEE804A322}"/>
+                  </a:ext>
+                </a:extLst>
+              </p:cNvPr>
+              <p:cNvCxnSpPr/>
+              <p:nvPr/>
+            </p:nvCxnSpPr>
+            <p:spPr>
+              <a:xfrm>
+                <a:off x="9749562" y="2590800"/>
+                <a:ext cx="1074014" cy="0"/>
+              </a:xfrm>
+              <a:prstGeom prst="line">
+                <a:avLst/>
+              </a:prstGeom>
+            </p:spPr>
+            <p:style>
+              <a:lnRef idx="3">
+                <a:schemeClr val="accent1"/>
+              </a:lnRef>
+              <a:fillRef idx="0">
+                <a:schemeClr val="accent1"/>
+              </a:fillRef>
+              <a:effectRef idx="2">
+                <a:schemeClr val="accent1"/>
+              </a:effectRef>
+              <a:fontRef idx="minor">
+                <a:schemeClr val="tx1"/>
+              </a:fontRef>
+            </p:style>
+          </p:cxnSp>
+          <p:sp>
+            <p:nvSpPr>
+              <p:cNvPr id="66" name="Triangle 65">
+                <a:extLst>
+                  <a:ext uri="{FF2B5EF4-FFF2-40B4-BE49-F238E27FC236}">
+                    <a16:creationId xmlns:a16="http://schemas.microsoft.com/office/drawing/2014/main" id="{6F02242E-B61B-9347-AB6D-EB045D092C64}"/>
+                  </a:ext>
+                </a:extLst>
+              </p:cNvPr>
+              <p:cNvSpPr/>
+              <p:nvPr/>
+            </p:nvSpPr>
+            <p:spPr>
+              <a:xfrm rot="5400000">
+                <a:off x="10775695" y="2561222"/>
+                <a:ext cx="89408" cy="77569"/>
+              </a:xfrm>
+              <a:prstGeom prst="triangle">
+                <a:avLst/>
+              </a:prstGeom>
+              <a:ln>
+                <a:noFill/>
+              </a:ln>
+            </p:spPr>
+            <p:style>
+              <a:lnRef idx="2">
+                <a:schemeClr val="accent1">
+                  <a:shade val="50000"/>
+                </a:schemeClr>
+              </a:lnRef>
+              <a:fillRef idx="1">
+                <a:schemeClr val="accent1"/>
+              </a:fillRef>
+              <a:effectRef idx="0">
+                <a:schemeClr val="accent1"/>
+              </a:effectRef>
+              <a:fontRef idx="minor">
+                <a:schemeClr val="lt1"/>
+              </a:fontRef>
+            </p:style>
+            <p:txBody>
+              <a:bodyPr rtlCol="0" anchor="ctr"/>
+              <a:lstStyle/>
+              <a:p>
+                <a:pPr algn="ctr"/>
+                <a:endParaRPr lang="en-US"/>
+              </a:p>
+            </p:txBody>
+          </p:sp>
+        </p:grpSp>
+        <p:grpSp>
+          <p:nvGrpSpPr>
+            <p:cNvPr id="56" name="Group 55">
+              <a:extLst>
+                <a:ext uri="{FF2B5EF4-FFF2-40B4-BE49-F238E27FC236}">
+                  <a16:creationId xmlns:a16="http://schemas.microsoft.com/office/drawing/2014/main" id="{14BC7790-5A8D-1440-9FD7-5CEB6E91F935}"/>
+                </a:ext>
+              </a:extLst>
+            </p:cNvPr>
+            <p:cNvGrpSpPr/>
+            <p:nvPr/>
+          </p:nvGrpSpPr>
+          <p:grpSpPr>
+            <a:xfrm rot="1896926">
+              <a:off x="9372143" y="3640781"/>
+              <a:ext cx="1539028" cy="89408"/>
+              <a:chOff x="9749563" y="2555303"/>
+              <a:chExt cx="1109620" cy="89408"/>
+            </a:xfrm>
+          </p:grpSpPr>
+          <p:cxnSp>
+            <p:nvCxnSpPr>
+              <p:cNvPr id="63" name="Straight Connector 62">
+                <a:extLst>
+                  <a:ext uri="{FF2B5EF4-FFF2-40B4-BE49-F238E27FC236}">
+                    <a16:creationId xmlns:a16="http://schemas.microsoft.com/office/drawing/2014/main" id="{C886370E-5121-9046-9A70-94255F92C55E}"/>
+                  </a:ext>
+                </a:extLst>
+              </p:cNvPr>
+              <p:cNvCxnSpPr/>
+              <p:nvPr/>
+            </p:nvCxnSpPr>
+            <p:spPr>
+              <a:xfrm>
+                <a:off x="9749563" y="2590800"/>
+                <a:ext cx="1074012" cy="0"/>
+              </a:xfrm>
+              <a:prstGeom prst="line">
+                <a:avLst/>
+              </a:prstGeom>
+            </p:spPr>
+            <p:style>
+              <a:lnRef idx="3">
+                <a:schemeClr val="accent1"/>
+              </a:lnRef>
+              <a:fillRef idx="0">
+                <a:schemeClr val="accent1"/>
+              </a:fillRef>
+              <a:effectRef idx="2">
+                <a:schemeClr val="accent1"/>
+              </a:effectRef>
+              <a:fontRef idx="minor">
+                <a:schemeClr val="tx1"/>
+              </a:fontRef>
+            </p:style>
+          </p:cxnSp>
+          <p:sp>
+            <p:nvSpPr>
+              <p:cNvPr id="64" name="Triangle 63">
+                <a:extLst>
+                  <a:ext uri="{FF2B5EF4-FFF2-40B4-BE49-F238E27FC236}">
+                    <a16:creationId xmlns:a16="http://schemas.microsoft.com/office/drawing/2014/main" id="{8BED9499-C490-824F-A3CC-D38313681433}"/>
+                  </a:ext>
+                </a:extLst>
+              </p:cNvPr>
+              <p:cNvSpPr/>
+              <p:nvPr/>
+            </p:nvSpPr>
+            <p:spPr>
+              <a:xfrm rot="5400000">
+                <a:off x="10775695" y="2561222"/>
+                <a:ext cx="89408" cy="77569"/>
+              </a:xfrm>
+              <a:prstGeom prst="triangle">
+                <a:avLst/>
+              </a:prstGeom>
+              <a:ln>
+                <a:noFill/>
+              </a:ln>
+            </p:spPr>
+            <p:style>
+              <a:lnRef idx="2">
+                <a:schemeClr val="accent1">
+                  <a:shade val="50000"/>
+                </a:schemeClr>
+              </a:lnRef>
+              <a:fillRef idx="1">
+                <a:schemeClr val="accent1"/>
+              </a:fillRef>
+              <a:effectRef idx="0">
+                <a:schemeClr val="accent1"/>
+              </a:effectRef>
+              <a:fontRef idx="minor">
+                <a:schemeClr val="lt1"/>
+              </a:fontRef>
+            </p:style>
+            <p:txBody>
+              <a:bodyPr rtlCol="0" anchor="ctr"/>
+              <a:lstStyle/>
+              <a:p>
+                <a:pPr algn="ctr"/>
+                <a:endParaRPr lang="en-US"/>
+              </a:p>
+            </p:txBody>
+          </p:sp>
+        </p:grpSp>
+        <p:grpSp>
+          <p:nvGrpSpPr>
+            <p:cNvPr id="57" name="Group 56">
+              <a:extLst>
+                <a:ext uri="{FF2B5EF4-FFF2-40B4-BE49-F238E27FC236}">
+                  <a16:creationId xmlns:a16="http://schemas.microsoft.com/office/drawing/2014/main" id="{01081035-9586-7E45-8CEB-1AF83CE66EA9}"/>
+                </a:ext>
+              </a:extLst>
+            </p:cNvPr>
+            <p:cNvGrpSpPr/>
+            <p:nvPr/>
+          </p:nvGrpSpPr>
+          <p:grpSpPr>
+            <a:xfrm rot="16200000">
+              <a:off x="8887970" y="3670935"/>
+              <a:ext cx="577965" cy="89408"/>
+              <a:chOff x="9749563" y="2555303"/>
+              <a:chExt cx="1109620" cy="89408"/>
+            </a:xfrm>
+          </p:grpSpPr>
+          <p:cxnSp>
+            <p:nvCxnSpPr>
+              <p:cNvPr id="61" name="Straight Connector 60">
+                <a:extLst>
+                  <a:ext uri="{FF2B5EF4-FFF2-40B4-BE49-F238E27FC236}">
+                    <a16:creationId xmlns:a16="http://schemas.microsoft.com/office/drawing/2014/main" id="{E82956EA-EE47-5E4F-9162-3820A61953D0}"/>
+                  </a:ext>
+                </a:extLst>
+              </p:cNvPr>
+              <p:cNvCxnSpPr/>
+              <p:nvPr/>
+            </p:nvCxnSpPr>
+            <p:spPr>
+              <a:xfrm>
+                <a:off x="9749563" y="2590800"/>
+                <a:ext cx="1074012" cy="0"/>
+              </a:xfrm>
+              <a:prstGeom prst="line">
+                <a:avLst/>
+              </a:prstGeom>
+            </p:spPr>
+            <p:style>
+              <a:lnRef idx="3">
+                <a:schemeClr val="accent1"/>
+              </a:lnRef>
+              <a:fillRef idx="0">
+                <a:schemeClr val="accent1"/>
+              </a:fillRef>
+              <a:effectRef idx="2">
+                <a:schemeClr val="accent1"/>
+              </a:effectRef>
+              <a:fontRef idx="minor">
+                <a:schemeClr val="tx1"/>
+              </a:fontRef>
+            </p:style>
+          </p:cxnSp>
+          <p:sp>
+            <p:nvSpPr>
+              <p:cNvPr id="62" name="Triangle 61">
+                <a:extLst>
+                  <a:ext uri="{FF2B5EF4-FFF2-40B4-BE49-F238E27FC236}">
+                    <a16:creationId xmlns:a16="http://schemas.microsoft.com/office/drawing/2014/main" id="{BA4CD8F0-A00C-1F4F-B9F4-DD5C3884321D}"/>
+                  </a:ext>
+                </a:extLst>
+              </p:cNvPr>
+              <p:cNvSpPr/>
+              <p:nvPr/>
+            </p:nvSpPr>
+            <p:spPr>
+              <a:xfrm rot="5400000">
+                <a:off x="10775695" y="2561222"/>
+                <a:ext cx="89408" cy="77569"/>
+              </a:xfrm>
+              <a:prstGeom prst="triangle">
+                <a:avLst/>
+              </a:prstGeom>
+              <a:ln>
+                <a:noFill/>
+              </a:ln>
+            </p:spPr>
+            <p:style>
+              <a:lnRef idx="2">
+                <a:schemeClr val="accent1">
+                  <a:shade val="50000"/>
+                </a:schemeClr>
+              </a:lnRef>
+              <a:fillRef idx="1">
+                <a:schemeClr val="accent1"/>
+              </a:fillRef>
+              <a:effectRef idx="0">
+                <a:schemeClr val="accent1"/>
+              </a:effectRef>
+              <a:fontRef idx="minor">
+                <a:schemeClr val="lt1"/>
+              </a:fontRef>
+            </p:style>
+            <p:txBody>
+              <a:bodyPr rtlCol="0" anchor="ctr"/>
+              <a:lstStyle/>
+              <a:p>
+                <a:pPr algn="ctr"/>
+                <a:endParaRPr lang="en-US"/>
+              </a:p>
+            </p:txBody>
+          </p:sp>
+        </p:grpSp>
+        <p:grpSp>
+          <p:nvGrpSpPr>
+            <p:cNvPr id="58" name="Group 57">
+              <a:extLst>
+                <a:ext uri="{FF2B5EF4-FFF2-40B4-BE49-F238E27FC236}">
+                  <a16:creationId xmlns:a16="http://schemas.microsoft.com/office/drawing/2014/main" id="{79A4ADF3-D159-674B-ADEF-D88786F846FF}"/>
+                </a:ext>
+              </a:extLst>
+            </p:cNvPr>
+            <p:cNvGrpSpPr/>
+            <p:nvPr/>
+          </p:nvGrpSpPr>
+          <p:grpSpPr>
+            <a:xfrm rot="12730154">
+              <a:off x="9260013" y="3740636"/>
+              <a:ext cx="1559806" cy="89408"/>
+              <a:chOff x="9749563" y="2555303"/>
+              <a:chExt cx="1109620" cy="89408"/>
+            </a:xfrm>
+          </p:grpSpPr>
+          <p:cxnSp>
+            <p:nvCxnSpPr>
+              <p:cNvPr id="59" name="Straight Connector 58">
+                <a:extLst>
+                  <a:ext uri="{FF2B5EF4-FFF2-40B4-BE49-F238E27FC236}">
+                    <a16:creationId xmlns:a16="http://schemas.microsoft.com/office/drawing/2014/main" id="{0C29EA66-F460-1549-80CC-0C64024E18D7}"/>
+                  </a:ext>
+                </a:extLst>
+              </p:cNvPr>
+              <p:cNvCxnSpPr/>
+              <p:nvPr/>
+            </p:nvCxnSpPr>
+            <p:spPr>
+              <a:xfrm>
+                <a:off x="9749563" y="2590800"/>
+                <a:ext cx="1074012" cy="0"/>
+              </a:xfrm>
+              <a:prstGeom prst="line">
+                <a:avLst/>
+              </a:prstGeom>
+            </p:spPr>
+            <p:style>
+              <a:lnRef idx="3">
+                <a:schemeClr val="accent1"/>
+              </a:lnRef>
+              <a:fillRef idx="0">
+                <a:schemeClr val="accent1"/>
+              </a:fillRef>
+              <a:effectRef idx="2">
+                <a:schemeClr val="accent1"/>
+              </a:effectRef>
+              <a:fontRef idx="minor">
+                <a:schemeClr val="tx1"/>
+              </a:fontRef>
+            </p:style>
+          </p:cxnSp>
+          <p:sp>
+            <p:nvSpPr>
+              <p:cNvPr id="60" name="Triangle 59">
+                <a:extLst>
+                  <a:ext uri="{FF2B5EF4-FFF2-40B4-BE49-F238E27FC236}">
+                    <a16:creationId xmlns:a16="http://schemas.microsoft.com/office/drawing/2014/main" id="{FC8053A0-56B9-A743-A82B-4F9BF1A71C2F}"/>
+                  </a:ext>
+                </a:extLst>
+              </p:cNvPr>
+              <p:cNvSpPr/>
+              <p:nvPr/>
+            </p:nvSpPr>
+            <p:spPr>
+              <a:xfrm rot="5400000">
+                <a:off x="10775695" y="2561222"/>
+                <a:ext cx="89408" cy="77569"/>
+              </a:xfrm>
+              <a:prstGeom prst="triangle">
+                <a:avLst/>
+              </a:prstGeom>
+              <a:ln>
+                <a:noFill/>
+              </a:ln>
+            </p:spPr>
+            <p:style>
+              <a:lnRef idx="2">
+                <a:schemeClr val="accent1">
+                  <a:shade val="50000"/>
+                </a:schemeClr>
+              </a:lnRef>
+              <a:fillRef idx="1">
+                <a:schemeClr val="accent1"/>
+              </a:fillRef>
+              <a:effectRef idx="0">
+                <a:schemeClr val="accent1"/>
+              </a:effectRef>
+              <a:fontRef idx="minor">
+                <a:schemeClr val="lt1"/>
+              </a:fontRef>
+            </p:style>
+            <p:txBody>
+              <a:bodyPr rtlCol="0" anchor="ctr"/>
+              <a:lstStyle/>
+              <a:p>
+                <a:pPr algn="ctr"/>
+                <a:endParaRPr lang="en-US"/>
+              </a:p>
+            </p:txBody>
+          </p:sp>
+        </p:grpSp>
       </p:grpSp>
-      <p:grpSp>
-        <p:nvGrpSpPr>
-          <p:cNvPr id="56" name="Group 55">
+      <p:sp>
+        <p:nvSpPr>
+          <p:cNvPr id="3" name="TextBox 2">
             <a:extLst>
               <a:ext uri="{FF2B5EF4-FFF2-40B4-BE49-F238E27FC236}">
-                <a16:creationId xmlns:a16="http://schemas.microsoft.com/office/drawing/2014/main" id="{74A50A78-086F-B146-A26D-BBA4BA8B920A}"/>
+                <a16:creationId xmlns:a16="http://schemas.microsoft.com/office/drawing/2014/main" id="{0B1F01B0-DD4B-364C-B933-B387003EF7B7}"/>
               </a:ext>
             </a:extLst>
           </p:cNvPr>
-          <p:cNvGrpSpPr/>
+          <p:cNvSpPr txBox="1"/>
           <p:nvPr/>
-        </p:nvGrpSpPr>
-        <p:grpSpPr>
-          <a:xfrm rot="10800000">
-            <a:off x="9578110" y="3118515"/>
-            <a:ext cx="1109620" cy="89408"/>
-            <a:chOff x="9749563" y="2555303"/>
-            <a:chExt cx="1109620" cy="89408"/>
+        </p:nvSpPr>
+        <p:spPr>
+          <a:xfrm>
+            <a:off x="2674044" y="169049"/>
+            <a:ext cx="3211926" cy="646331"/>
           </a:xfrm>
-        </p:grpSpPr>
-        <p:cxnSp>
-          <p:nvCxnSpPr>
-            <p:cNvPr id="57" name="Straight Connector 56">
-              <a:extLst>
-                <a:ext uri="{FF2B5EF4-FFF2-40B4-BE49-F238E27FC236}">
-                  <a16:creationId xmlns:a16="http://schemas.microsoft.com/office/drawing/2014/main" id="{2A50EC02-61F5-3445-B1B8-3CFFD7516ADD}"/>
-                </a:ext>
-              </a:extLst>
-            </p:cNvPr>
-            <p:cNvCxnSpPr/>
-            <p:nvPr/>
-          </p:nvCxnSpPr>
-          <p:spPr>
-            <a:xfrm>
-              <a:off x="9749563" y="2590800"/>
-              <a:ext cx="1074012" cy="0"/>
-            </a:xfrm>
-            <a:prstGeom prst="line">
-              <a:avLst/>
-            </a:prstGeom>
-          </p:spPr>
-          <p:style>
-            <a:lnRef idx="3">
-              <a:schemeClr val="accent1"/>
-            </a:lnRef>
-            <a:fillRef idx="0">
-              <a:schemeClr val="accent1"/>
-            </a:fillRef>
-            <a:effectRef idx="2">
-              <a:schemeClr val="accent1"/>
-            </a:effectRef>
-            <a:fontRef idx="minor">
-              <a:schemeClr val="tx1"/>
-            </a:fontRef>
-          </p:style>
-        </p:cxnSp>
-        <p:sp>
-          <p:nvSpPr>
-            <p:cNvPr id="58" name="Triangle 57">
-              <a:extLst>
-                <a:ext uri="{FF2B5EF4-FFF2-40B4-BE49-F238E27FC236}">
-                  <a16:creationId xmlns:a16="http://schemas.microsoft.com/office/drawing/2014/main" id="{4997F268-2782-F444-A6B4-84FA0A6485FF}"/>
-                </a:ext>
-              </a:extLst>
-            </p:cNvPr>
-            <p:cNvSpPr/>
-            <p:nvPr/>
-          </p:nvSpPr>
-          <p:spPr>
-            <a:xfrm rot="5400000">
-              <a:off x="10775695" y="2561222"/>
-              <a:ext cx="89408" cy="77569"/>
-            </a:xfrm>
-            <a:prstGeom prst="triangle">
-              <a:avLst/>
-            </a:prstGeom>
-            <a:ln>
-              <a:noFill/>
-            </a:ln>
-          </p:spPr>
-          <p:style>
-            <a:lnRef idx="2">
-              <a:schemeClr val="accent1">
-                <a:shade val="50000"/>
-              </a:schemeClr>
-            </a:lnRef>
-            <a:fillRef idx="1">
-              <a:schemeClr val="accent1"/>
-            </a:fillRef>
-            <a:effectRef idx="0">
-              <a:schemeClr val="accent1"/>
-            </a:effectRef>
-            <a:fontRef idx="minor">
-              <a:schemeClr val="lt1"/>
-            </a:fontRef>
-          </p:style>
-          <p:txBody>
-            <a:bodyPr rtlCol="0" anchor="ctr"/>
-            <a:lstStyle/>
-            <a:p>
-              <a:pPr algn="ctr"/>
-              <a:endParaRPr lang="en-US"/>
-            </a:p>
-          </p:txBody>
-        </p:sp>
-      </p:grpSp>
-      <p:grpSp>
-        <p:nvGrpSpPr>
-          <p:cNvPr id="59" name="Group 58">
-            <a:extLst>
-              <a:ext uri="{FF2B5EF4-FFF2-40B4-BE49-F238E27FC236}">
-                <a16:creationId xmlns:a16="http://schemas.microsoft.com/office/drawing/2014/main" id="{4C5507FA-338F-C34E-963D-2D2A17A84BA2}"/>
-              </a:ext>
-            </a:extLst>
-          </p:cNvPr>
-          <p:cNvGrpSpPr/>
-          <p:nvPr/>
-        </p:nvGrpSpPr>
-        <p:grpSpPr>
-          <a:xfrm rot="10800000">
-            <a:off x="9568584" y="4370632"/>
-            <a:ext cx="1109620" cy="89408"/>
-            <a:chOff x="9749563" y="2555303"/>
-            <a:chExt cx="1109620" cy="89408"/>
-          </a:xfrm>
-        </p:grpSpPr>
-        <p:cxnSp>
-          <p:nvCxnSpPr>
-            <p:cNvPr id="60" name="Straight Connector 59">
-              <a:extLst>
-                <a:ext uri="{FF2B5EF4-FFF2-40B4-BE49-F238E27FC236}">
-                  <a16:creationId xmlns:a16="http://schemas.microsoft.com/office/drawing/2014/main" id="{76DBEE05-C768-6746-BBF5-878F0B57F146}"/>
-                </a:ext>
-              </a:extLst>
-            </p:cNvPr>
-            <p:cNvCxnSpPr/>
-            <p:nvPr/>
-          </p:nvCxnSpPr>
-          <p:spPr>
-            <a:xfrm>
-              <a:off x="9749563" y="2590800"/>
-              <a:ext cx="1074012" cy="0"/>
-            </a:xfrm>
-            <a:prstGeom prst="line">
-              <a:avLst/>
-            </a:prstGeom>
-          </p:spPr>
-          <p:style>
-            <a:lnRef idx="3">
-              <a:schemeClr val="accent1"/>
-            </a:lnRef>
-            <a:fillRef idx="0">
-              <a:schemeClr val="accent1"/>
-            </a:fillRef>
-            <a:effectRef idx="2">
-              <a:schemeClr val="accent1"/>
-            </a:effectRef>
-            <a:fontRef idx="minor">
-              <a:schemeClr val="tx1"/>
-            </a:fontRef>
-          </p:style>
-        </p:cxnSp>
-        <p:sp>
-          <p:nvSpPr>
-            <p:cNvPr id="61" name="Triangle 60">
-              <a:extLst>
-                <a:ext uri="{FF2B5EF4-FFF2-40B4-BE49-F238E27FC236}">
-                  <a16:creationId xmlns:a16="http://schemas.microsoft.com/office/drawing/2014/main" id="{D9EADE59-43C7-0844-AA90-5C5712A34EB6}"/>
-                </a:ext>
-              </a:extLst>
-            </p:cNvPr>
-            <p:cNvSpPr/>
-            <p:nvPr/>
-          </p:nvSpPr>
-          <p:spPr>
-            <a:xfrm rot="5400000">
-              <a:off x="10775695" y="2561222"/>
-              <a:ext cx="89408" cy="77569"/>
-            </a:xfrm>
-            <a:prstGeom prst="triangle">
-              <a:avLst/>
-            </a:prstGeom>
-            <a:ln>
-              <a:noFill/>
-            </a:ln>
-          </p:spPr>
-          <p:style>
-            <a:lnRef idx="2">
-              <a:schemeClr val="accent1">
-                <a:shade val="50000"/>
-              </a:schemeClr>
-            </a:lnRef>
-            <a:fillRef idx="1">
-              <a:schemeClr val="accent1"/>
-            </a:fillRef>
-            <a:effectRef idx="0">
-              <a:schemeClr val="accent1"/>
-            </a:effectRef>
-            <a:fontRef idx="minor">
-              <a:schemeClr val="lt1"/>
-            </a:fontRef>
-          </p:style>
-          <p:txBody>
-            <a:bodyPr rtlCol="0" anchor="ctr"/>
-            <a:lstStyle/>
-            <a:p>
-              <a:pPr algn="ctr"/>
-              <a:endParaRPr lang="en-US"/>
-            </a:p>
-          </p:txBody>
-        </p:sp>
-      </p:grpSp>
-      <p:grpSp>
-        <p:nvGrpSpPr>
-          <p:cNvPr id="62" name="Group 61">
-            <a:extLst>
-              <a:ext uri="{FF2B5EF4-FFF2-40B4-BE49-F238E27FC236}">
-                <a16:creationId xmlns:a16="http://schemas.microsoft.com/office/drawing/2014/main" id="{0C960A69-A64E-9040-A200-D4C102D6D48B}"/>
-              </a:ext>
-            </a:extLst>
-          </p:cNvPr>
-          <p:cNvGrpSpPr/>
-          <p:nvPr/>
-        </p:nvGrpSpPr>
-        <p:grpSpPr>
-          <a:xfrm rot="5400000">
-            <a:off x="8764564" y="3670935"/>
-            <a:ext cx="577965" cy="89408"/>
-            <a:chOff x="9749563" y="2555303"/>
-            <a:chExt cx="1109620" cy="89408"/>
-          </a:xfrm>
-        </p:grpSpPr>
-        <p:cxnSp>
-          <p:nvCxnSpPr>
-            <p:cNvPr id="63" name="Straight Connector 62">
-              <a:extLst>
-                <a:ext uri="{FF2B5EF4-FFF2-40B4-BE49-F238E27FC236}">
-                  <a16:creationId xmlns:a16="http://schemas.microsoft.com/office/drawing/2014/main" id="{9D67E3FF-3B3C-7A4E-B14E-41BE9BB6C5E3}"/>
-                </a:ext>
-              </a:extLst>
-            </p:cNvPr>
-            <p:cNvCxnSpPr/>
-            <p:nvPr/>
-          </p:nvCxnSpPr>
-          <p:spPr>
-            <a:xfrm>
-              <a:off x="9749563" y="2590800"/>
-              <a:ext cx="1074012" cy="0"/>
-            </a:xfrm>
-            <a:prstGeom prst="line">
-              <a:avLst/>
-            </a:prstGeom>
-          </p:spPr>
-          <p:style>
-            <a:lnRef idx="3">
-              <a:schemeClr val="accent1"/>
-            </a:lnRef>
-            <a:fillRef idx="0">
-              <a:schemeClr val="accent1"/>
-            </a:fillRef>
-            <a:effectRef idx="2">
-              <a:schemeClr val="accent1"/>
-            </a:effectRef>
-            <a:fontRef idx="minor">
-              <a:schemeClr val="tx1"/>
-            </a:fontRef>
-          </p:style>
-        </p:cxnSp>
-        <p:sp>
-          <p:nvSpPr>
-            <p:cNvPr id="64" name="Triangle 63">
-              <a:extLst>
-                <a:ext uri="{FF2B5EF4-FFF2-40B4-BE49-F238E27FC236}">
-                  <a16:creationId xmlns:a16="http://schemas.microsoft.com/office/drawing/2014/main" id="{83E75721-9729-1847-A1FE-2BF441205E2F}"/>
-                </a:ext>
-              </a:extLst>
-            </p:cNvPr>
-            <p:cNvSpPr/>
-            <p:nvPr/>
-          </p:nvSpPr>
-          <p:spPr>
-            <a:xfrm rot="5400000">
-              <a:off x="10775695" y="2561222"/>
-              <a:ext cx="89408" cy="77569"/>
-            </a:xfrm>
-            <a:prstGeom prst="triangle">
-              <a:avLst/>
-            </a:prstGeom>
-            <a:ln>
-              <a:noFill/>
-            </a:ln>
-          </p:spPr>
-          <p:style>
-            <a:lnRef idx="2">
-              <a:schemeClr val="accent1">
-                <a:shade val="50000"/>
-              </a:schemeClr>
-            </a:lnRef>
-            <a:fillRef idx="1">
-              <a:schemeClr val="accent1"/>
-            </a:fillRef>
-            <a:effectRef idx="0">
-              <a:schemeClr val="accent1"/>
-            </a:effectRef>
-            <a:fontRef idx="minor">
-              <a:schemeClr val="lt1"/>
-            </a:fontRef>
-          </p:style>
-          <p:txBody>
-            <a:bodyPr rtlCol="0" anchor="ctr"/>
-            <a:lstStyle/>
-            <a:p>
-              <a:pPr algn="ctr"/>
-              <a:endParaRPr lang="en-US"/>
-            </a:p>
-          </p:txBody>
-        </p:sp>
-      </p:grpSp>
-      <p:grpSp>
-        <p:nvGrpSpPr>
-          <p:cNvPr id="65" name="Group 64">
-            <a:extLst>
-              <a:ext uri="{FF2B5EF4-FFF2-40B4-BE49-F238E27FC236}">
-                <a16:creationId xmlns:a16="http://schemas.microsoft.com/office/drawing/2014/main" id="{C74B7112-FE5F-634E-B03C-69018C06EB06}"/>
-              </a:ext>
-            </a:extLst>
-          </p:cNvPr>
-          <p:cNvGrpSpPr/>
-          <p:nvPr/>
-        </p:nvGrpSpPr>
-        <p:grpSpPr>
-          <a:xfrm rot="1896926">
-            <a:off x="9372143" y="3640781"/>
-            <a:ext cx="1539028" cy="89408"/>
-            <a:chOff x="9749563" y="2555303"/>
-            <a:chExt cx="1109620" cy="89408"/>
-          </a:xfrm>
-        </p:grpSpPr>
-        <p:cxnSp>
-          <p:nvCxnSpPr>
-            <p:cNvPr id="66" name="Straight Connector 65">
-              <a:extLst>
-                <a:ext uri="{FF2B5EF4-FFF2-40B4-BE49-F238E27FC236}">
-                  <a16:creationId xmlns:a16="http://schemas.microsoft.com/office/drawing/2014/main" id="{F60C1D87-C1A4-3A45-9766-F8077D089B9C}"/>
-                </a:ext>
-              </a:extLst>
-            </p:cNvPr>
-            <p:cNvCxnSpPr/>
-            <p:nvPr/>
-          </p:nvCxnSpPr>
-          <p:spPr>
-            <a:xfrm>
-              <a:off x="9749563" y="2590800"/>
-              <a:ext cx="1074012" cy="0"/>
-            </a:xfrm>
-            <a:prstGeom prst="line">
-              <a:avLst/>
-            </a:prstGeom>
-          </p:spPr>
-          <p:style>
-            <a:lnRef idx="3">
-              <a:schemeClr val="accent1"/>
-            </a:lnRef>
-            <a:fillRef idx="0">
-              <a:schemeClr val="accent1"/>
-            </a:fillRef>
-            <a:effectRef idx="2">
-              <a:schemeClr val="accent1"/>
-            </a:effectRef>
-            <a:fontRef idx="minor">
-              <a:schemeClr val="tx1"/>
-            </a:fontRef>
-          </p:style>
-        </p:cxnSp>
-        <p:sp>
-          <p:nvSpPr>
-            <p:cNvPr id="67" name="Triangle 66">
-              <a:extLst>
-                <a:ext uri="{FF2B5EF4-FFF2-40B4-BE49-F238E27FC236}">
-                  <a16:creationId xmlns:a16="http://schemas.microsoft.com/office/drawing/2014/main" id="{2483926D-A5D0-6945-A26B-193BCE407BE6}"/>
-                </a:ext>
-              </a:extLst>
-            </p:cNvPr>
-            <p:cNvSpPr/>
-            <p:nvPr/>
-          </p:nvSpPr>
-          <p:spPr>
-            <a:xfrm rot="5400000">
-              <a:off x="10775695" y="2561222"/>
-              <a:ext cx="89408" cy="77569"/>
-            </a:xfrm>
-            <a:prstGeom prst="triangle">
-              <a:avLst/>
-            </a:prstGeom>
-            <a:ln>
-              <a:noFill/>
-            </a:ln>
-          </p:spPr>
-          <p:style>
-            <a:lnRef idx="2">
-              <a:schemeClr val="accent1">
-                <a:shade val="50000"/>
-              </a:schemeClr>
-            </a:lnRef>
-            <a:fillRef idx="1">
-              <a:schemeClr val="accent1"/>
-            </a:fillRef>
-            <a:effectRef idx="0">
-              <a:schemeClr val="accent1"/>
-            </a:effectRef>
-            <a:fontRef idx="minor">
-              <a:schemeClr val="lt1"/>
-            </a:fontRef>
-          </p:style>
-          <p:txBody>
-            <a:bodyPr rtlCol="0" anchor="ctr"/>
-            <a:lstStyle/>
-            <a:p>
-              <a:pPr algn="ctr"/>
-              <a:endParaRPr lang="en-US"/>
-            </a:p>
-          </p:txBody>
-        </p:sp>
-      </p:grpSp>
-      <p:grpSp>
-        <p:nvGrpSpPr>
-          <p:cNvPr id="68" name="Group 67">
-            <a:extLst>
-              <a:ext uri="{FF2B5EF4-FFF2-40B4-BE49-F238E27FC236}">
-                <a16:creationId xmlns:a16="http://schemas.microsoft.com/office/drawing/2014/main" id="{78B5D743-8C3D-7E47-9504-EE78B159E44D}"/>
-              </a:ext>
-            </a:extLst>
-          </p:cNvPr>
-          <p:cNvGrpSpPr/>
-          <p:nvPr/>
-        </p:nvGrpSpPr>
-        <p:grpSpPr>
-          <a:xfrm rot="16200000">
-            <a:off x="8887970" y="3670935"/>
-            <a:ext cx="577965" cy="89408"/>
-            <a:chOff x="9749563" y="2555303"/>
-            <a:chExt cx="1109620" cy="89408"/>
-          </a:xfrm>
-        </p:grpSpPr>
-        <p:cxnSp>
-          <p:nvCxnSpPr>
-            <p:cNvPr id="69" name="Straight Connector 68">
-              <a:extLst>
-                <a:ext uri="{FF2B5EF4-FFF2-40B4-BE49-F238E27FC236}">
-                  <a16:creationId xmlns:a16="http://schemas.microsoft.com/office/drawing/2014/main" id="{3F79B1F6-0937-EC46-AE8E-337DAC6BD16D}"/>
-                </a:ext>
-              </a:extLst>
-            </p:cNvPr>
-            <p:cNvCxnSpPr/>
-            <p:nvPr/>
-          </p:nvCxnSpPr>
-          <p:spPr>
-            <a:xfrm>
-              <a:off x="9749563" y="2590800"/>
-              <a:ext cx="1074012" cy="0"/>
-            </a:xfrm>
-            <a:prstGeom prst="line">
-              <a:avLst/>
-            </a:prstGeom>
-          </p:spPr>
-          <p:style>
-            <a:lnRef idx="3">
-              <a:schemeClr val="accent1"/>
-            </a:lnRef>
-            <a:fillRef idx="0">
-              <a:schemeClr val="accent1"/>
-            </a:fillRef>
-            <a:effectRef idx="2">
-              <a:schemeClr val="accent1"/>
-            </a:effectRef>
-            <a:fontRef idx="minor">
-              <a:schemeClr val="tx1"/>
-            </a:fontRef>
-          </p:style>
-        </p:cxnSp>
-        <p:sp>
-          <p:nvSpPr>
-            <p:cNvPr id="70" name="Triangle 69">
-              <a:extLst>
-                <a:ext uri="{FF2B5EF4-FFF2-40B4-BE49-F238E27FC236}">
-                  <a16:creationId xmlns:a16="http://schemas.microsoft.com/office/drawing/2014/main" id="{3C587143-BC4C-7442-9CE9-5D0E3B2C2D2B}"/>
-                </a:ext>
-              </a:extLst>
-            </p:cNvPr>
-            <p:cNvSpPr/>
-            <p:nvPr/>
-          </p:nvSpPr>
-          <p:spPr>
-            <a:xfrm rot="5400000">
-              <a:off x="10775695" y="2561222"/>
-              <a:ext cx="89408" cy="77569"/>
-            </a:xfrm>
-            <a:prstGeom prst="triangle">
-              <a:avLst/>
-            </a:prstGeom>
-            <a:ln>
-              <a:noFill/>
-            </a:ln>
-          </p:spPr>
-          <p:style>
-            <a:lnRef idx="2">
-              <a:schemeClr val="accent1">
-                <a:shade val="50000"/>
-              </a:schemeClr>
-            </a:lnRef>
-            <a:fillRef idx="1">
-              <a:schemeClr val="accent1"/>
-            </a:fillRef>
-            <a:effectRef idx="0">
-              <a:schemeClr val="accent1"/>
-            </a:effectRef>
-            <a:fontRef idx="minor">
-              <a:schemeClr val="lt1"/>
-            </a:fontRef>
-          </p:style>
-          <p:txBody>
-            <a:bodyPr rtlCol="0" anchor="ctr"/>
-            <a:lstStyle/>
-            <a:p>
-              <a:pPr algn="ctr"/>
-              <a:endParaRPr lang="en-US"/>
-            </a:p>
-          </p:txBody>
-        </p:sp>
-      </p:grpSp>
-      <p:grpSp>
-        <p:nvGrpSpPr>
-          <p:cNvPr id="71" name="Group 70">
-            <a:extLst>
-              <a:ext uri="{FF2B5EF4-FFF2-40B4-BE49-F238E27FC236}">
-                <a16:creationId xmlns:a16="http://schemas.microsoft.com/office/drawing/2014/main" id="{ABA446FA-E4EE-F040-8BF5-9876B14EF317}"/>
-              </a:ext>
-            </a:extLst>
-          </p:cNvPr>
-          <p:cNvGrpSpPr/>
-          <p:nvPr/>
-        </p:nvGrpSpPr>
-        <p:grpSpPr>
-          <a:xfrm rot="12730154">
-            <a:off x="9260013" y="3740636"/>
-            <a:ext cx="1559806" cy="89408"/>
-            <a:chOff x="9749563" y="2555303"/>
-            <a:chExt cx="1109620" cy="89408"/>
-          </a:xfrm>
-        </p:grpSpPr>
-        <p:cxnSp>
-          <p:nvCxnSpPr>
-            <p:cNvPr id="72" name="Straight Connector 71">
-              <a:extLst>
-                <a:ext uri="{FF2B5EF4-FFF2-40B4-BE49-F238E27FC236}">
-                  <a16:creationId xmlns:a16="http://schemas.microsoft.com/office/drawing/2014/main" id="{624A11D9-2B10-2747-A7D0-689CDEF48E94}"/>
-                </a:ext>
-              </a:extLst>
-            </p:cNvPr>
-            <p:cNvCxnSpPr/>
-            <p:nvPr/>
-          </p:nvCxnSpPr>
-          <p:spPr>
-            <a:xfrm>
-              <a:off x="9749563" y="2590800"/>
-              <a:ext cx="1074012" cy="0"/>
-            </a:xfrm>
-            <a:prstGeom prst="line">
-              <a:avLst/>
-            </a:prstGeom>
-          </p:spPr>
-          <p:style>
-            <a:lnRef idx="3">
-              <a:schemeClr val="accent1"/>
-            </a:lnRef>
-            <a:fillRef idx="0">
-              <a:schemeClr val="accent1"/>
-            </a:fillRef>
-            <a:effectRef idx="2">
-              <a:schemeClr val="accent1"/>
-            </a:effectRef>
-            <a:fontRef idx="minor">
-              <a:schemeClr val="tx1"/>
-            </a:fontRef>
-          </p:style>
-        </p:cxnSp>
-        <p:sp>
-          <p:nvSpPr>
-            <p:cNvPr id="73" name="Triangle 72">
-              <a:extLst>
-                <a:ext uri="{FF2B5EF4-FFF2-40B4-BE49-F238E27FC236}">
-                  <a16:creationId xmlns:a16="http://schemas.microsoft.com/office/drawing/2014/main" id="{79DBE891-FE0C-FC4B-8A20-A600C44D4A43}"/>
-                </a:ext>
-              </a:extLst>
-            </p:cNvPr>
-            <p:cNvSpPr/>
-            <p:nvPr/>
-          </p:nvSpPr>
-          <p:spPr>
-            <a:xfrm rot="5400000">
-              <a:off x="10775695" y="2561222"/>
-              <a:ext cx="89408" cy="77569"/>
-            </a:xfrm>
-            <a:prstGeom prst="triangle">
-              <a:avLst/>
-            </a:prstGeom>
-            <a:ln>
-              <a:noFill/>
-            </a:ln>
-          </p:spPr>
-          <p:style>
-            <a:lnRef idx="2">
-              <a:schemeClr val="accent1">
-                <a:shade val="50000"/>
-              </a:schemeClr>
-            </a:lnRef>
-            <a:fillRef idx="1">
-              <a:schemeClr val="accent1"/>
-            </a:fillRef>
-            <a:effectRef idx="0">
-              <a:schemeClr val="accent1"/>
-            </a:effectRef>
-            <a:fontRef idx="minor">
-              <a:schemeClr val="lt1"/>
-            </a:fontRef>
-          </p:style>
-          <p:txBody>
-            <a:bodyPr rtlCol="0" anchor="ctr"/>
-            <a:lstStyle/>
-            <a:p>
-              <a:pPr algn="ctr"/>
-              <a:endParaRPr lang="en-US"/>
-            </a:p>
-          </p:txBody>
-        </p:sp>
-      </p:grpSp>
+          <a:prstGeom prst="rect">
+            <a:avLst/>
+          </a:prstGeom>
+          <a:noFill/>
+        </p:spPr>
+        <p:txBody>
+          <a:bodyPr wrap="square" rtlCol="0">
+            <a:spAutoFit/>
+          </a:bodyPr>
+          <a:lstStyle/>
+          <a:p>
+            <a:r>
+              <a:rPr lang="en-US" dirty="0">
+                <a:solidFill>
+                  <a:srgbClr val="FF0000"/>
+                </a:solidFill>
+              </a:rPr>
+              <a:t>alternative layout to previous slide</a:t>
+            </a:r>
+          </a:p>
+        </p:txBody>
+      </p:sp>
     </p:spTree>
     <p:extLst>
       <p:ext uri="{BB962C8B-B14F-4D97-AF65-F5344CB8AC3E}">
-        <p14:creationId xmlns:p14="http://schemas.microsoft.com/office/powerpoint/2010/main" val="1343426616"/>
+        <p14:creationId xmlns:p14="http://schemas.microsoft.com/office/powerpoint/2010/main" val="3136995839"/>
       </p:ext>
     </p:extLst>
   </p:cSld>
@@ -9738,7 +9742,7 @@
 </p:sld>
 </file>
 
-<file path=ppt/slides/slide8.xml><?xml version="1.0" encoding="utf-8"?>
+<file path=ppt/slides/slide7.xml><?xml version="1.0" encoding="utf-8"?>
 <p:sld xmlns:a="http://schemas.openxmlformats.org/drawingml/2006/main" xmlns:r="http://schemas.openxmlformats.org/officeDocument/2006/relationships" xmlns:p="http://schemas.openxmlformats.org/presentationml/2006/main">
   <p:cSld>
     <p:spTree>
@@ -9783,7 +9787,7 @@
           <a:p>
             <a:r>
               <a:rPr lang="en-US" dirty="0"/>
-              <a:t>Model Baseline Behavior</a:t>
+              <a:t>Baseline Behavior</a:t>
             </a:r>
           </a:p>
         </p:txBody>
@@ -10058,7 +10062,7 @@
 </p:sld>
 </file>
 
-<file path=ppt/slides/slide9.xml><?xml version="1.0" encoding="utf-8"?>
+<file path=ppt/slides/slide8.xml><?xml version="1.0" encoding="utf-8"?>
 <p:sld xmlns:a="http://schemas.openxmlformats.org/drawingml/2006/main" xmlns:r="http://schemas.openxmlformats.org/officeDocument/2006/relationships" xmlns:p="http://schemas.openxmlformats.org/presentationml/2006/main">
   <p:cSld>
     <p:spTree>
@@ -10103,7 +10107,7 @@
           <a:p>
             <a:r>
               <a:rPr lang="en-US" dirty="0"/>
-              <a:t>Model Baseline Behavior</a:t>
+              <a:t>Baseline Behavior</a:t>
             </a:r>
           </a:p>
         </p:txBody>
@@ -10648,6 +10652,198 @@
 </p:sld>
 </file>
 
+<file path=ppt/slides/slide9.xml><?xml version="1.0" encoding="utf-8"?>
+<p:sld xmlns:a="http://schemas.openxmlformats.org/drawingml/2006/main" xmlns:r="http://schemas.openxmlformats.org/officeDocument/2006/relationships" xmlns:p="http://schemas.openxmlformats.org/presentationml/2006/main">
+  <p:cSld>
+    <p:spTree>
+      <p:nvGrpSpPr>
+        <p:cNvPr id="1" name=""/>
+        <p:cNvGrpSpPr/>
+        <p:nvPr/>
+      </p:nvGrpSpPr>
+      <p:grpSpPr>
+        <a:xfrm>
+          <a:off x="0" y="0"/>
+          <a:ext cx="0" cy="0"/>
+          <a:chOff x="0" y="0"/>
+          <a:chExt cx="0" cy="0"/>
+        </a:xfrm>
+      </p:grpSpPr>
+      <p:sp>
+        <p:nvSpPr>
+          <p:cNvPr id="2" name="Title 1">
+            <a:extLst>
+              <a:ext uri="{FF2B5EF4-FFF2-40B4-BE49-F238E27FC236}">
+                <a16:creationId xmlns:a16="http://schemas.microsoft.com/office/drawing/2014/main" id="{C1887928-B96B-AF43-BC80-4766FA1919C9}"/>
+              </a:ext>
+            </a:extLst>
+          </p:cNvPr>
+          <p:cNvSpPr>
+            <a:spLocks noGrp="1"/>
+          </p:cNvSpPr>
+          <p:nvPr>
+            <p:ph type="title"/>
+          </p:nvPr>
+        </p:nvSpPr>
+        <p:spPr/>
+        <p:txBody>
+          <a:bodyPr/>
+          <a:lstStyle/>
+          <a:p>
+            <a:r>
+              <a:rPr lang="en-US" dirty="0"/>
+              <a:t>Findings</a:t>
+            </a:r>
+          </a:p>
+        </p:txBody>
+      </p:sp>
+      <p:sp>
+        <p:nvSpPr>
+          <p:cNvPr id="3" name="Content Placeholder 2">
+            <a:extLst>
+              <a:ext uri="{FF2B5EF4-FFF2-40B4-BE49-F238E27FC236}">
+                <a16:creationId xmlns:a16="http://schemas.microsoft.com/office/drawing/2014/main" id="{E70FBF5E-078B-6F4B-9D66-19644C6C4AF2}"/>
+              </a:ext>
+            </a:extLst>
+          </p:cNvPr>
+          <p:cNvSpPr>
+            <a:spLocks noGrp="1"/>
+          </p:cNvSpPr>
+          <p:nvPr>
+            <p:ph idx="1"/>
+          </p:nvPr>
+        </p:nvSpPr>
+        <p:spPr/>
+        <p:txBody>
+          <a:bodyPr>
+            <a:normAutofit lnSpcReduction="10000"/>
+          </a:bodyPr>
+          <a:lstStyle/>
+          <a:p>
+            <a:r>
+              <a:rPr lang="en-US" dirty="0"/>
+              <a:t>explored what level of inhibition results in stopping of persistent activity</a:t>
+            </a:r>
+          </a:p>
+          <a:p>
+            <a:pPr lvl="1"/>
+            <a:r>
+              <a:rPr lang="en-US" dirty="0"/>
+              <a:t>GABA gain</a:t>
+            </a:r>
+          </a:p>
+          <a:p>
+            <a:pPr lvl="1"/>
+            <a:r>
+              <a:rPr lang="en-US" dirty="0"/>
+              <a:t>GABA </a:t>
+            </a:r>
+          </a:p>
+          <a:p>
+            <a:pPr lvl="1"/>
+            <a:r>
+              <a:rPr lang="en-US" dirty="0"/>
+              <a:t>synapses per connection</a:t>
+            </a:r>
+          </a:p>
+          <a:p>
+            <a:pPr lvl="1"/>
+            <a:r>
+              <a:rPr lang="en-US" dirty="0"/>
+              <a:t>number of FS cells</a:t>
+            </a:r>
+          </a:p>
+          <a:p>
+            <a:r>
+              <a:rPr lang="en-US" dirty="0" err="1"/>
+              <a:t>GABAb</a:t>
+            </a:r>
+            <a:r>
+              <a:rPr lang="en-US" dirty="0"/>
+              <a:t> synapses/connections have biggest influence on network</a:t>
+            </a:r>
+          </a:p>
+          <a:p>
+            <a:r>
+              <a:rPr lang="en-US" dirty="0"/>
+              <a:t>three activities (??) observed</a:t>
+            </a:r>
+          </a:p>
+          <a:p>
+            <a:pPr lvl="1"/>
+            <a:r>
+              <a:rPr lang="en-US" dirty="0"/>
+              <a:t>recurrent firing</a:t>
+            </a:r>
+          </a:p>
+          <a:p>
+            <a:pPr lvl="1"/>
+            <a:r>
+              <a:rPr lang="en-US" dirty="0"/>
+              <a:t>fire only with stimulus</a:t>
+            </a:r>
+          </a:p>
+          <a:p>
+            <a:pPr lvl="1"/>
+            <a:r>
+              <a:rPr lang="en-US" dirty="0"/>
+              <a:t>inhibition too high for firing beyond initial spike</a:t>
+            </a:r>
+          </a:p>
+        </p:txBody>
+      </p:sp>
+      <p:sp>
+        <p:nvSpPr>
+          <p:cNvPr id="4" name="TextBox 3">
+            <a:extLst>
+              <a:ext uri="{FF2B5EF4-FFF2-40B4-BE49-F238E27FC236}">
+                <a16:creationId xmlns:a16="http://schemas.microsoft.com/office/drawing/2014/main" id="{0B8CB1EA-4243-1448-9857-87518EACD515}"/>
+              </a:ext>
+            </a:extLst>
+          </p:cNvPr>
+          <p:cNvSpPr txBox="1"/>
+          <p:nvPr/>
+        </p:nvSpPr>
+        <p:spPr>
+          <a:xfrm>
+            <a:off x="1303867" y="5981700"/>
+            <a:ext cx="4250267" cy="646331"/>
+          </a:xfrm>
+          <a:prstGeom prst="rect">
+            <a:avLst/>
+          </a:prstGeom>
+          <a:noFill/>
+        </p:spPr>
+        <p:txBody>
+          <a:bodyPr wrap="square" rtlCol="0">
+            <a:spAutoFit/>
+          </a:bodyPr>
+          <a:lstStyle/>
+          <a:p>
+            <a:r>
+              <a:rPr lang="en-US" dirty="0">
+                <a:solidFill>
+                  <a:srgbClr val="FF0000"/>
+                </a:solidFill>
+              </a:rPr>
+              <a:t>activities right wording? or use responses?</a:t>
+            </a:r>
+          </a:p>
+        </p:txBody>
+      </p:sp>
+    </p:spTree>
+    <p:extLst>
+      <p:ext uri="{BB962C8B-B14F-4D97-AF65-F5344CB8AC3E}">
+        <p14:creationId xmlns:p14="http://schemas.microsoft.com/office/powerpoint/2010/main" val="2195139757"/>
+      </p:ext>
+    </p:extLst>
+  </p:cSld>
+  <p:clrMapOvr>
+    <a:masterClrMapping/>
+  </p:clrMapOvr>
+</p:sld>
+</file>
+
 <file path=ppt/theme/theme1.xml><?xml version="1.0" encoding="utf-8"?>
 <a:theme xmlns:a="http://schemas.openxmlformats.org/drawingml/2006/main" name="Crop">
   <a:themeElements>
